--- a/2020-01-OldTimersPresentation.pptx
+++ b/2020-01-OldTimersPresentation.pptx
@@ -5,7 +5,7 @@
     <p:sldMasterId id="2147483648" r:id="rId1"/>
   </p:sldMasterIdLst>
   <p:notesMasterIdLst>
-    <p:notesMasterId r:id="rId14"/>
+    <p:notesMasterId r:id="rId22"/>
   </p:notesMasterIdLst>
   <p:sldIdLst>
     <p:sldId id="273" r:id="rId2"/>
@@ -18,8 +18,16 @@
     <p:sldId id="275" r:id="rId9"/>
     <p:sldId id="276" r:id="rId10"/>
     <p:sldId id="277" r:id="rId11"/>
-    <p:sldId id="271" r:id="rId12"/>
-    <p:sldId id="272" r:id="rId13"/>
+    <p:sldId id="278" r:id="rId12"/>
+    <p:sldId id="279" r:id="rId13"/>
+    <p:sldId id="280" r:id="rId14"/>
+    <p:sldId id="281" r:id="rId15"/>
+    <p:sldId id="271" r:id="rId16"/>
+    <p:sldId id="272" r:id="rId17"/>
+    <p:sldId id="282" r:id="rId18"/>
+    <p:sldId id="283" r:id="rId19"/>
+    <p:sldId id="285" r:id="rId20"/>
+    <p:sldId id="284" r:id="rId21"/>
   </p:sldIdLst>
   <p:sldSz cx="12192000" cy="6858000"/>
   <p:notesSz cx="6858000" cy="9144000"/>
@@ -233,7 +241,7 @@
           <a:p>
             <a:fld id="{1A22E6F6-2ED8-4E38-B00D-D2F99C0E0746}" type="datetimeFigureOut">
               <a:rPr lang="en-US" smtClean="0"/>
-              <a:t>1/23/2020</a:t>
+              <a:t>1/24/20</a:t>
             </a:fld>
             <a:endParaRPr lang="en-US"/>
           </a:p>
@@ -726,72 +734,6 @@
           <a:bodyPr/>
           <a:lstStyle/>
           <a:p>
-            <a:pPr marL="228600" indent="-228600">
-              <a:buAutoNum type="alphaUcPeriod" startAt="6"/>
-            </a:pPr>
-            <a:r>
-              <a:rPr lang="en-US" dirty="0"/>
-              <a:t>Conclusions (TBD)</a:t>
-            </a:r>
-          </a:p>
-          <a:p>
-            <a:pPr marL="228600" indent="-228600">
-              <a:buAutoNum type="alphaUcPeriod" startAt="6"/>
-            </a:pPr>
-            <a:endParaRPr lang="en-US" dirty="0"/>
-          </a:p>
-          <a:p>
-            <a:pPr marL="457200" indent="-457200">
-              <a:lnSpc>
-                <a:spcPct val="100000"/>
-              </a:lnSpc>
-              <a:spcBef>
-                <a:spcPts val="0"/>
-              </a:spcBef>
-              <a:buFont typeface="+mj-lt"/>
-              <a:buAutoNum type="arabicParenR"/>
-            </a:pPr>
-            <a:r>
-              <a:rPr lang="en-US" sz="1200" dirty="0"/>
-              <a:t>Any single demographic category is NOT a good predictor of which 2016 presidential candidate won any Indiana county.</a:t>
-            </a:r>
-          </a:p>
-          <a:p>
-            <a:pPr marL="457200" indent="-457200">
-              <a:lnSpc>
-                <a:spcPct val="100000"/>
-              </a:lnSpc>
-              <a:spcBef>
-                <a:spcPts val="0"/>
-              </a:spcBef>
-              <a:buFont typeface="+mj-lt"/>
-              <a:buAutoNum type="arabicParenR"/>
-            </a:pPr>
-            <a:r>
-              <a:rPr lang="en-US" sz="1200" dirty="0"/>
-              <a:t>?</a:t>
-            </a:r>
-          </a:p>
-          <a:p>
-            <a:pPr marL="457200" indent="-457200">
-              <a:lnSpc>
-                <a:spcPct val="100000"/>
-              </a:lnSpc>
-              <a:spcBef>
-                <a:spcPts val="0"/>
-              </a:spcBef>
-              <a:buFont typeface="+mj-lt"/>
-              <a:buAutoNum type="arabicParenR"/>
-            </a:pPr>
-            <a:r>
-              <a:rPr lang="en-US" sz="1200" dirty="0"/>
-              <a:t>?</a:t>
-            </a:r>
-          </a:p>
-          <a:p>
-            <a:pPr marL="0" indent="0">
-              <a:buNone/>
-            </a:pPr>
             <a:endParaRPr lang="en-US" dirty="0"/>
           </a:p>
         </p:txBody>
@@ -822,7 +764,7 @@
     </p:spTree>
     <p:extLst>
       <p:ext uri="{BB962C8B-B14F-4D97-AF65-F5344CB8AC3E}">
-        <p14:creationId xmlns:p14="http://schemas.microsoft.com/office/powerpoint/2010/main" val="3065975783"/>
+        <p14:creationId xmlns:p14="http://schemas.microsoft.com/office/powerpoint/2010/main" val="3957848276"/>
       </p:ext>
     </p:extLst>
   </p:cSld>
@@ -877,6 +819,156 @@
           <a:lstStyle/>
           <a:p>
             <a:pPr marL="228600" indent="-228600">
+              <a:buAutoNum type="alphaUcPeriod" startAt="6"/>
+            </a:pPr>
+            <a:r>
+              <a:rPr lang="en-US" dirty="0"/>
+              <a:t>Conclusions (TBD)</a:t>
+            </a:r>
+          </a:p>
+          <a:p>
+            <a:pPr marL="228600" indent="-228600">
+              <a:buAutoNum type="alphaUcPeriod" startAt="6"/>
+            </a:pPr>
+            <a:endParaRPr lang="en-US" dirty="0"/>
+          </a:p>
+          <a:p>
+            <a:pPr marL="457200" indent="-457200">
+              <a:lnSpc>
+                <a:spcPct val="100000"/>
+              </a:lnSpc>
+              <a:spcBef>
+                <a:spcPts val="0"/>
+              </a:spcBef>
+              <a:buFont typeface="+mj-lt"/>
+              <a:buAutoNum type="arabicParenR"/>
+            </a:pPr>
+            <a:r>
+              <a:rPr lang="en-US" sz="1200" dirty="0"/>
+              <a:t>Any single demographic category is NOT a good predictor of which 2016 presidential candidate won any Indiana county.</a:t>
+            </a:r>
+          </a:p>
+          <a:p>
+            <a:pPr marL="457200" indent="-457200">
+              <a:lnSpc>
+                <a:spcPct val="100000"/>
+              </a:lnSpc>
+              <a:spcBef>
+                <a:spcPts val="0"/>
+              </a:spcBef>
+              <a:buFont typeface="+mj-lt"/>
+              <a:buAutoNum type="arabicParenR"/>
+            </a:pPr>
+            <a:r>
+              <a:rPr lang="en-US" sz="1200" dirty="0"/>
+              <a:t>?</a:t>
+            </a:r>
+          </a:p>
+          <a:p>
+            <a:pPr marL="457200" indent="-457200">
+              <a:lnSpc>
+                <a:spcPct val="100000"/>
+              </a:lnSpc>
+              <a:spcBef>
+                <a:spcPts val="0"/>
+              </a:spcBef>
+              <a:buFont typeface="+mj-lt"/>
+              <a:buAutoNum type="arabicParenR"/>
+            </a:pPr>
+            <a:r>
+              <a:rPr lang="en-US" sz="1200" dirty="0"/>
+              <a:t>?</a:t>
+            </a:r>
+          </a:p>
+          <a:p>
+            <a:pPr marL="0" indent="0">
+              <a:buNone/>
+            </a:pPr>
+            <a:endParaRPr lang="en-US" dirty="0"/>
+          </a:p>
+        </p:txBody>
+      </p:sp>
+      <p:sp>
+        <p:nvSpPr>
+          <p:cNvPr id="4" name="Slide Number Placeholder 3"/>
+          <p:cNvSpPr>
+            <a:spLocks noGrp="1"/>
+          </p:cNvSpPr>
+          <p:nvPr>
+            <p:ph type="sldNum" sz="quarter" idx="5"/>
+          </p:nvPr>
+        </p:nvSpPr>
+        <p:spPr/>
+        <p:txBody>
+          <a:bodyPr/>
+          <a:lstStyle/>
+          <a:p>
+            <a:fld id="{8E920BCB-0390-48C0-BB31-089CCB0AC4A1}" type="slidenum">
+              <a:rPr lang="en-US" smtClean="0"/>
+              <a:t>15</a:t>
+            </a:fld>
+            <a:endParaRPr lang="en-US"/>
+          </a:p>
+        </p:txBody>
+      </p:sp>
+    </p:spTree>
+    <p:extLst>
+      <p:ext uri="{BB962C8B-B14F-4D97-AF65-F5344CB8AC3E}">
+        <p14:creationId xmlns:p14="http://schemas.microsoft.com/office/powerpoint/2010/main" val="3065975783"/>
+      </p:ext>
+    </p:extLst>
+  </p:cSld>
+  <p:clrMapOvr>
+    <a:masterClrMapping/>
+  </p:clrMapOvr>
+</p:notes>
+</file>
+
+<file path=ppt/notesSlides/notesSlide13.xml><?xml version="1.0" encoding="utf-8"?>
+<p:notes xmlns:a="http://schemas.openxmlformats.org/drawingml/2006/main" xmlns:r="http://schemas.openxmlformats.org/officeDocument/2006/relationships" xmlns:p="http://schemas.openxmlformats.org/presentationml/2006/main">
+  <p:cSld>
+    <p:spTree>
+      <p:nvGrpSpPr>
+        <p:cNvPr id="1" name=""/>
+        <p:cNvGrpSpPr/>
+        <p:nvPr/>
+      </p:nvGrpSpPr>
+      <p:grpSpPr>
+        <a:xfrm>
+          <a:off x="0" y="0"/>
+          <a:ext cx="0" cy="0"/>
+          <a:chOff x="0" y="0"/>
+          <a:chExt cx="0" cy="0"/>
+        </a:xfrm>
+      </p:grpSpPr>
+      <p:sp>
+        <p:nvSpPr>
+          <p:cNvPr id="2" name="Slide Image Placeholder 1"/>
+          <p:cNvSpPr>
+            <a:spLocks noGrp="1" noRot="1" noChangeAspect="1"/>
+          </p:cNvSpPr>
+          <p:nvPr>
+            <p:ph type="sldImg"/>
+          </p:nvPr>
+        </p:nvSpPr>
+        <p:spPr/>
+      </p:sp>
+      <p:sp>
+        <p:nvSpPr>
+          <p:cNvPr id="3" name="Notes Placeholder 2"/>
+          <p:cNvSpPr>
+            <a:spLocks noGrp="1"/>
+          </p:cNvSpPr>
+          <p:nvPr>
+            <p:ph type="body" idx="1"/>
+          </p:nvPr>
+        </p:nvSpPr>
+        <p:spPr/>
+        <p:txBody>
+          <a:bodyPr/>
+          <a:lstStyle/>
+          <a:p>
+            <a:pPr marL="228600" indent="-228600">
               <a:buAutoNum type="alphaUcPeriod" startAt="7"/>
             </a:pPr>
             <a:r>
@@ -1032,7 +1124,7 @@
           <a:p>
             <a:fld id="{8E920BCB-0390-48C0-BB31-089CCB0AC4A1}" type="slidenum">
               <a:rPr lang="en-US" smtClean="0"/>
-              <a:t>12</a:t>
+              <a:t>16</a:t>
             </a:fld>
             <a:endParaRPr lang="en-US"/>
           </a:p>
@@ -2595,7 +2687,7 @@
           <a:p>
             <a:fld id="{1063A2CF-961F-4063-A655-AECDC5A1EA75}" type="datetimeFigureOut">
               <a:rPr lang="en-US" smtClean="0"/>
-              <a:t>1/23/2020</a:t>
+              <a:t>1/24/20</a:t>
             </a:fld>
             <a:endParaRPr lang="en-US"/>
           </a:p>
@@ -2827,7 +2919,7 @@
           <a:p>
             <a:fld id="{1063A2CF-961F-4063-A655-AECDC5A1EA75}" type="datetimeFigureOut">
               <a:rPr lang="en-US" smtClean="0"/>
-              <a:t>1/23/2020</a:t>
+              <a:t>1/24/20</a:t>
             </a:fld>
             <a:endParaRPr lang="en-US"/>
           </a:p>
@@ -3191,7 +3283,7 @@
           <a:p>
             <a:fld id="{1063A2CF-961F-4063-A655-AECDC5A1EA75}" type="datetimeFigureOut">
               <a:rPr lang="en-US" smtClean="0"/>
-              <a:t>1/23/2020</a:t>
+              <a:t>1/24/20</a:t>
             </a:fld>
             <a:endParaRPr lang="en-US"/>
           </a:p>
@@ -3520,7 +3612,7 @@
           <a:p>
             <a:fld id="{1063A2CF-961F-4063-A655-AECDC5A1EA75}" type="datetimeFigureOut">
               <a:rPr lang="en-US" smtClean="0"/>
-              <a:t>1/23/2020</a:t>
+              <a:t>1/24/20</a:t>
             </a:fld>
             <a:endParaRPr lang="en-US"/>
           </a:p>
@@ -3809,7 +3901,7 @@
           <a:p>
             <a:fld id="{1063A2CF-961F-4063-A655-AECDC5A1EA75}" type="datetimeFigureOut">
               <a:rPr lang="en-US" smtClean="0"/>
-              <a:t>1/23/2020</a:t>
+              <a:t>1/24/20</a:t>
             </a:fld>
             <a:endParaRPr lang="en-US"/>
           </a:p>
@@ -4245,7 +4337,7 @@
           <a:p>
             <a:fld id="{1063A2CF-961F-4063-A655-AECDC5A1EA75}" type="datetimeFigureOut">
               <a:rPr lang="en-US" smtClean="0"/>
-              <a:t>1/23/2020</a:t>
+              <a:t>1/24/20</a:t>
             </a:fld>
             <a:endParaRPr lang="en-US"/>
           </a:p>
@@ -4580,7 +4672,7 @@
           <a:p>
             <a:fld id="{1063A2CF-961F-4063-A655-AECDC5A1EA75}" type="datetimeFigureOut">
               <a:rPr lang="en-US" smtClean="0"/>
-              <a:t>1/23/2020</a:t>
+              <a:t>1/24/20</a:t>
             </a:fld>
             <a:endParaRPr lang="en-US"/>
           </a:p>
@@ -4892,7 +4984,7 @@
           <a:p>
             <a:fld id="{1063A2CF-961F-4063-A655-AECDC5A1EA75}" type="datetimeFigureOut">
               <a:rPr lang="en-US" smtClean="0"/>
-              <a:t>1/23/2020</a:t>
+              <a:t>1/24/20</a:t>
             </a:fld>
             <a:endParaRPr lang="en-US"/>
           </a:p>
@@ -5690,6 +5782,78 @@
           <a:chExt cx="0" cy="0"/>
         </a:xfrm>
       </p:grpSpPr>
+      <p:pic>
+        <p:nvPicPr>
+          <p:cNvPr id="4" name="Picture 3" descr="A close up of a map&#10;&#10;Description automatically generated">
+            <a:extLst>
+              <a:ext uri="{FF2B5EF4-FFF2-40B4-BE49-F238E27FC236}">
+                <a16:creationId xmlns:a16="http://schemas.microsoft.com/office/drawing/2014/main" id="{B77278AA-9D48-0441-B856-C5A6895FA9BE}"/>
+              </a:ext>
+            </a:extLst>
+          </p:cNvPr>
+          <p:cNvPicPr>
+            <a:picLocks noChangeAspect="1"/>
+          </p:cNvPicPr>
+          <p:nvPr/>
+        </p:nvPicPr>
+        <p:blipFill>
+          <a:blip r:embed="rId3">
+            <a:extLst>
+              <a:ext uri="{28A0092B-C50C-407E-A947-70E740481C1C}">
+                <a14:useLocalDpi xmlns:a14="http://schemas.microsoft.com/office/drawing/2010/main" val="0"/>
+              </a:ext>
+            </a:extLst>
+          </a:blip>
+          <a:stretch>
+            <a:fillRect/>
+          </a:stretch>
+        </p:blipFill>
+        <p:spPr>
+          <a:xfrm>
+            <a:off x="2057400" y="647700"/>
+            <a:ext cx="7543800" cy="5029200"/>
+          </a:xfrm>
+          <a:prstGeom prst="rect">
+            <a:avLst/>
+          </a:prstGeom>
+        </p:spPr>
+      </p:pic>
+      <p:sp>
+        <p:nvSpPr>
+          <p:cNvPr id="5" name="TextBox 4">
+            <a:extLst>
+              <a:ext uri="{FF2B5EF4-FFF2-40B4-BE49-F238E27FC236}">
+                <a16:creationId xmlns:a16="http://schemas.microsoft.com/office/drawing/2014/main" id="{FA899052-34D5-9F41-AB9C-876183855A8C}"/>
+              </a:ext>
+            </a:extLst>
+          </p:cNvPr>
+          <p:cNvSpPr txBox="1"/>
+          <p:nvPr/>
+        </p:nvSpPr>
+        <p:spPr>
+          <a:xfrm>
+            <a:off x="1285875" y="355312"/>
+            <a:ext cx="9620250" cy="584775"/>
+          </a:xfrm>
+          <a:prstGeom prst="rect">
+            <a:avLst/>
+          </a:prstGeom>
+          <a:noFill/>
+        </p:spPr>
+        <p:txBody>
+          <a:bodyPr wrap="square" rtlCol="0">
+            <a:spAutoFit/>
+          </a:bodyPr>
+          <a:lstStyle/>
+          <a:p>
+            <a:pPr algn="ctr"/>
+            <a:r>
+              <a:rPr lang="en-US" sz="3200" b="1" dirty="0"/>
+              <a:t>What effect does median age have on the GOP vote?</a:t>
+            </a:r>
+          </a:p>
+        </p:txBody>
+      </p:sp>
     </p:spTree>
     <p:extLst>
       <p:ext uri="{BB962C8B-B14F-4D97-AF65-F5344CB8AC3E}">
@@ -5720,80 +5884,46 @@
           <a:chExt cx="0" cy="0"/>
         </a:xfrm>
       </p:grpSpPr>
-      <p:sp>
-        <p:nvSpPr>
-          <p:cNvPr id="2" name="Title 1">
-            <a:extLst>
-              <a:ext uri="{FF2B5EF4-FFF2-40B4-BE49-F238E27FC236}">
-                <a16:creationId xmlns:a16="http://schemas.microsoft.com/office/drawing/2014/main" id="{4ECCE340-BE9F-4939-9408-BF10C66420FC}"/>
-              </a:ext>
-            </a:extLst>
-          </p:cNvPr>
-          <p:cNvSpPr>
-            <a:spLocks noGrp="1"/>
-          </p:cNvSpPr>
-          <p:nvPr>
-            <p:ph type="title"/>
-          </p:nvPr>
-        </p:nvSpPr>
-        <p:spPr/>
-        <p:txBody>
-          <a:bodyPr>
-            <a:normAutofit fontScale="90000"/>
-          </a:bodyPr>
-          <a:lstStyle/>
-          <a:p>
-            <a:r>
-              <a:rPr lang="en-US" dirty="0"/>
-              <a:t>F. Conclusions (TBD)</a:t>
-            </a:r>
-          </a:p>
-        </p:txBody>
-      </p:sp>
-      <p:sp>
-        <p:nvSpPr>
-          <p:cNvPr id="3" name="Content Placeholder 2">
-            <a:extLst>
-              <a:ext uri="{FF2B5EF4-FFF2-40B4-BE49-F238E27FC236}">
-                <a16:creationId xmlns:a16="http://schemas.microsoft.com/office/drawing/2014/main" id="{C2210B30-F023-48E0-9C4F-5C73E22E4CF5}"/>
-              </a:ext>
-            </a:extLst>
-          </p:cNvPr>
-          <p:cNvSpPr>
-            <a:spLocks noGrp="1"/>
-          </p:cNvSpPr>
-          <p:nvPr>
-            <p:ph idx="1"/>
-          </p:nvPr>
-        </p:nvSpPr>
-        <p:spPr/>
-        <p:txBody>
-          <a:bodyPr/>
-          <a:lstStyle/>
-          <a:p>
-            <a:r>
-              <a:rPr lang="en-US" dirty="0"/>
-              <a:t>Any single demographic category is NOT a good predictor of which 2016 presidential candidate won any Indiana county.</a:t>
-            </a:r>
-          </a:p>
-          <a:p>
-            <a:r>
-              <a:rPr lang="en-US" dirty="0"/>
-              <a:t>?</a:t>
-            </a:r>
-          </a:p>
-          <a:p>
-            <a:r>
-              <a:rPr lang="en-US" dirty="0"/>
-              <a:t>?</a:t>
-            </a:r>
-          </a:p>
-        </p:txBody>
-      </p:sp>
+      <p:pic>
+        <p:nvPicPr>
+          <p:cNvPr id="4" name="Picture 3" descr="A close up of a map&#10;&#10;Description automatically generated">
+            <a:extLst>
+              <a:ext uri="{FF2B5EF4-FFF2-40B4-BE49-F238E27FC236}">
+                <a16:creationId xmlns:a16="http://schemas.microsoft.com/office/drawing/2014/main" id="{6A1FC1C8-5A78-6548-98B4-DE7B33506E0A}"/>
+              </a:ext>
+            </a:extLst>
+          </p:cNvPr>
+          <p:cNvPicPr>
+            <a:picLocks noChangeAspect="1"/>
+          </p:cNvPicPr>
+          <p:nvPr/>
+        </p:nvPicPr>
+        <p:blipFill>
+          <a:blip r:embed="rId3">
+            <a:extLst>
+              <a:ext uri="{28A0092B-C50C-407E-A947-70E740481C1C}">
+                <a14:useLocalDpi xmlns:a14="http://schemas.microsoft.com/office/drawing/2010/main" val="0"/>
+              </a:ext>
+            </a:extLst>
+          </a:blip>
+          <a:stretch>
+            <a:fillRect/>
+          </a:stretch>
+        </p:blipFill>
+        <p:spPr>
+          <a:xfrm>
+            <a:off x="2266950" y="381000"/>
+            <a:ext cx="7658100" cy="5105400"/>
+          </a:xfrm>
+          <a:prstGeom prst="rect">
+            <a:avLst/>
+          </a:prstGeom>
+        </p:spPr>
+      </p:pic>
     </p:spTree>
     <p:extLst>
       <p:ext uri="{BB962C8B-B14F-4D97-AF65-F5344CB8AC3E}">
-        <p14:creationId xmlns:p14="http://schemas.microsoft.com/office/powerpoint/2010/main" val="3708139832"/>
+        <p14:creationId xmlns:p14="http://schemas.microsoft.com/office/powerpoint/2010/main" val="1924556664"/>
       </p:ext>
     </p:extLst>
   </p:cSld>
@@ -5820,6 +5950,342 @@
           <a:chExt cx="0" cy="0"/>
         </a:xfrm>
       </p:grpSpPr>
+      <p:pic>
+        <p:nvPicPr>
+          <p:cNvPr id="3" name="Picture 2" descr="A close up of a map&#10;&#10;Description automatically generated">
+            <a:extLst>
+              <a:ext uri="{FF2B5EF4-FFF2-40B4-BE49-F238E27FC236}">
+                <a16:creationId xmlns:a16="http://schemas.microsoft.com/office/drawing/2014/main" id="{16E594D6-4141-F746-8EE2-60F451433269}"/>
+              </a:ext>
+            </a:extLst>
+          </p:cNvPr>
+          <p:cNvPicPr>
+            <a:picLocks noChangeAspect="1"/>
+          </p:cNvPicPr>
+          <p:nvPr/>
+        </p:nvPicPr>
+        <p:blipFill>
+          <a:blip r:embed="rId2">
+            <a:extLst>
+              <a:ext uri="{28A0092B-C50C-407E-A947-70E740481C1C}">
+                <a14:useLocalDpi xmlns:a14="http://schemas.microsoft.com/office/drawing/2010/main" val="0"/>
+              </a:ext>
+            </a:extLst>
+          </a:blip>
+          <a:stretch>
+            <a:fillRect/>
+          </a:stretch>
+        </p:blipFill>
+        <p:spPr>
+          <a:xfrm>
+            <a:off x="2286000" y="381000"/>
+            <a:ext cx="7620000" cy="5080000"/>
+          </a:xfrm>
+          <a:prstGeom prst="rect">
+            <a:avLst/>
+          </a:prstGeom>
+        </p:spPr>
+      </p:pic>
+    </p:spTree>
+    <p:extLst>
+      <p:ext uri="{BB962C8B-B14F-4D97-AF65-F5344CB8AC3E}">
+        <p14:creationId xmlns:p14="http://schemas.microsoft.com/office/powerpoint/2010/main" val="3984870737"/>
+      </p:ext>
+    </p:extLst>
+  </p:cSld>
+  <p:clrMapOvr>
+    <a:masterClrMapping/>
+  </p:clrMapOvr>
+</p:sld>
+</file>
+
+<file path=ppt/slides/slide13.xml><?xml version="1.0" encoding="utf-8"?>
+<p:sld xmlns:a="http://schemas.openxmlformats.org/drawingml/2006/main" xmlns:r="http://schemas.openxmlformats.org/officeDocument/2006/relationships" xmlns:p="http://schemas.openxmlformats.org/presentationml/2006/main">
+  <p:cSld>
+    <p:spTree>
+      <p:nvGrpSpPr>
+        <p:cNvPr id="1" name=""/>
+        <p:cNvGrpSpPr/>
+        <p:nvPr/>
+      </p:nvGrpSpPr>
+      <p:grpSpPr>
+        <a:xfrm>
+          <a:off x="0" y="0"/>
+          <a:ext cx="0" cy="0"/>
+          <a:chOff x="0" y="0"/>
+          <a:chExt cx="0" cy="0"/>
+        </a:xfrm>
+      </p:grpSpPr>
+      <p:pic>
+        <p:nvPicPr>
+          <p:cNvPr id="7" name="Picture 6" descr="A close up of a map&#10;&#10;Description automatically generated">
+            <a:extLst>
+              <a:ext uri="{FF2B5EF4-FFF2-40B4-BE49-F238E27FC236}">
+                <a16:creationId xmlns:a16="http://schemas.microsoft.com/office/drawing/2014/main" id="{3997D0A9-E2AA-244D-B0EF-0D1EE3786E18}"/>
+              </a:ext>
+            </a:extLst>
+          </p:cNvPr>
+          <p:cNvPicPr>
+            <a:picLocks noChangeAspect="1"/>
+          </p:cNvPicPr>
+          <p:nvPr/>
+        </p:nvPicPr>
+        <p:blipFill>
+          <a:blip r:embed="rId2">
+            <a:extLst>
+              <a:ext uri="{28A0092B-C50C-407E-A947-70E740481C1C}">
+                <a14:useLocalDpi xmlns:a14="http://schemas.microsoft.com/office/drawing/2010/main" val="0"/>
+              </a:ext>
+            </a:extLst>
+          </a:blip>
+          <a:stretch>
+            <a:fillRect/>
+          </a:stretch>
+        </p:blipFill>
+        <p:spPr>
+          <a:xfrm>
+            <a:off x="2095500" y="381000"/>
+            <a:ext cx="8001000" cy="5334000"/>
+          </a:xfrm>
+          <a:prstGeom prst="rect">
+            <a:avLst/>
+          </a:prstGeom>
+        </p:spPr>
+      </p:pic>
+    </p:spTree>
+    <p:extLst>
+      <p:ext uri="{BB962C8B-B14F-4D97-AF65-F5344CB8AC3E}">
+        <p14:creationId xmlns:p14="http://schemas.microsoft.com/office/powerpoint/2010/main" val="2827575798"/>
+      </p:ext>
+    </p:extLst>
+  </p:cSld>
+  <p:clrMapOvr>
+    <a:masterClrMapping/>
+  </p:clrMapOvr>
+</p:sld>
+</file>
+
+<file path=ppt/slides/slide14.xml><?xml version="1.0" encoding="utf-8"?>
+<p:sld xmlns:a="http://schemas.openxmlformats.org/drawingml/2006/main" xmlns:r="http://schemas.openxmlformats.org/officeDocument/2006/relationships" xmlns:p="http://schemas.openxmlformats.org/presentationml/2006/main">
+  <p:cSld>
+    <p:spTree>
+      <p:nvGrpSpPr>
+        <p:cNvPr id="1" name=""/>
+        <p:cNvGrpSpPr/>
+        <p:nvPr/>
+      </p:nvGrpSpPr>
+      <p:grpSpPr>
+        <a:xfrm>
+          <a:off x="0" y="0"/>
+          <a:ext cx="0" cy="0"/>
+          <a:chOff x="0" y="0"/>
+          <a:chExt cx="0" cy="0"/>
+        </a:xfrm>
+      </p:grpSpPr>
+      <p:pic>
+        <p:nvPicPr>
+          <p:cNvPr id="3" name="Picture 2" descr="A close up of a logo&#10;&#10;Description automatically generated">
+            <a:extLst>
+              <a:ext uri="{FF2B5EF4-FFF2-40B4-BE49-F238E27FC236}">
+                <a16:creationId xmlns:a16="http://schemas.microsoft.com/office/drawing/2014/main" id="{1372F35B-1064-2B45-981A-495CDF8FF200}"/>
+              </a:ext>
+            </a:extLst>
+          </p:cNvPr>
+          <p:cNvPicPr>
+            <a:picLocks noChangeAspect="1"/>
+          </p:cNvPicPr>
+          <p:nvPr/>
+        </p:nvPicPr>
+        <p:blipFill>
+          <a:blip r:embed="rId2">
+            <a:extLst>
+              <a:ext uri="{28A0092B-C50C-407E-A947-70E740481C1C}">
+                <a14:useLocalDpi xmlns:a14="http://schemas.microsoft.com/office/drawing/2010/main" val="0"/>
+              </a:ext>
+            </a:extLst>
+          </a:blip>
+          <a:stretch>
+            <a:fillRect/>
+          </a:stretch>
+        </p:blipFill>
+        <p:spPr>
+          <a:xfrm>
+            <a:off x="2171700" y="533400"/>
+            <a:ext cx="7848600" cy="5232400"/>
+          </a:xfrm>
+          <a:prstGeom prst="rect">
+            <a:avLst/>
+          </a:prstGeom>
+        </p:spPr>
+      </p:pic>
+      <p:sp>
+        <p:nvSpPr>
+          <p:cNvPr id="4" name="TextBox 3">
+            <a:extLst>
+              <a:ext uri="{FF2B5EF4-FFF2-40B4-BE49-F238E27FC236}">
+                <a16:creationId xmlns:a16="http://schemas.microsoft.com/office/drawing/2014/main" id="{1D3BD092-3385-E14D-BF8C-A4A0944B53E9}"/>
+              </a:ext>
+            </a:extLst>
+          </p:cNvPr>
+          <p:cNvSpPr txBox="1"/>
+          <p:nvPr/>
+        </p:nvSpPr>
+        <p:spPr>
+          <a:xfrm>
+            <a:off x="1143000" y="333520"/>
+            <a:ext cx="9906000" cy="861774"/>
+          </a:xfrm>
+          <a:prstGeom prst="rect">
+            <a:avLst/>
+          </a:prstGeom>
+          <a:noFill/>
+        </p:spPr>
+        <p:txBody>
+          <a:bodyPr wrap="square" rtlCol="0">
+            <a:spAutoFit/>
+          </a:bodyPr>
+          <a:lstStyle/>
+          <a:p>
+            <a:r>
+              <a:rPr lang="en-US" sz="3200" b="1" dirty="0"/>
+              <a:t>What effect does unemployment have on the GOP vote?</a:t>
+            </a:r>
+          </a:p>
+          <a:p>
+            <a:endParaRPr lang="en-US" dirty="0"/>
+          </a:p>
+        </p:txBody>
+      </p:sp>
+    </p:spTree>
+    <p:extLst>
+      <p:ext uri="{BB962C8B-B14F-4D97-AF65-F5344CB8AC3E}">
+        <p14:creationId xmlns:p14="http://schemas.microsoft.com/office/powerpoint/2010/main" val="1924881284"/>
+      </p:ext>
+    </p:extLst>
+  </p:cSld>
+  <p:clrMapOvr>
+    <a:masterClrMapping/>
+  </p:clrMapOvr>
+</p:sld>
+</file>
+
+<file path=ppt/slides/slide15.xml><?xml version="1.0" encoding="utf-8"?>
+<p:sld xmlns:a="http://schemas.openxmlformats.org/drawingml/2006/main" xmlns:r="http://schemas.openxmlformats.org/officeDocument/2006/relationships" xmlns:p="http://schemas.openxmlformats.org/presentationml/2006/main">
+  <p:cSld>
+    <p:spTree>
+      <p:nvGrpSpPr>
+        <p:cNvPr id="1" name=""/>
+        <p:cNvGrpSpPr/>
+        <p:nvPr/>
+      </p:nvGrpSpPr>
+      <p:grpSpPr>
+        <a:xfrm>
+          <a:off x="0" y="0"/>
+          <a:ext cx="0" cy="0"/>
+          <a:chOff x="0" y="0"/>
+          <a:chExt cx="0" cy="0"/>
+        </a:xfrm>
+      </p:grpSpPr>
+      <p:sp>
+        <p:nvSpPr>
+          <p:cNvPr id="2" name="Title 1">
+            <a:extLst>
+              <a:ext uri="{FF2B5EF4-FFF2-40B4-BE49-F238E27FC236}">
+                <a16:creationId xmlns:a16="http://schemas.microsoft.com/office/drawing/2014/main" id="{4ECCE340-BE9F-4939-9408-BF10C66420FC}"/>
+              </a:ext>
+            </a:extLst>
+          </p:cNvPr>
+          <p:cNvSpPr>
+            <a:spLocks noGrp="1"/>
+          </p:cNvSpPr>
+          <p:nvPr>
+            <p:ph type="title"/>
+          </p:nvPr>
+        </p:nvSpPr>
+        <p:spPr/>
+        <p:txBody>
+          <a:bodyPr>
+            <a:normAutofit fontScale="90000"/>
+          </a:bodyPr>
+          <a:lstStyle/>
+          <a:p>
+            <a:r>
+              <a:rPr lang="en-US" dirty="0"/>
+              <a:t>F. Conclusions (TBD)</a:t>
+            </a:r>
+          </a:p>
+        </p:txBody>
+      </p:sp>
+      <p:sp>
+        <p:nvSpPr>
+          <p:cNvPr id="3" name="Content Placeholder 2">
+            <a:extLst>
+              <a:ext uri="{FF2B5EF4-FFF2-40B4-BE49-F238E27FC236}">
+                <a16:creationId xmlns:a16="http://schemas.microsoft.com/office/drawing/2014/main" id="{C2210B30-F023-48E0-9C4F-5C73E22E4CF5}"/>
+              </a:ext>
+            </a:extLst>
+          </p:cNvPr>
+          <p:cNvSpPr>
+            <a:spLocks noGrp="1"/>
+          </p:cNvSpPr>
+          <p:nvPr>
+            <p:ph idx="1"/>
+          </p:nvPr>
+        </p:nvSpPr>
+        <p:spPr/>
+        <p:txBody>
+          <a:bodyPr/>
+          <a:lstStyle/>
+          <a:p>
+            <a:r>
+              <a:rPr lang="en-US" dirty="0"/>
+              <a:t>Any single demographic category is NOT a good predictor of which 2016 presidential candidate won any Indiana county.</a:t>
+            </a:r>
+          </a:p>
+          <a:p>
+            <a:r>
+              <a:rPr lang="en-US" dirty="0"/>
+              <a:t>?</a:t>
+            </a:r>
+          </a:p>
+          <a:p>
+            <a:r>
+              <a:rPr lang="en-US" dirty="0"/>
+              <a:t>?</a:t>
+            </a:r>
+          </a:p>
+        </p:txBody>
+      </p:sp>
+    </p:spTree>
+    <p:extLst>
+      <p:ext uri="{BB962C8B-B14F-4D97-AF65-F5344CB8AC3E}">
+        <p14:creationId xmlns:p14="http://schemas.microsoft.com/office/powerpoint/2010/main" val="3708139832"/>
+      </p:ext>
+    </p:extLst>
+  </p:cSld>
+  <p:clrMapOvr>
+    <a:masterClrMapping/>
+  </p:clrMapOvr>
+</p:sld>
+</file>
+
+<file path=ppt/slides/slide16.xml><?xml version="1.0" encoding="utf-8"?>
+<p:sld xmlns:a="http://schemas.openxmlformats.org/drawingml/2006/main" xmlns:r="http://schemas.openxmlformats.org/officeDocument/2006/relationships" xmlns:p="http://schemas.openxmlformats.org/presentationml/2006/main">
+  <p:cSld>
+    <p:spTree>
+      <p:nvGrpSpPr>
+        <p:cNvPr id="1" name=""/>
+        <p:cNvGrpSpPr/>
+        <p:nvPr/>
+      </p:nvGrpSpPr>
+      <p:grpSpPr>
+        <a:xfrm>
+          <a:off x="0" y="0"/>
+          <a:ext cx="0" cy="0"/>
+          <a:chOff x="0" y="0"/>
+          <a:chExt cx="0" cy="0"/>
+        </a:xfrm>
+      </p:grpSpPr>
       <p:sp>
         <p:nvSpPr>
           <p:cNvPr id="2" name="Title 1">
@@ -5926,6 +6392,275 @@
     <p:extLst>
       <p:ext uri="{BB962C8B-B14F-4D97-AF65-F5344CB8AC3E}">
         <p14:creationId xmlns:p14="http://schemas.microsoft.com/office/powerpoint/2010/main" val="3621984787"/>
+      </p:ext>
+    </p:extLst>
+  </p:cSld>
+  <p:clrMapOvr>
+    <a:masterClrMapping/>
+  </p:clrMapOvr>
+</p:sld>
+</file>
+
+<file path=ppt/slides/slide17.xml><?xml version="1.0" encoding="utf-8"?>
+<p:sld xmlns:a="http://schemas.openxmlformats.org/drawingml/2006/main" xmlns:r="http://schemas.openxmlformats.org/officeDocument/2006/relationships" xmlns:p="http://schemas.openxmlformats.org/presentationml/2006/main">
+  <p:cSld>
+    <p:spTree>
+      <p:nvGrpSpPr>
+        <p:cNvPr id="1" name=""/>
+        <p:cNvGrpSpPr/>
+        <p:nvPr/>
+      </p:nvGrpSpPr>
+      <p:grpSpPr>
+        <a:xfrm>
+          <a:off x="0" y="0"/>
+          <a:ext cx="0" cy="0"/>
+          <a:chOff x="0" y="0"/>
+          <a:chExt cx="0" cy="0"/>
+        </a:xfrm>
+      </p:grpSpPr>
+      <p:sp>
+        <p:nvSpPr>
+          <p:cNvPr id="2" name="Title 1">
+            <a:extLst>
+              <a:ext uri="{FF2B5EF4-FFF2-40B4-BE49-F238E27FC236}">
+                <a16:creationId xmlns:a16="http://schemas.microsoft.com/office/drawing/2014/main" id="{77F00A3F-274B-4343-8010-409A0EF0B737}"/>
+              </a:ext>
+            </a:extLst>
+          </p:cNvPr>
+          <p:cNvSpPr>
+            <a:spLocks noGrp="1"/>
+          </p:cNvSpPr>
+          <p:nvPr>
+            <p:ph type="title"/>
+          </p:nvPr>
+        </p:nvSpPr>
+        <p:spPr/>
+        <p:txBody>
+          <a:bodyPr>
+            <a:normAutofit fontScale="90000"/>
+          </a:bodyPr>
+          <a:lstStyle/>
+          <a:p>
+            <a:pPr algn="ctr"/>
+            <a:r>
+              <a:rPr lang="en-US" dirty="0"/>
+              <a:t>Data Acquisition and Cleanup</a:t>
+            </a:r>
+          </a:p>
+        </p:txBody>
+      </p:sp>
+      <p:pic>
+        <p:nvPicPr>
+          <p:cNvPr id="5" name="Picture 4" descr="A screenshot of a social media post&#10;&#10;Description automatically generated">
+            <a:extLst>
+              <a:ext uri="{FF2B5EF4-FFF2-40B4-BE49-F238E27FC236}">
+                <a16:creationId xmlns:a16="http://schemas.microsoft.com/office/drawing/2014/main" id="{82B2C0E5-033C-2945-97F5-6B0DB23ADFF7}"/>
+              </a:ext>
+            </a:extLst>
+          </p:cNvPr>
+          <p:cNvPicPr>
+            <a:picLocks noChangeAspect="1"/>
+          </p:cNvPicPr>
+          <p:nvPr/>
+        </p:nvPicPr>
+        <p:blipFill>
+          <a:blip r:embed="rId2">
+            <a:extLst>
+              <a:ext uri="{28A0092B-C50C-407E-A947-70E740481C1C}">
+                <a14:useLocalDpi xmlns:a14="http://schemas.microsoft.com/office/drawing/2010/main" val="0"/>
+              </a:ext>
+            </a:extLst>
+          </a:blip>
+          <a:stretch>
+            <a:fillRect/>
+          </a:stretch>
+        </p:blipFill>
+        <p:spPr>
+          <a:xfrm>
+            <a:off x="2247900" y="959224"/>
+            <a:ext cx="8001000" cy="4732986"/>
+          </a:xfrm>
+          <a:prstGeom prst="rect">
+            <a:avLst/>
+          </a:prstGeom>
+        </p:spPr>
+      </p:pic>
+    </p:spTree>
+    <p:extLst>
+      <p:ext uri="{BB962C8B-B14F-4D97-AF65-F5344CB8AC3E}">
+        <p14:creationId xmlns:p14="http://schemas.microsoft.com/office/powerpoint/2010/main" val="3555443697"/>
+      </p:ext>
+    </p:extLst>
+  </p:cSld>
+  <p:clrMapOvr>
+    <a:masterClrMapping/>
+  </p:clrMapOvr>
+</p:sld>
+</file>
+
+<file path=ppt/slides/slide18.xml><?xml version="1.0" encoding="utf-8"?>
+<p:sld xmlns:a="http://schemas.openxmlformats.org/drawingml/2006/main" xmlns:r="http://schemas.openxmlformats.org/officeDocument/2006/relationships" xmlns:p="http://schemas.openxmlformats.org/presentationml/2006/main">
+  <p:cSld>
+    <p:spTree>
+      <p:nvGrpSpPr>
+        <p:cNvPr id="1" name=""/>
+        <p:cNvGrpSpPr/>
+        <p:nvPr/>
+      </p:nvGrpSpPr>
+      <p:grpSpPr>
+        <a:xfrm>
+          <a:off x="0" y="0"/>
+          <a:ext cx="0" cy="0"/>
+          <a:chOff x="0" y="0"/>
+          <a:chExt cx="0" cy="0"/>
+        </a:xfrm>
+      </p:grpSpPr>
+      <p:sp>
+        <p:nvSpPr>
+          <p:cNvPr id="2" name="Title 1">
+            <a:extLst>
+              <a:ext uri="{FF2B5EF4-FFF2-40B4-BE49-F238E27FC236}">
+                <a16:creationId xmlns:a16="http://schemas.microsoft.com/office/drawing/2014/main" id="{BA9581D6-F0E3-0D44-90E3-65C271E4F8B3}"/>
+              </a:ext>
+            </a:extLst>
+          </p:cNvPr>
+          <p:cNvSpPr>
+            <a:spLocks noGrp="1"/>
+          </p:cNvSpPr>
+          <p:nvPr>
+            <p:ph type="title"/>
+          </p:nvPr>
+        </p:nvSpPr>
+        <p:spPr/>
+        <p:txBody>
+          <a:bodyPr>
+            <a:normAutofit fontScale="90000"/>
+          </a:bodyPr>
+          <a:lstStyle/>
+          <a:p>
+            <a:pPr algn="ctr"/>
+            <a:r>
+              <a:rPr lang="en-US" dirty="0"/>
+              <a:t>Data Acquisition and Cleanup</a:t>
+            </a:r>
+          </a:p>
+        </p:txBody>
+      </p:sp>
+      <p:sp>
+        <p:nvSpPr>
+          <p:cNvPr id="3" name="Content Placeholder 2">
+            <a:extLst>
+              <a:ext uri="{FF2B5EF4-FFF2-40B4-BE49-F238E27FC236}">
+                <a16:creationId xmlns:a16="http://schemas.microsoft.com/office/drawing/2014/main" id="{F88F4E07-5969-FE4E-9A2A-DC8FD9DEE78B}"/>
+              </a:ext>
+            </a:extLst>
+          </p:cNvPr>
+          <p:cNvSpPr>
+            <a:spLocks noGrp="1"/>
+          </p:cNvSpPr>
+          <p:nvPr>
+            <p:ph idx="1"/>
+          </p:nvPr>
+        </p:nvSpPr>
+        <p:spPr/>
+        <p:txBody>
+          <a:bodyPr/>
+          <a:lstStyle/>
+          <a:p>
+            <a:endParaRPr lang="en-US"/>
+          </a:p>
+        </p:txBody>
+      </p:sp>
+    </p:spTree>
+    <p:extLst>
+      <p:ext uri="{BB962C8B-B14F-4D97-AF65-F5344CB8AC3E}">
+        <p14:creationId xmlns:p14="http://schemas.microsoft.com/office/powerpoint/2010/main" val="2451075067"/>
+      </p:ext>
+    </p:extLst>
+  </p:cSld>
+  <p:clrMapOvr>
+    <a:masterClrMapping/>
+  </p:clrMapOvr>
+</p:sld>
+</file>
+
+<file path=ppt/slides/slide19.xml><?xml version="1.0" encoding="utf-8"?>
+<p:sld xmlns:a="http://schemas.openxmlformats.org/drawingml/2006/main" xmlns:r="http://schemas.openxmlformats.org/officeDocument/2006/relationships" xmlns:p="http://schemas.openxmlformats.org/presentationml/2006/main">
+  <p:cSld>
+    <p:spTree>
+      <p:nvGrpSpPr>
+        <p:cNvPr id="1" name=""/>
+        <p:cNvGrpSpPr/>
+        <p:nvPr/>
+      </p:nvGrpSpPr>
+      <p:grpSpPr>
+        <a:xfrm>
+          <a:off x="0" y="0"/>
+          <a:ext cx="0" cy="0"/>
+          <a:chOff x="0" y="0"/>
+          <a:chExt cx="0" cy="0"/>
+        </a:xfrm>
+      </p:grpSpPr>
+      <p:sp>
+        <p:nvSpPr>
+          <p:cNvPr id="2" name="Title 1">
+            <a:extLst>
+              <a:ext uri="{FF2B5EF4-FFF2-40B4-BE49-F238E27FC236}">
+                <a16:creationId xmlns:a16="http://schemas.microsoft.com/office/drawing/2014/main" id="{678E626D-BA62-A645-934B-ABF153231D06}"/>
+              </a:ext>
+            </a:extLst>
+          </p:cNvPr>
+          <p:cNvSpPr>
+            <a:spLocks noGrp="1"/>
+          </p:cNvSpPr>
+          <p:nvPr>
+            <p:ph type="title"/>
+          </p:nvPr>
+        </p:nvSpPr>
+        <p:spPr/>
+        <p:txBody>
+          <a:bodyPr>
+            <a:normAutofit fontScale="90000"/>
+          </a:bodyPr>
+          <a:lstStyle/>
+          <a:p>
+            <a:pPr algn="ctr"/>
+            <a:r>
+              <a:rPr lang="en-US" dirty="0"/>
+              <a:t>Data Acquisition and Cleanup</a:t>
+            </a:r>
+          </a:p>
+        </p:txBody>
+      </p:sp>
+      <p:sp>
+        <p:nvSpPr>
+          <p:cNvPr id="3" name="Content Placeholder 2">
+            <a:extLst>
+              <a:ext uri="{FF2B5EF4-FFF2-40B4-BE49-F238E27FC236}">
+                <a16:creationId xmlns:a16="http://schemas.microsoft.com/office/drawing/2014/main" id="{ABCCD990-D7F3-4346-A313-E6881515EE94}"/>
+              </a:ext>
+            </a:extLst>
+          </p:cNvPr>
+          <p:cNvSpPr>
+            <a:spLocks noGrp="1"/>
+          </p:cNvSpPr>
+          <p:nvPr>
+            <p:ph idx="1"/>
+          </p:nvPr>
+        </p:nvSpPr>
+        <p:spPr/>
+        <p:txBody>
+          <a:bodyPr/>
+          <a:lstStyle/>
+          <a:p>
+            <a:endParaRPr lang="en-US"/>
+          </a:p>
+        </p:txBody>
+      </p:sp>
+    </p:spTree>
+    <p:extLst>
+      <p:ext uri="{BB962C8B-B14F-4D97-AF65-F5344CB8AC3E}">
+        <p14:creationId xmlns:p14="http://schemas.microsoft.com/office/powerpoint/2010/main" val="1006062157"/>
       </p:ext>
     </p:extLst>
   </p:cSld>
@@ -6050,6 +6785,88 @@
     <p:extLst>
       <p:ext uri="{BB962C8B-B14F-4D97-AF65-F5344CB8AC3E}">
         <p14:creationId xmlns:p14="http://schemas.microsoft.com/office/powerpoint/2010/main" val="1720600180"/>
+      </p:ext>
+    </p:extLst>
+  </p:cSld>
+  <p:clrMapOvr>
+    <a:masterClrMapping/>
+  </p:clrMapOvr>
+</p:sld>
+</file>
+
+<file path=ppt/slides/slide20.xml><?xml version="1.0" encoding="utf-8"?>
+<p:sld xmlns:a="http://schemas.openxmlformats.org/drawingml/2006/main" xmlns:r="http://schemas.openxmlformats.org/officeDocument/2006/relationships" xmlns:p="http://schemas.openxmlformats.org/presentationml/2006/main">
+  <p:cSld>
+    <p:spTree>
+      <p:nvGrpSpPr>
+        <p:cNvPr id="1" name=""/>
+        <p:cNvGrpSpPr/>
+        <p:nvPr/>
+      </p:nvGrpSpPr>
+      <p:grpSpPr>
+        <a:xfrm>
+          <a:off x="0" y="0"/>
+          <a:ext cx="0" cy="0"/>
+          <a:chOff x="0" y="0"/>
+          <a:chExt cx="0" cy="0"/>
+        </a:xfrm>
+      </p:grpSpPr>
+      <p:sp>
+        <p:nvSpPr>
+          <p:cNvPr id="2" name="Title 1">
+            <a:extLst>
+              <a:ext uri="{FF2B5EF4-FFF2-40B4-BE49-F238E27FC236}">
+                <a16:creationId xmlns:a16="http://schemas.microsoft.com/office/drawing/2014/main" id="{97CB4193-612D-9E4F-B4C4-A26F763444C8}"/>
+              </a:ext>
+            </a:extLst>
+          </p:cNvPr>
+          <p:cNvSpPr>
+            <a:spLocks noGrp="1"/>
+          </p:cNvSpPr>
+          <p:nvPr>
+            <p:ph type="title"/>
+          </p:nvPr>
+        </p:nvSpPr>
+        <p:spPr/>
+        <p:txBody>
+          <a:bodyPr>
+            <a:normAutofit fontScale="90000"/>
+          </a:bodyPr>
+          <a:lstStyle/>
+          <a:p>
+            <a:endParaRPr lang="en-US"/>
+          </a:p>
+        </p:txBody>
+      </p:sp>
+      <p:sp>
+        <p:nvSpPr>
+          <p:cNvPr id="3" name="Content Placeholder 2">
+            <a:extLst>
+              <a:ext uri="{FF2B5EF4-FFF2-40B4-BE49-F238E27FC236}">
+                <a16:creationId xmlns:a16="http://schemas.microsoft.com/office/drawing/2014/main" id="{FF58FC90-66B0-EC4E-BA21-7F514C71DB52}"/>
+              </a:ext>
+            </a:extLst>
+          </p:cNvPr>
+          <p:cNvSpPr>
+            <a:spLocks noGrp="1"/>
+          </p:cNvSpPr>
+          <p:nvPr>
+            <p:ph idx="1"/>
+          </p:nvPr>
+        </p:nvSpPr>
+        <p:spPr/>
+        <p:txBody>
+          <a:bodyPr/>
+          <a:lstStyle/>
+          <a:p>
+            <a:endParaRPr lang="en-US"/>
+          </a:p>
+        </p:txBody>
+      </p:sp>
+    </p:spTree>
+    <p:extLst>
+      <p:ext uri="{BB962C8B-B14F-4D97-AF65-F5344CB8AC3E}">
+        <p14:creationId xmlns:p14="http://schemas.microsoft.com/office/powerpoint/2010/main" val="552928773"/>
       </p:ext>
     </p:extLst>
   </p:cSld>
@@ -6269,7 +7086,7 @@
           <a:p>
             <a:r>
               <a:rPr lang="en-US" dirty="0"/>
-              <a:t>C. Describe data sets used (Allyson)</a:t>
+              <a:t>C. Describe data sets used</a:t>
             </a:r>
           </a:p>
         </p:txBody>
@@ -6294,12 +7111,6 @@
         <p:txBody>
           <a:bodyPr/>
           <a:lstStyle/>
-          <a:p>
-            <a:r>
-              <a:rPr lang="en-US" dirty="0"/>
-              <a:t>Data sets used</a:t>
-            </a:r>
-          </a:p>
           <a:p>
             <a:r>
               <a:rPr lang="en-US" dirty="0"/>
@@ -6310,7 +7121,15 @@
             <a:pPr lvl="1"/>
             <a:r>
               <a:rPr lang="en-US" dirty="0"/>
-              <a:t>How many counties</a:t>
+              <a:t>Harvard </a:t>
+            </a:r>
+            <a:r>
+              <a:rPr lang="en-US" dirty="0" err="1"/>
+              <a:t>Dataverse</a:t>
+            </a:r>
+            <a:r>
+              <a:rPr lang="en-US" dirty="0"/>
+              <a:t> (as maintained by the MIT Election Data and Science Lab)</a:t>
             </a:r>
           </a:p>
           <a:p>
@@ -6321,23 +7140,26 @@
             </a:r>
           </a:p>
           <a:p>
+            <a:endParaRPr lang="en-US" dirty="0"/>
+          </a:p>
+          <a:p>
             <a:r>
               <a:rPr lang="en-US" dirty="0"/>
-              <a:t>2016 annual American Community Survey (ACS) conducted by the U.S. Census</a:t>
+              <a:t>2016  Five Year American Community Survey (ACS) conducted by the U.S. Census Bureau</a:t>
             </a:r>
           </a:p>
           <a:p>
             <a:pPr lvl="1"/>
             <a:r>
               <a:rPr lang="en-US" dirty="0"/>
-              <a:t>Used API</a:t>
+              <a:t>Why use the five year?</a:t>
             </a:r>
           </a:p>
           <a:p>
             <a:pPr lvl="1"/>
             <a:r>
               <a:rPr lang="en-US" dirty="0"/>
-              <a:t>There were ### variable available to select</a:t>
+              <a:t>There are approximately 20,000 variables available</a:t>
             </a:r>
           </a:p>
           <a:p>
@@ -6351,8 +7173,12 @@
             <a:pPr lvl="1"/>
             <a:r>
               <a:rPr lang="en-US" dirty="0"/>
-              <a:t>We selected six</a:t>
-            </a:r>
+              <a:t>Methodology</a:t>
+            </a:r>
+          </a:p>
+          <a:p>
+            <a:pPr lvl="2"/>
+            <a:endParaRPr lang="en-US" dirty="0"/>
           </a:p>
         </p:txBody>
       </p:sp>

--- a/2020-01-OldTimersPresentation.pptx
+++ b/2020-01-OldTimersPresentation.pptx
@@ -5,7 +5,7 @@
     <p:sldMasterId id="2147483648" r:id="rId1"/>
   </p:sldMasterIdLst>
   <p:notesMasterIdLst>
-    <p:notesMasterId r:id="rId22"/>
+    <p:notesMasterId r:id="rId25"/>
   </p:notesMasterIdLst>
   <p:sldIdLst>
     <p:sldId id="273" r:id="rId2"/>
@@ -18,16 +18,19 @@
     <p:sldId id="275" r:id="rId9"/>
     <p:sldId id="276" r:id="rId10"/>
     <p:sldId id="277" r:id="rId11"/>
-    <p:sldId id="278" r:id="rId12"/>
-    <p:sldId id="279" r:id="rId13"/>
-    <p:sldId id="280" r:id="rId14"/>
-    <p:sldId id="281" r:id="rId15"/>
-    <p:sldId id="271" r:id="rId16"/>
-    <p:sldId id="272" r:id="rId17"/>
-    <p:sldId id="282" r:id="rId18"/>
-    <p:sldId id="283" r:id="rId19"/>
-    <p:sldId id="285" r:id="rId20"/>
-    <p:sldId id="284" r:id="rId21"/>
+    <p:sldId id="286" r:id="rId12"/>
+    <p:sldId id="278" r:id="rId13"/>
+    <p:sldId id="279" r:id="rId14"/>
+    <p:sldId id="280" r:id="rId15"/>
+    <p:sldId id="281" r:id="rId16"/>
+    <p:sldId id="287" r:id="rId17"/>
+    <p:sldId id="288" r:id="rId18"/>
+    <p:sldId id="271" r:id="rId19"/>
+    <p:sldId id="272" r:id="rId20"/>
+    <p:sldId id="282" r:id="rId21"/>
+    <p:sldId id="283" r:id="rId22"/>
+    <p:sldId id="285" r:id="rId23"/>
+    <p:sldId id="284" r:id="rId24"/>
   </p:sldIdLst>
   <p:sldSz cx="12192000" cy="6858000"/>
   <p:notesSz cx="6858000" cy="9144000"/>
@@ -755,7 +758,7 @@
           <a:p>
             <a:fld id="{8E920BCB-0390-48C0-BB31-089CCB0AC4A1}" type="slidenum">
               <a:rPr lang="en-US" smtClean="0"/>
-              <a:t>11</a:t>
+              <a:t>12</a:t>
             </a:fld>
             <a:endParaRPr lang="en-US"/>
           </a:p>
@@ -905,7 +908,7 @@
           <a:p>
             <a:fld id="{8E920BCB-0390-48C0-BB31-089CCB0AC4A1}" type="slidenum">
               <a:rPr lang="en-US" smtClean="0"/>
-              <a:t>15</a:t>
+              <a:t>18</a:t>
             </a:fld>
             <a:endParaRPr lang="en-US"/>
           </a:p>
@@ -1124,7 +1127,7 @@
           <a:p>
             <a:fld id="{8E920BCB-0390-48C0-BB31-089CCB0AC4A1}" type="slidenum">
               <a:rPr lang="en-US" smtClean="0"/>
-              <a:t>16</a:t>
+              <a:t>19</a:t>
             </a:fld>
             <a:endParaRPr lang="en-US"/>
           </a:p>
@@ -5884,6 +5887,243 @@
           <a:chExt cx="0" cy="0"/>
         </a:xfrm>
       </p:grpSpPr>
+      <p:sp>
+        <p:nvSpPr>
+          <p:cNvPr id="2" name="TextBox 1">
+            <a:extLst>
+              <a:ext uri="{FF2B5EF4-FFF2-40B4-BE49-F238E27FC236}">
+                <a16:creationId xmlns:a16="http://schemas.microsoft.com/office/drawing/2014/main" id="{7C7EBBA5-FEE7-CE44-B3B3-48E4449D8926}"/>
+              </a:ext>
+            </a:extLst>
+          </p:cNvPr>
+          <p:cNvSpPr txBox="1"/>
+          <p:nvPr/>
+        </p:nvSpPr>
+        <p:spPr>
+          <a:xfrm>
+            <a:off x="1066800" y="609600"/>
+            <a:ext cx="10287000" cy="523220"/>
+          </a:xfrm>
+          <a:prstGeom prst="rect">
+            <a:avLst/>
+          </a:prstGeom>
+          <a:noFill/>
+        </p:spPr>
+        <p:txBody>
+          <a:bodyPr wrap="square" rtlCol="0">
+            <a:spAutoFit/>
+          </a:bodyPr>
+          <a:lstStyle/>
+          <a:p>
+            <a:pPr algn="ctr"/>
+            <a:r>
+              <a:rPr lang="en-US" sz="2800" b="1" dirty="0"/>
+              <a:t>Voter Turnout per Age Group</a:t>
+            </a:r>
+          </a:p>
+        </p:txBody>
+      </p:sp>
+      <p:sp>
+        <p:nvSpPr>
+          <p:cNvPr id="3" name="TextBox 2">
+            <a:extLst>
+              <a:ext uri="{FF2B5EF4-FFF2-40B4-BE49-F238E27FC236}">
+                <a16:creationId xmlns:a16="http://schemas.microsoft.com/office/drawing/2014/main" id="{33BB8A1C-A662-F74C-B9C5-8FEBB775172F}"/>
+              </a:ext>
+            </a:extLst>
+          </p:cNvPr>
+          <p:cNvSpPr txBox="1"/>
+          <p:nvPr/>
+        </p:nvSpPr>
+        <p:spPr>
+          <a:xfrm>
+            <a:off x="1066800" y="1409700"/>
+            <a:ext cx="10287000" cy="3539430"/>
+          </a:xfrm>
+          <a:prstGeom prst="rect">
+            <a:avLst/>
+          </a:prstGeom>
+          <a:noFill/>
+        </p:spPr>
+        <p:txBody>
+          <a:bodyPr wrap="square" rtlCol="0">
+            <a:spAutoFit/>
+          </a:bodyPr>
+          <a:lstStyle/>
+          <a:p>
+            <a:pPr marL="285750" indent="-285750">
+              <a:buFont typeface="Arial" panose="020B0604020202020204" pitchFamily="34" charset="0"/>
+              <a:buChar char="•"/>
+            </a:pPr>
+            <a:r>
+              <a:rPr lang="en-US" sz="2800" dirty="0"/>
+              <a:t>18-29 year </a:t>
+            </a:r>
+            <a:r>
+              <a:rPr lang="en-US" sz="2800" dirty="0" err="1"/>
+              <a:t>olds</a:t>
+            </a:r>
+            <a:r>
+              <a:rPr lang="en-US" sz="2800" dirty="0"/>
+              <a:t>: 46.1%</a:t>
+            </a:r>
+          </a:p>
+          <a:p>
+            <a:pPr marL="285750" indent="-285750">
+              <a:buFont typeface="Arial" panose="020B0604020202020204" pitchFamily="34" charset="0"/>
+              <a:buChar char="•"/>
+            </a:pPr>
+            <a:endParaRPr lang="en-US" sz="2800" dirty="0"/>
+          </a:p>
+          <a:p>
+            <a:pPr marL="285750" indent="-285750">
+              <a:buFont typeface="Arial" panose="020B0604020202020204" pitchFamily="34" charset="0"/>
+              <a:buChar char="•"/>
+            </a:pPr>
+            <a:r>
+              <a:rPr lang="en-US" sz="2800" dirty="0"/>
+              <a:t>30-44 year </a:t>
+            </a:r>
+            <a:r>
+              <a:rPr lang="en-US" sz="2800" dirty="0" err="1"/>
+              <a:t>olds</a:t>
+            </a:r>
+            <a:r>
+              <a:rPr lang="en-US" sz="2800" dirty="0"/>
+              <a:t>: 58.7%</a:t>
+            </a:r>
+          </a:p>
+          <a:p>
+            <a:pPr marL="285750" indent="-285750">
+              <a:buFont typeface="Arial" panose="020B0604020202020204" pitchFamily="34" charset="0"/>
+              <a:buChar char="•"/>
+            </a:pPr>
+            <a:endParaRPr lang="en-US" sz="2800" dirty="0"/>
+          </a:p>
+          <a:p>
+            <a:pPr marL="285750" indent="-285750">
+              <a:buFont typeface="Arial" panose="020B0604020202020204" pitchFamily="34" charset="0"/>
+              <a:buChar char="•"/>
+            </a:pPr>
+            <a:r>
+              <a:rPr lang="en-US" sz="2800" dirty="0"/>
+              <a:t>45-64 year </a:t>
+            </a:r>
+            <a:r>
+              <a:rPr lang="en-US" sz="2800" dirty="0" err="1"/>
+              <a:t>olds</a:t>
+            </a:r>
+            <a:r>
+              <a:rPr lang="en-US" sz="2800" dirty="0"/>
+              <a:t>: 66.6%</a:t>
+            </a:r>
+          </a:p>
+          <a:p>
+            <a:pPr marL="285750" indent="-285750">
+              <a:buFont typeface="Arial" panose="020B0604020202020204" pitchFamily="34" charset="0"/>
+              <a:buChar char="•"/>
+            </a:pPr>
+            <a:endParaRPr lang="en-US" sz="2800" dirty="0"/>
+          </a:p>
+          <a:p>
+            <a:pPr marL="285750" indent="-285750">
+              <a:buFont typeface="Arial" panose="020B0604020202020204" pitchFamily="34" charset="0"/>
+              <a:buChar char="•"/>
+            </a:pPr>
+            <a:r>
+              <a:rPr lang="en-US" sz="2800" dirty="0"/>
+              <a:t>65 years and </a:t>
+            </a:r>
+            <a:r>
+              <a:rPr lang="en-US" sz="2800" dirty="0" err="1"/>
+              <a:t>oldes</a:t>
+            </a:r>
+            <a:r>
+              <a:rPr lang="en-US" sz="2800" dirty="0"/>
+              <a:t>: 70.9%</a:t>
+            </a:r>
+          </a:p>
+          <a:p>
+            <a:pPr marL="285750" indent="-285750">
+              <a:buFont typeface="Arial" panose="020B0604020202020204" pitchFamily="34" charset="0"/>
+              <a:buChar char="•"/>
+            </a:pPr>
+            <a:endParaRPr lang="en-US" sz="2800" dirty="0"/>
+          </a:p>
+        </p:txBody>
+      </p:sp>
+      <p:sp>
+        <p:nvSpPr>
+          <p:cNvPr id="5" name="TextBox 4">
+            <a:extLst>
+              <a:ext uri="{FF2B5EF4-FFF2-40B4-BE49-F238E27FC236}">
+                <a16:creationId xmlns:a16="http://schemas.microsoft.com/office/drawing/2014/main" id="{5A81EF13-8FAD-1546-94DD-78115B806A22}"/>
+              </a:ext>
+            </a:extLst>
+          </p:cNvPr>
+          <p:cNvSpPr txBox="1"/>
+          <p:nvPr/>
+        </p:nvSpPr>
+        <p:spPr>
+          <a:xfrm>
+            <a:off x="838200" y="4949130"/>
+            <a:ext cx="10287000" cy="369332"/>
+          </a:xfrm>
+          <a:prstGeom prst="rect">
+            <a:avLst/>
+          </a:prstGeom>
+          <a:noFill/>
+        </p:spPr>
+        <p:txBody>
+          <a:bodyPr wrap="square" rtlCol="0">
+            <a:spAutoFit/>
+          </a:bodyPr>
+          <a:lstStyle/>
+          <a:p>
+            <a:r>
+              <a:rPr lang="en-US" dirty="0"/>
+              <a:t> </a:t>
+            </a:r>
+            <a:r>
+              <a:rPr lang="en-US" u="sng" dirty="0">
+                <a:hlinkClick r:id="rId2"/>
+              </a:rPr>
+              <a:t>https://www.census.gov/newsroom/blogs/random-samplings/2017/05/voting_in_america.html</a:t>
+            </a:r>
+            <a:endParaRPr lang="en-US" dirty="0"/>
+          </a:p>
+        </p:txBody>
+      </p:sp>
+    </p:spTree>
+    <p:extLst>
+      <p:ext uri="{BB962C8B-B14F-4D97-AF65-F5344CB8AC3E}">
+        <p14:creationId xmlns:p14="http://schemas.microsoft.com/office/powerpoint/2010/main" val="1101663194"/>
+      </p:ext>
+    </p:extLst>
+  </p:cSld>
+  <p:clrMapOvr>
+    <a:masterClrMapping/>
+  </p:clrMapOvr>
+</p:sld>
+</file>
+
+<file path=ppt/slides/slide12.xml><?xml version="1.0" encoding="utf-8"?>
+<p:sld xmlns:a="http://schemas.openxmlformats.org/drawingml/2006/main" xmlns:r="http://schemas.openxmlformats.org/officeDocument/2006/relationships" xmlns:p="http://schemas.openxmlformats.org/presentationml/2006/main">
+  <p:cSld>
+    <p:spTree>
+      <p:nvGrpSpPr>
+        <p:cNvPr id="1" name=""/>
+        <p:cNvGrpSpPr/>
+        <p:nvPr/>
+      </p:nvGrpSpPr>
+      <p:grpSpPr>
+        <a:xfrm>
+          <a:off x="0" y="0"/>
+          <a:ext cx="0" cy="0"/>
+          <a:chOff x="0" y="0"/>
+          <a:chExt cx="0" cy="0"/>
+        </a:xfrm>
+      </p:grpSpPr>
       <p:pic>
         <p:nvPicPr>
           <p:cNvPr id="4" name="Picture 3" descr="A close up of a map&#10;&#10;Description automatically generated">
@@ -5933,7 +6173,7 @@
 </p:sld>
 </file>
 
-<file path=ppt/slides/slide12.xml><?xml version="1.0" encoding="utf-8"?>
+<file path=ppt/slides/slide13.xml><?xml version="1.0" encoding="utf-8"?>
 <p:sld xmlns:a="http://schemas.openxmlformats.org/drawingml/2006/main" xmlns:r="http://schemas.openxmlformats.org/officeDocument/2006/relationships" xmlns:p="http://schemas.openxmlformats.org/presentationml/2006/main">
   <p:cSld>
     <p:spTree>
@@ -5979,7 +6219,7 @@
         <p:spPr>
           <a:xfrm>
             <a:off x="2286000" y="381000"/>
-            <a:ext cx="7620000" cy="5080000"/>
+            <a:ext cx="7372350" cy="4914900"/>
           </a:xfrm>
           <a:prstGeom prst="rect">
             <a:avLst/>
@@ -5999,7 +6239,7 @@
 </p:sld>
 </file>
 
-<file path=ppt/slides/slide13.xml><?xml version="1.0" encoding="utf-8"?>
+<file path=ppt/slides/slide14.xml><?xml version="1.0" encoding="utf-8"?>
 <p:sld xmlns:a="http://schemas.openxmlformats.org/drawingml/2006/main" xmlns:r="http://schemas.openxmlformats.org/officeDocument/2006/relationships" xmlns:p="http://schemas.openxmlformats.org/presentationml/2006/main">
   <p:cSld>
     <p:spTree>
@@ -6065,7 +6305,7 @@
 </p:sld>
 </file>
 
-<file path=ppt/slides/slide14.xml><?xml version="1.0" encoding="utf-8"?>
+<file path=ppt/slides/slide15.xml><?xml version="1.0" encoding="utf-8"?>
 <p:sld xmlns:a="http://schemas.openxmlformats.org/drawingml/2006/main" xmlns:r="http://schemas.openxmlformats.org/officeDocument/2006/relationships" xmlns:p="http://schemas.openxmlformats.org/presentationml/2006/main">
   <p:cSld>
     <p:spTree>
@@ -6160,106 +6400,6 @@
     <p:extLst>
       <p:ext uri="{BB962C8B-B14F-4D97-AF65-F5344CB8AC3E}">
         <p14:creationId xmlns:p14="http://schemas.microsoft.com/office/powerpoint/2010/main" val="1924881284"/>
-      </p:ext>
-    </p:extLst>
-  </p:cSld>
-  <p:clrMapOvr>
-    <a:masterClrMapping/>
-  </p:clrMapOvr>
-</p:sld>
-</file>
-
-<file path=ppt/slides/slide15.xml><?xml version="1.0" encoding="utf-8"?>
-<p:sld xmlns:a="http://schemas.openxmlformats.org/drawingml/2006/main" xmlns:r="http://schemas.openxmlformats.org/officeDocument/2006/relationships" xmlns:p="http://schemas.openxmlformats.org/presentationml/2006/main">
-  <p:cSld>
-    <p:spTree>
-      <p:nvGrpSpPr>
-        <p:cNvPr id="1" name=""/>
-        <p:cNvGrpSpPr/>
-        <p:nvPr/>
-      </p:nvGrpSpPr>
-      <p:grpSpPr>
-        <a:xfrm>
-          <a:off x="0" y="0"/>
-          <a:ext cx="0" cy="0"/>
-          <a:chOff x="0" y="0"/>
-          <a:chExt cx="0" cy="0"/>
-        </a:xfrm>
-      </p:grpSpPr>
-      <p:sp>
-        <p:nvSpPr>
-          <p:cNvPr id="2" name="Title 1">
-            <a:extLst>
-              <a:ext uri="{FF2B5EF4-FFF2-40B4-BE49-F238E27FC236}">
-                <a16:creationId xmlns:a16="http://schemas.microsoft.com/office/drawing/2014/main" id="{4ECCE340-BE9F-4939-9408-BF10C66420FC}"/>
-              </a:ext>
-            </a:extLst>
-          </p:cNvPr>
-          <p:cNvSpPr>
-            <a:spLocks noGrp="1"/>
-          </p:cNvSpPr>
-          <p:nvPr>
-            <p:ph type="title"/>
-          </p:nvPr>
-        </p:nvSpPr>
-        <p:spPr/>
-        <p:txBody>
-          <a:bodyPr>
-            <a:normAutofit fontScale="90000"/>
-          </a:bodyPr>
-          <a:lstStyle/>
-          <a:p>
-            <a:r>
-              <a:rPr lang="en-US" dirty="0"/>
-              <a:t>F. Conclusions (TBD)</a:t>
-            </a:r>
-          </a:p>
-        </p:txBody>
-      </p:sp>
-      <p:sp>
-        <p:nvSpPr>
-          <p:cNvPr id="3" name="Content Placeholder 2">
-            <a:extLst>
-              <a:ext uri="{FF2B5EF4-FFF2-40B4-BE49-F238E27FC236}">
-                <a16:creationId xmlns:a16="http://schemas.microsoft.com/office/drawing/2014/main" id="{C2210B30-F023-48E0-9C4F-5C73E22E4CF5}"/>
-              </a:ext>
-            </a:extLst>
-          </p:cNvPr>
-          <p:cNvSpPr>
-            <a:spLocks noGrp="1"/>
-          </p:cNvSpPr>
-          <p:nvPr>
-            <p:ph idx="1"/>
-          </p:nvPr>
-        </p:nvSpPr>
-        <p:spPr/>
-        <p:txBody>
-          <a:bodyPr/>
-          <a:lstStyle/>
-          <a:p>
-            <a:r>
-              <a:rPr lang="en-US" dirty="0"/>
-              <a:t>Any single demographic category is NOT a good predictor of which 2016 presidential candidate won any Indiana county.</a:t>
-            </a:r>
-          </a:p>
-          <a:p>
-            <a:r>
-              <a:rPr lang="en-US" dirty="0"/>
-              <a:t>?</a:t>
-            </a:r>
-          </a:p>
-          <a:p>
-            <a:r>
-              <a:rPr lang="en-US" dirty="0"/>
-              <a:t>?</a:t>
-            </a:r>
-          </a:p>
-        </p:txBody>
-      </p:sp>
-    </p:spTree>
-    <p:extLst>
-      <p:ext uri="{BB962C8B-B14F-4D97-AF65-F5344CB8AC3E}">
-        <p14:creationId xmlns:p14="http://schemas.microsoft.com/office/powerpoint/2010/main" val="3708139832"/>
       </p:ext>
     </p:extLst>
   </p:cSld>
@@ -6286,6 +6426,312 @@
           <a:chExt cx="0" cy="0"/>
         </a:xfrm>
       </p:grpSpPr>
+      <p:pic>
+        <p:nvPicPr>
+          <p:cNvPr id="3" name="Picture 2" descr="A close up of a logo&#10;&#10;Description automatically generated">
+            <a:extLst>
+              <a:ext uri="{FF2B5EF4-FFF2-40B4-BE49-F238E27FC236}">
+                <a16:creationId xmlns:a16="http://schemas.microsoft.com/office/drawing/2014/main" id="{4872B1AE-3D70-FD49-A25C-27552B3CF68C}"/>
+              </a:ext>
+            </a:extLst>
+          </p:cNvPr>
+          <p:cNvPicPr>
+            <a:picLocks noChangeAspect="1"/>
+          </p:cNvPicPr>
+          <p:nvPr/>
+        </p:nvPicPr>
+        <p:blipFill>
+          <a:blip r:embed="rId2">
+            <a:extLst>
+              <a:ext uri="{28A0092B-C50C-407E-A947-70E740481C1C}">
+                <a14:useLocalDpi xmlns:a14="http://schemas.microsoft.com/office/drawing/2010/main" val="0"/>
+              </a:ext>
+            </a:extLst>
+          </a:blip>
+          <a:stretch>
+            <a:fillRect/>
+          </a:stretch>
+        </p:blipFill>
+        <p:spPr>
+          <a:xfrm>
+            <a:off x="2381250" y="571500"/>
+            <a:ext cx="7429500" cy="4953000"/>
+          </a:xfrm>
+          <a:prstGeom prst="rect">
+            <a:avLst/>
+          </a:prstGeom>
+        </p:spPr>
+      </p:pic>
+      <p:sp>
+        <p:nvSpPr>
+          <p:cNvPr id="4" name="TextBox 3">
+            <a:extLst>
+              <a:ext uri="{FF2B5EF4-FFF2-40B4-BE49-F238E27FC236}">
+                <a16:creationId xmlns:a16="http://schemas.microsoft.com/office/drawing/2014/main" id="{D42B12D8-E4DD-AD44-B528-2F73995C40D6}"/>
+              </a:ext>
+            </a:extLst>
+          </p:cNvPr>
+          <p:cNvSpPr txBox="1"/>
+          <p:nvPr/>
+        </p:nvSpPr>
+        <p:spPr>
+          <a:xfrm>
+            <a:off x="800100" y="5524500"/>
+            <a:ext cx="11087100" cy="369332"/>
+          </a:xfrm>
+          <a:prstGeom prst="rect">
+            <a:avLst/>
+          </a:prstGeom>
+          <a:noFill/>
+        </p:spPr>
+        <p:txBody>
+          <a:bodyPr wrap="square" rtlCol="0">
+            <a:spAutoFit/>
+          </a:bodyPr>
+          <a:lstStyle/>
+          <a:p>
+            <a:r>
+              <a:rPr lang="en-US" dirty="0">
+                <a:hlinkClick r:id="rId3"/>
+              </a:rPr>
+              <a:t>https://www.ers.usda.gov/webdocs/DataFiles/53180/25569_IN.pdf?v=0</a:t>
+            </a:r>
+            <a:endParaRPr lang="en-US" dirty="0"/>
+          </a:p>
+        </p:txBody>
+      </p:sp>
+      <p:sp>
+        <p:nvSpPr>
+          <p:cNvPr id="5" name="TextBox 4">
+            <a:extLst>
+              <a:ext uri="{FF2B5EF4-FFF2-40B4-BE49-F238E27FC236}">
+                <a16:creationId xmlns:a16="http://schemas.microsoft.com/office/drawing/2014/main" id="{99EB664E-F759-8247-A1CF-D164A071CB65}"/>
+              </a:ext>
+            </a:extLst>
+          </p:cNvPr>
+          <p:cNvSpPr txBox="1"/>
+          <p:nvPr/>
+        </p:nvSpPr>
+        <p:spPr>
+          <a:xfrm>
+            <a:off x="2190750" y="448235"/>
+            <a:ext cx="8305800" cy="523220"/>
+          </a:xfrm>
+          <a:prstGeom prst="rect">
+            <a:avLst/>
+          </a:prstGeom>
+          <a:noFill/>
+        </p:spPr>
+        <p:txBody>
+          <a:bodyPr wrap="square" rtlCol="0">
+            <a:spAutoFit/>
+          </a:bodyPr>
+          <a:lstStyle/>
+          <a:p>
+            <a:pPr algn="ctr"/>
+            <a:r>
+              <a:rPr lang="en-US" sz="2800" b="1" dirty="0"/>
+              <a:t>Unemployment in Rural Counties</a:t>
+            </a:r>
+          </a:p>
+        </p:txBody>
+      </p:sp>
+    </p:spTree>
+    <p:extLst>
+      <p:ext uri="{BB962C8B-B14F-4D97-AF65-F5344CB8AC3E}">
+        <p14:creationId xmlns:p14="http://schemas.microsoft.com/office/powerpoint/2010/main" val="3014765769"/>
+      </p:ext>
+    </p:extLst>
+  </p:cSld>
+  <p:clrMapOvr>
+    <a:masterClrMapping/>
+  </p:clrMapOvr>
+</p:sld>
+</file>
+
+<file path=ppt/slides/slide17.xml><?xml version="1.0" encoding="utf-8"?>
+<p:sld xmlns:a="http://schemas.openxmlformats.org/drawingml/2006/main" xmlns:r="http://schemas.openxmlformats.org/officeDocument/2006/relationships" xmlns:p="http://schemas.openxmlformats.org/presentationml/2006/main">
+  <p:cSld>
+    <p:spTree>
+      <p:nvGrpSpPr>
+        <p:cNvPr id="1" name=""/>
+        <p:cNvGrpSpPr/>
+        <p:nvPr/>
+      </p:nvGrpSpPr>
+      <p:grpSpPr>
+        <a:xfrm>
+          <a:off x="0" y="0"/>
+          <a:ext cx="0" cy="0"/>
+          <a:chOff x="0" y="0"/>
+          <a:chExt cx="0" cy="0"/>
+        </a:xfrm>
+      </p:grpSpPr>
+      <p:pic>
+        <p:nvPicPr>
+          <p:cNvPr id="5" name="Picture 4" descr="A close up of a map&#10;&#10;Description automatically generated">
+            <a:extLst>
+              <a:ext uri="{FF2B5EF4-FFF2-40B4-BE49-F238E27FC236}">
+                <a16:creationId xmlns:a16="http://schemas.microsoft.com/office/drawing/2014/main" id="{7A0B66DB-6B80-4947-A83C-6D4B8D49C9D5}"/>
+              </a:ext>
+            </a:extLst>
+          </p:cNvPr>
+          <p:cNvPicPr>
+            <a:picLocks noChangeAspect="1"/>
+          </p:cNvPicPr>
+          <p:nvPr/>
+        </p:nvPicPr>
+        <p:blipFill>
+          <a:blip r:embed="rId2">
+            <a:extLst>
+              <a:ext uri="{28A0092B-C50C-407E-A947-70E740481C1C}">
+                <a14:useLocalDpi xmlns:a14="http://schemas.microsoft.com/office/drawing/2010/main" val="0"/>
+              </a:ext>
+            </a:extLst>
+          </a:blip>
+          <a:stretch>
+            <a:fillRect/>
+          </a:stretch>
+        </p:blipFill>
+        <p:spPr>
+          <a:xfrm>
+            <a:off x="2176462" y="495300"/>
+            <a:ext cx="7839075" cy="5226050"/>
+          </a:xfrm>
+          <a:prstGeom prst="rect">
+            <a:avLst/>
+          </a:prstGeom>
+        </p:spPr>
+      </p:pic>
+    </p:spTree>
+    <p:extLst>
+      <p:ext uri="{BB962C8B-B14F-4D97-AF65-F5344CB8AC3E}">
+        <p14:creationId xmlns:p14="http://schemas.microsoft.com/office/powerpoint/2010/main" val="2782767976"/>
+      </p:ext>
+    </p:extLst>
+  </p:cSld>
+  <p:clrMapOvr>
+    <a:masterClrMapping/>
+  </p:clrMapOvr>
+</p:sld>
+</file>
+
+<file path=ppt/slides/slide18.xml><?xml version="1.0" encoding="utf-8"?>
+<p:sld xmlns:a="http://schemas.openxmlformats.org/drawingml/2006/main" xmlns:r="http://schemas.openxmlformats.org/officeDocument/2006/relationships" xmlns:p="http://schemas.openxmlformats.org/presentationml/2006/main">
+  <p:cSld>
+    <p:spTree>
+      <p:nvGrpSpPr>
+        <p:cNvPr id="1" name=""/>
+        <p:cNvGrpSpPr/>
+        <p:nvPr/>
+      </p:nvGrpSpPr>
+      <p:grpSpPr>
+        <a:xfrm>
+          <a:off x="0" y="0"/>
+          <a:ext cx="0" cy="0"/>
+          <a:chOff x="0" y="0"/>
+          <a:chExt cx="0" cy="0"/>
+        </a:xfrm>
+      </p:grpSpPr>
+      <p:sp>
+        <p:nvSpPr>
+          <p:cNvPr id="2" name="Title 1">
+            <a:extLst>
+              <a:ext uri="{FF2B5EF4-FFF2-40B4-BE49-F238E27FC236}">
+                <a16:creationId xmlns:a16="http://schemas.microsoft.com/office/drawing/2014/main" id="{4ECCE340-BE9F-4939-9408-BF10C66420FC}"/>
+              </a:ext>
+            </a:extLst>
+          </p:cNvPr>
+          <p:cNvSpPr>
+            <a:spLocks noGrp="1"/>
+          </p:cNvSpPr>
+          <p:nvPr>
+            <p:ph type="title"/>
+          </p:nvPr>
+        </p:nvSpPr>
+        <p:spPr/>
+        <p:txBody>
+          <a:bodyPr>
+            <a:normAutofit fontScale="90000"/>
+          </a:bodyPr>
+          <a:lstStyle/>
+          <a:p>
+            <a:r>
+              <a:rPr lang="en-US" dirty="0"/>
+              <a:t>F. Conclusions (TBD)</a:t>
+            </a:r>
+          </a:p>
+        </p:txBody>
+      </p:sp>
+      <p:sp>
+        <p:nvSpPr>
+          <p:cNvPr id="3" name="Content Placeholder 2">
+            <a:extLst>
+              <a:ext uri="{FF2B5EF4-FFF2-40B4-BE49-F238E27FC236}">
+                <a16:creationId xmlns:a16="http://schemas.microsoft.com/office/drawing/2014/main" id="{C2210B30-F023-48E0-9C4F-5C73E22E4CF5}"/>
+              </a:ext>
+            </a:extLst>
+          </p:cNvPr>
+          <p:cNvSpPr>
+            <a:spLocks noGrp="1"/>
+          </p:cNvSpPr>
+          <p:nvPr>
+            <p:ph idx="1"/>
+          </p:nvPr>
+        </p:nvSpPr>
+        <p:spPr/>
+        <p:txBody>
+          <a:bodyPr/>
+          <a:lstStyle/>
+          <a:p>
+            <a:r>
+              <a:rPr lang="en-US" dirty="0"/>
+              <a:t>Any single demographic category is NOT a good predictor of which 2016 presidential candidate won any Indiana county.</a:t>
+            </a:r>
+          </a:p>
+          <a:p>
+            <a:r>
+              <a:rPr lang="en-US" dirty="0"/>
+              <a:t>?</a:t>
+            </a:r>
+          </a:p>
+          <a:p>
+            <a:r>
+              <a:rPr lang="en-US" dirty="0"/>
+              <a:t>?</a:t>
+            </a:r>
+          </a:p>
+        </p:txBody>
+      </p:sp>
+    </p:spTree>
+    <p:extLst>
+      <p:ext uri="{BB962C8B-B14F-4D97-AF65-F5344CB8AC3E}">
+        <p14:creationId xmlns:p14="http://schemas.microsoft.com/office/powerpoint/2010/main" val="3708139832"/>
+      </p:ext>
+    </p:extLst>
+  </p:cSld>
+  <p:clrMapOvr>
+    <a:masterClrMapping/>
+  </p:clrMapOvr>
+</p:sld>
+</file>
+
+<file path=ppt/slides/slide19.xml><?xml version="1.0" encoding="utf-8"?>
+<p:sld xmlns:a="http://schemas.openxmlformats.org/drawingml/2006/main" xmlns:r="http://schemas.openxmlformats.org/officeDocument/2006/relationships" xmlns:p="http://schemas.openxmlformats.org/presentationml/2006/main">
+  <p:cSld>
+    <p:spTree>
+      <p:nvGrpSpPr>
+        <p:cNvPr id="1" name=""/>
+        <p:cNvGrpSpPr/>
+        <p:nvPr/>
+      </p:nvGrpSpPr>
+      <p:grpSpPr>
+        <a:xfrm>
+          <a:off x="0" y="0"/>
+          <a:ext cx="0" cy="0"/>
+          <a:chOff x="0" y="0"/>
+          <a:chExt cx="0" cy="0"/>
+        </a:xfrm>
+      </p:grpSpPr>
       <p:sp>
         <p:nvSpPr>
           <p:cNvPr id="2" name="Title 1">
@@ -6401,7 +6847,131 @@
 </p:sld>
 </file>
 
-<file path=ppt/slides/slide17.xml><?xml version="1.0" encoding="utf-8"?>
+<file path=ppt/slides/slide2.xml><?xml version="1.0" encoding="utf-8"?>
+<p:sld xmlns:a="http://schemas.openxmlformats.org/drawingml/2006/main" xmlns:r="http://schemas.openxmlformats.org/officeDocument/2006/relationships" xmlns:p="http://schemas.openxmlformats.org/presentationml/2006/main">
+  <p:cSld>
+    <p:spTree>
+      <p:nvGrpSpPr>
+        <p:cNvPr id="1" name=""/>
+        <p:cNvGrpSpPr/>
+        <p:nvPr/>
+      </p:nvGrpSpPr>
+      <p:grpSpPr>
+        <a:xfrm>
+          <a:off x="0" y="0"/>
+          <a:ext cx="0" cy="0"/>
+          <a:chOff x="0" y="0"/>
+          <a:chExt cx="0" cy="0"/>
+        </a:xfrm>
+      </p:grpSpPr>
+      <p:sp>
+        <p:nvSpPr>
+          <p:cNvPr id="2" name="Title 1">
+            <a:extLst>
+              <a:ext uri="{FF2B5EF4-FFF2-40B4-BE49-F238E27FC236}">
+                <a16:creationId xmlns:a16="http://schemas.microsoft.com/office/drawing/2014/main" id="{4ECCE340-BE9F-4939-9408-BF10C66420FC}"/>
+              </a:ext>
+            </a:extLst>
+          </p:cNvPr>
+          <p:cNvSpPr>
+            <a:spLocks noGrp="1"/>
+          </p:cNvSpPr>
+          <p:nvPr>
+            <p:ph type="title"/>
+          </p:nvPr>
+        </p:nvSpPr>
+        <p:spPr/>
+        <p:txBody>
+          <a:bodyPr>
+            <a:normAutofit fontScale="90000"/>
+          </a:bodyPr>
+          <a:lstStyle/>
+          <a:p>
+            <a:r>
+              <a:rPr lang="en-US" dirty="0"/>
+              <a:t>Presentation Outline</a:t>
+            </a:r>
+          </a:p>
+        </p:txBody>
+      </p:sp>
+      <p:sp>
+        <p:nvSpPr>
+          <p:cNvPr id="3" name="Content Placeholder 2">
+            <a:extLst>
+              <a:ext uri="{FF2B5EF4-FFF2-40B4-BE49-F238E27FC236}">
+                <a16:creationId xmlns:a16="http://schemas.microsoft.com/office/drawing/2014/main" id="{C2210B30-F023-48E0-9C4F-5C73E22E4CF5}"/>
+              </a:ext>
+            </a:extLst>
+          </p:cNvPr>
+          <p:cNvSpPr>
+            <a:spLocks noGrp="1"/>
+          </p:cNvSpPr>
+          <p:nvPr>
+            <p:ph idx="1"/>
+          </p:nvPr>
+        </p:nvSpPr>
+        <p:spPr/>
+        <p:txBody>
+          <a:bodyPr/>
+          <a:lstStyle/>
+          <a:p>
+            <a:r>
+              <a:rPr lang="en-US" dirty="0"/>
+              <a:t>Question to group (Michael)</a:t>
+            </a:r>
+          </a:p>
+          <a:p>
+            <a:r>
+              <a:rPr lang="en-US" dirty="0"/>
+              <a:t>Theory (Nirmal)</a:t>
+            </a:r>
+          </a:p>
+          <a:p>
+            <a:r>
+              <a:rPr lang="en-US" dirty="0"/>
+              <a:t>Describe data sets used (Allyson)</a:t>
+            </a:r>
+          </a:p>
+          <a:p>
+            <a:r>
+              <a:rPr lang="en-US" dirty="0"/>
+              <a:t>Questions to answer (TBD)</a:t>
+            </a:r>
+          </a:p>
+          <a:p>
+            <a:r>
+              <a:rPr lang="en-US" dirty="0"/>
+              <a:t>Category plots (all) </a:t>
+            </a:r>
+          </a:p>
+          <a:p>
+            <a:r>
+              <a:rPr lang="en-US" dirty="0"/>
+              <a:t>Conclusions (TBD) </a:t>
+            </a:r>
+          </a:p>
+          <a:p>
+            <a:r>
+              <a:rPr lang="en-US" dirty="0"/>
+              <a:t>Next steps</a:t>
+            </a:r>
+          </a:p>
+        </p:txBody>
+      </p:sp>
+    </p:spTree>
+    <p:extLst>
+      <p:ext uri="{BB962C8B-B14F-4D97-AF65-F5344CB8AC3E}">
+        <p14:creationId xmlns:p14="http://schemas.microsoft.com/office/powerpoint/2010/main" val="1720600180"/>
+      </p:ext>
+    </p:extLst>
+  </p:cSld>
+  <p:clrMapOvr>
+    <a:masterClrMapping/>
+  </p:clrMapOvr>
+</p:sld>
+</file>
+
+<file path=ppt/slides/slide20.xml><?xml version="1.0" encoding="utf-8"?>
 <p:sld xmlns:a="http://schemas.openxmlformats.org/drawingml/2006/main" xmlns:r="http://schemas.openxmlformats.org/officeDocument/2006/relationships" xmlns:p="http://schemas.openxmlformats.org/presentationml/2006/main">
   <p:cSld>
     <p:spTree>
@@ -6498,7 +7068,7 @@
 </p:sld>
 </file>
 
-<file path=ppt/slides/slide18.xml><?xml version="1.0" encoding="utf-8"?>
+<file path=ppt/slides/slide21.xml><?xml version="1.0" encoding="utf-8"?>
 <p:sld xmlns:a="http://schemas.openxmlformats.org/drawingml/2006/main" xmlns:r="http://schemas.openxmlformats.org/officeDocument/2006/relationships" xmlns:p="http://schemas.openxmlformats.org/presentationml/2006/main">
   <p:cSld>
     <p:spTree>
@@ -6584,7 +7154,7 @@
 </p:sld>
 </file>
 
-<file path=ppt/slides/slide19.xml><?xml version="1.0" encoding="utf-8"?>
+<file path=ppt/slides/slide22.xml><?xml version="1.0" encoding="utf-8"?>
 <p:sld xmlns:a="http://schemas.openxmlformats.org/drawingml/2006/main" xmlns:r="http://schemas.openxmlformats.org/officeDocument/2006/relationships" xmlns:p="http://schemas.openxmlformats.org/presentationml/2006/main">
   <p:cSld>
     <p:spTree>
@@ -6670,131 +7240,7 @@
 </p:sld>
 </file>
 
-<file path=ppt/slides/slide2.xml><?xml version="1.0" encoding="utf-8"?>
-<p:sld xmlns:a="http://schemas.openxmlformats.org/drawingml/2006/main" xmlns:r="http://schemas.openxmlformats.org/officeDocument/2006/relationships" xmlns:p="http://schemas.openxmlformats.org/presentationml/2006/main">
-  <p:cSld>
-    <p:spTree>
-      <p:nvGrpSpPr>
-        <p:cNvPr id="1" name=""/>
-        <p:cNvGrpSpPr/>
-        <p:nvPr/>
-      </p:nvGrpSpPr>
-      <p:grpSpPr>
-        <a:xfrm>
-          <a:off x="0" y="0"/>
-          <a:ext cx="0" cy="0"/>
-          <a:chOff x="0" y="0"/>
-          <a:chExt cx="0" cy="0"/>
-        </a:xfrm>
-      </p:grpSpPr>
-      <p:sp>
-        <p:nvSpPr>
-          <p:cNvPr id="2" name="Title 1">
-            <a:extLst>
-              <a:ext uri="{FF2B5EF4-FFF2-40B4-BE49-F238E27FC236}">
-                <a16:creationId xmlns:a16="http://schemas.microsoft.com/office/drawing/2014/main" id="{4ECCE340-BE9F-4939-9408-BF10C66420FC}"/>
-              </a:ext>
-            </a:extLst>
-          </p:cNvPr>
-          <p:cNvSpPr>
-            <a:spLocks noGrp="1"/>
-          </p:cNvSpPr>
-          <p:nvPr>
-            <p:ph type="title"/>
-          </p:nvPr>
-        </p:nvSpPr>
-        <p:spPr/>
-        <p:txBody>
-          <a:bodyPr>
-            <a:normAutofit fontScale="90000"/>
-          </a:bodyPr>
-          <a:lstStyle/>
-          <a:p>
-            <a:r>
-              <a:rPr lang="en-US" dirty="0"/>
-              <a:t>Presentation Outline</a:t>
-            </a:r>
-          </a:p>
-        </p:txBody>
-      </p:sp>
-      <p:sp>
-        <p:nvSpPr>
-          <p:cNvPr id="3" name="Content Placeholder 2">
-            <a:extLst>
-              <a:ext uri="{FF2B5EF4-FFF2-40B4-BE49-F238E27FC236}">
-                <a16:creationId xmlns:a16="http://schemas.microsoft.com/office/drawing/2014/main" id="{C2210B30-F023-48E0-9C4F-5C73E22E4CF5}"/>
-              </a:ext>
-            </a:extLst>
-          </p:cNvPr>
-          <p:cNvSpPr>
-            <a:spLocks noGrp="1"/>
-          </p:cNvSpPr>
-          <p:nvPr>
-            <p:ph idx="1"/>
-          </p:nvPr>
-        </p:nvSpPr>
-        <p:spPr/>
-        <p:txBody>
-          <a:bodyPr/>
-          <a:lstStyle/>
-          <a:p>
-            <a:r>
-              <a:rPr lang="en-US" dirty="0"/>
-              <a:t>Question to group (Michael)</a:t>
-            </a:r>
-          </a:p>
-          <a:p>
-            <a:r>
-              <a:rPr lang="en-US" dirty="0"/>
-              <a:t>Theory (Nirmal)</a:t>
-            </a:r>
-          </a:p>
-          <a:p>
-            <a:r>
-              <a:rPr lang="en-US" dirty="0"/>
-              <a:t>Describe data sets used (Allyson)</a:t>
-            </a:r>
-          </a:p>
-          <a:p>
-            <a:r>
-              <a:rPr lang="en-US" dirty="0"/>
-              <a:t>Questions to answer (TBD)</a:t>
-            </a:r>
-          </a:p>
-          <a:p>
-            <a:r>
-              <a:rPr lang="en-US" dirty="0"/>
-              <a:t>Category plots (all) </a:t>
-            </a:r>
-          </a:p>
-          <a:p>
-            <a:r>
-              <a:rPr lang="en-US" dirty="0"/>
-              <a:t>Conclusions (TBD) </a:t>
-            </a:r>
-          </a:p>
-          <a:p>
-            <a:r>
-              <a:rPr lang="en-US" dirty="0"/>
-              <a:t>Next steps</a:t>
-            </a:r>
-          </a:p>
-        </p:txBody>
-      </p:sp>
-    </p:spTree>
-    <p:extLst>
-      <p:ext uri="{BB962C8B-B14F-4D97-AF65-F5344CB8AC3E}">
-        <p14:creationId xmlns:p14="http://schemas.microsoft.com/office/powerpoint/2010/main" val="1720600180"/>
-      </p:ext>
-    </p:extLst>
-  </p:cSld>
-  <p:clrMapOvr>
-    <a:masterClrMapping/>
-  </p:clrMapOvr>
-</p:sld>
-</file>
-
-<file path=ppt/slides/slide20.xml><?xml version="1.0" encoding="utf-8"?>
+<file path=ppt/slides/slide23.xml><?xml version="1.0" encoding="utf-8"?>
 <p:sld xmlns:a="http://schemas.openxmlformats.org/drawingml/2006/main" xmlns:r="http://schemas.openxmlformats.org/officeDocument/2006/relationships" xmlns:p="http://schemas.openxmlformats.org/presentationml/2006/main">
   <p:cSld>
     <p:spTree>

--- a/2020-01-OldTimersPresentation.pptx
+++ b/2020-01-OldTimersPresentation.pptx
@@ -5,7 +5,7 @@
     <p:sldMasterId id="2147483648" r:id="rId1"/>
   </p:sldMasterIdLst>
   <p:notesMasterIdLst>
-    <p:notesMasterId r:id="rId25"/>
+    <p:notesMasterId r:id="rId32"/>
   </p:notesMasterIdLst>
   <p:sldIdLst>
     <p:sldId id="273" r:id="rId2"/>
@@ -13,27 +13,34 @@
     <p:sldId id="274" r:id="rId4"/>
     <p:sldId id="267" r:id="rId5"/>
     <p:sldId id="269" r:id="rId6"/>
-    <p:sldId id="268" r:id="rId7"/>
-    <p:sldId id="270" r:id="rId8"/>
-    <p:sldId id="275" r:id="rId9"/>
-    <p:sldId id="276" r:id="rId10"/>
-    <p:sldId id="277" r:id="rId11"/>
-    <p:sldId id="286" r:id="rId12"/>
-    <p:sldId id="278" r:id="rId13"/>
-    <p:sldId id="279" r:id="rId14"/>
-    <p:sldId id="280" r:id="rId15"/>
-    <p:sldId id="281" r:id="rId16"/>
-    <p:sldId id="287" r:id="rId17"/>
-    <p:sldId id="288" r:id="rId18"/>
-    <p:sldId id="271" r:id="rId19"/>
-    <p:sldId id="272" r:id="rId20"/>
-    <p:sldId id="282" r:id="rId21"/>
-    <p:sldId id="283" r:id="rId22"/>
-    <p:sldId id="285" r:id="rId23"/>
-    <p:sldId id="284" r:id="rId24"/>
+    <p:sldId id="282" r:id="rId7"/>
+    <p:sldId id="283" r:id="rId8"/>
+    <p:sldId id="268" r:id="rId9"/>
+    <p:sldId id="270" r:id="rId10"/>
+    <p:sldId id="275" r:id="rId11"/>
+    <p:sldId id="276" r:id="rId12"/>
+    <p:sldId id="289" r:id="rId13"/>
+    <p:sldId id="290" r:id="rId14"/>
+    <p:sldId id="291" r:id="rId15"/>
+    <p:sldId id="292" r:id="rId16"/>
+    <p:sldId id="294" r:id="rId17"/>
+    <p:sldId id="293" r:id="rId18"/>
+    <p:sldId id="297" r:id="rId19"/>
+    <p:sldId id="299" r:id="rId20"/>
+    <p:sldId id="298" r:id="rId21"/>
+    <p:sldId id="277" r:id="rId22"/>
+    <p:sldId id="286" r:id="rId23"/>
+    <p:sldId id="278" r:id="rId24"/>
+    <p:sldId id="279" r:id="rId25"/>
+    <p:sldId id="280" r:id="rId26"/>
+    <p:sldId id="281" r:id="rId27"/>
+    <p:sldId id="287" r:id="rId28"/>
+    <p:sldId id="288" r:id="rId29"/>
+    <p:sldId id="271" r:id="rId30"/>
+    <p:sldId id="272" r:id="rId31"/>
   </p:sldIdLst>
   <p:sldSz cx="12192000" cy="6858000"/>
-  <p:notesSz cx="6858000" cy="9144000"/>
+  <p:notesSz cx="7315200" cy="9601200"/>
   <p:defaultTextStyle>
     <a:defPPr>
       <a:defRPr lang="en-US"/>
@@ -146,12 +153,12 @@
     </p:ext>
     <p:ext uri="{2D200454-40CA-4A62-9FC3-DE9A4176ACB9}">
       <p15:notesGuideLst xmlns:p15="http://schemas.microsoft.com/office/powerpoint/2012/main">
-        <p15:guide id="1" orient="horz" pos="2880" userDrawn="1">
+        <p15:guide id="1" orient="horz" pos="3024" userDrawn="1">
           <p15:clr>
             <a:srgbClr val="A4A3A4"/>
           </p15:clr>
         </p15:guide>
-        <p15:guide id="2" pos="2160" userDrawn="1">
+        <p15:guide id="2" pos="2304" userDrawn="1">
           <p15:clr>
             <a:srgbClr val="A4A3A4"/>
           </p15:clr>
@@ -197,17 +204,17 @@
         <p:spPr>
           <a:xfrm>
             <a:off x="0" y="0"/>
-            <a:ext cx="2971800" cy="458788"/>
+            <a:ext cx="3169920" cy="481727"/>
           </a:xfrm>
           <a:prstGeom prst="rect">
             <a:avLst/>
           </a:prstGeom>
         </p:spPr>
         <p:txBody>
-          <a:bodyPr vert="horz" lIns="91440" tIns="45720" rIns="91440" bIns="45720" rtlCol="0"/>
+          <a:bodyPr vert="horz" lIns="96661" tIns="48331" rIns="96661" bIns="48331" rtlCol="0"/>
           <a:lstStyle>
             <a:lvl1pPr algn="l">
-              <a:defRPr sz="1200"/>
+              <a:defRPr sz="1300"/>
             </a:lvl1pPr>
           </a:lstStyle>
           <a:p>
@@ -227,24 +234,24 @@
         </p:nvSpPr>
         <p:spPr>
           <a:xfrm>
-            <a:off x="3884613" y="0"/>
-            <a:ext cx="2971800" cy="458788"/>
+            <a:off x="4143587" y="0"/>
+            <a:ext cx="3169920" cy="481727"/>
           </a:xfrm>
           <a:prstGeom prst="rect">
             <a:avLst/>
           </a:prstGeom>
         </p:spPr>
         <p:txBody>
-          <a:bodyPr vert="horz" lIns="91440" tIns="45720" rIns="91440" bIns="45720" rtlCol="0"/>
+          <a:bodyPr vert="horz" lIns="96661" tIns="48331" rIns="96661" bIns="48331" rtlCol="0"/>
           <a:lstStyle>
             <a:lvl1pPr algn="r">
-              <a:defRPr sz="1200"/>
+              <a:defRPr sz="1300"/>
             </a:lvl1pPr>
           </a:lstStyle>
           <a:p>
             <a:fld id="{1A22E6F6-2ED8-4E38-B00D-D2F99C0E0746}" type="datetimeFigureOut">
               <a:rPr lang="en-US" smtClean="0"/>
-              <a:t>1/24/20</a:t>
+              <a:t>1/25/2020</a:t>
             </a:fld>
             <a:endParaRPr lang="en-US"/>
           </a:p>
@@ -262,8 +269,8 @@
         </p:nvSpPr>
         <p:spPr>
           <a:xfrm>
-            <a:off x="685800" y="1143000"/>
-            <a:ext cx="5486400" cy="3086100"/>
+            <a:off x="777875" y="1200150"/>
+            <a:ext cx="5759450" cy="3240088"/>
           </a:xfrm>
           <a:prstGeom prst="rect">
             <a:avLst/>
@@ -276,7 +283,7 @@
           </a:ln>
         </p:spPr>
         <p:txBody>
-          <a:bodyPr vert="horz" lIns="91440" tIns="45720" rIns="91440" bIns="45720" rtlCol="0" anchor="ctr"/>
+          <a:bodyPr vert="horz" lIns="96661" tIns="48331" rIns="96661" bIns="48331" rtlCol="0" anchor="ctr"/>
           <a:lstStyle/>
           <a:p>
             <a:endParaRPr lang="en-US"/>
@@ -295,15 +302,15 @@
         </p:nvSpPr>
         <p:spPr>
           <a:xfrm>
-            <a:off x="685800" y="4400550"/>
-            <a:ext cx="5486400" cy="3600450"/>
+            <a:off x="731520" y="4620577"/>
+            <a:ext cx="5852160" cy="3780473"/>
           </a:xfrm>
           <a:prstGeom prst="rect">
             <a:avLst/>
           </a:prstGeom>
         </p:spPr>
         <p:txBody>
-          <a:bodyPr vert="horz" lIns="91440" tIns="45720" rIns="91440" bIns="45720" rtlCol="0"/>
+          <a:bodyPr vert="horz" lIns="96661" tIns="48331" rIns="96661" bIns="48331" rtlCol="0"/>
           <a:lstStyle/>
           <a:p>
             <a:pPr lvl="0"/>
@@ -354,18 +361,18 @@
         </p:nvSpPr>
         <p:spPr>
           <a:xfrm>
-            <a:off x="0" y="8685213"/>
-            <a:ext cx="2971800" cy="458787"/>
+            <a:off x="0" y="9119474"/>
+            <a:ext cx="3169920" cy="481726"/>
           </a:xfrm>
           <a:prstGeom prst="rect">
             <a:avLst/>
           </a:prstGeom>
         </p:spPr>
         <p:txBody>
-          <a:bodyPr vert="horz" lIns="91440" tIns="45720" rIns="91440" bIns="45720" rtlCol="0" anchor="b"/>
+          <a:bodyPr vert="horz" lIns="96661" tIns="48331" rIns="96661" bIns="48331" rtlCol="0" anchor="b"/>
           <a:lstStyle>
             <a:lvl1pPr algn="l">
-              <a:defRPr sz="1200"/>
+              <a:defRPr sz="1300"/>
             </a:lvl1pPr>
           </a:lstStyle>
           <a:p>
@@ -385,18 +392,18 @@
         </p:nvSpPr>
         <p:spPr>
           <a:xfrm>
-            <a:off x="3884613" y="8685213"/>
-            <a:ext cx="2971800" cy="458787"/>
+            <a:off x="4143587" y="9119474"/>
+            <a:ext cx="3169920" cy="481726"/>
           </a:xfrm>
           <a:prstGeom prst="rect">
             <a:avLst/>
           </a:prstGeom>
         </p:spPr>
         <p:txBody>
-          <a:bodyPr vert="horz" lIns="91440" tIns="45720" rIns="91440" bIns="45720" rtlCol="0" anchor="b"/>
+          <a:bodyPr vert="horz" lIns="96661" tIns="48331" rIns="96661" bIns="48331" rtlCol="0" anchor="b"/>
           <a:lstStyle>
             <a:lvl1pPr algn="r">
-              <a:defRPr sz="1200"/>
+              <a:defRPr sz="1300"/>
             </a:lvl1pPr>
           </a:lstStyle>
           <a:p>
@@ -639,21 +646,7 @@
           <a:bodyPr/>
           <a:lstStyle/>
           <a:p>
-            <a:pPr>
-              <a:lnSpc>
-                <a:spcPct val="100000"/>
-              </a:lnSpc>
-              <a:spcBef>
-                <a:spcPts val="0"/>
-              </a:spcBef>
-              <a:buFont typeface="Wingdings" panose="05000000000000000000" pitchFamily="2" charset="2"/>
-              <a:buChar char="§"/>
-            </a:pPr>
-            <a:r>
-              <a:rPr lang="en-US" sz="1200" dirty="0"/>
-              <a:t>  Age &amp; Employment (Allyson)</a:t>
-            </a:r>
-            <a:endParaRPr lang="en-US" dirty="0"/>
+            <a:endParaRPr lang="en-US" sz="1300" dirty="0"/>
           </a:p>
         </p:txBody>
       </p:sp>
@@ -683,7 +676,7 @@
     </p:spTree>
     <p:extLst>
       <p:ext uri="{BB962C8B-B14F-4D97-AF65-F5344CB8AC3E}">
-        <p14:creationId xmlns:p14="http://schemas.microsoft.com/office/powerpoint/2010/main" val="3319328060"/>
+        <p14:creationId xmlns:p14="http://schemas.microsoft.com/office/powerpoint/2010/main" val="1342507527"/>
       </p:ext>
     </p:extLst>
   </p:cSld>
@@ -737,7 +730,7 @@
           <a:bodyPr/>
           <a:lstStyle/>
           <a:p>
-            <a:endParaRPr lang="en-US" dirty="0"/>
+            <a:endParaRPr lang="en-US" sz="1300" dirty="0"/>
           </a:p>
         </p:txBody>
       </p:sp>
@@ -758,7 +751,7 @@
           <a:p>
             <a:fld id="{8E920BCB-0390-48C0-BB31-089CCB0AC4A1}" type="slidenum">
               <a:rPr lang="en-US" smtClean="0"/>
-              <a:t>12</a:t>
+              <a:t>11</a:t>
             </a:fld>
             <a:endParaRPr lang="en-US"/>
           </a:p>
@@ -767,7 +760,7 @@
     </p:spTree>
     <p:extLst>
       <p:ext uri="{BB962C8B-B14F-4D97-AF65-F5344CB8AC3E}">
-        <p14:creationId xmlns:p14="http://schemas.microsoft.com/office/powerpoint/2010/main" val="3957848276"/>
+        <p14:creationId xmlns:p14="http://schemas.microsoft.com/office/powerpoint/2010/main" val="1010949361"/>
       </p:ext>
     </p:extLst>
   </p:cSld>
@@ -821,73 +814,7 @@
           <a:bodyPr/>
           <a:lstStyle/>
           <a:p>
-            <a:pPr marL="228600" indent="-228600">
-              <a:buAutoNum type="alphaUcPeriod" startAt="6"/>
-            </a:pPr>
-            <a:r>
-              <a:rPr lang="en-US" dirty="0"/>
-              <a:t>Conclusions (TBD)</a:t>
-            </a:r>
-          </a:p>
-          <a:p>
-            <a:pPr marL="228600" indent="-228600">
-              <a:buAutoNum type="alphaUcPeriod" startAt="6"/>
-            </a:pPr>
-            <a:endParaRPr lang="en-US" dirty="0"/>
-          </a:p>
-          <a:p>
-            <a:pPr marL="457200" indent="-457200">
-              <a:lnSpc>
-                <a:spcPct val="100000"/>
-              </a:lnSpc>
-              <a:spcBef>
-                <a:spcPts val="0"/>
-              </a:spcBef>
-              <a:buFont typeface="+mj-lt"/>
-              <a:buAutoNum type="arabicParenR"/>
-            </a:pPr>
-            <a:r>
-              <a:rPr lang="en-US" sz="1200" dirty="0"/>
-              <a:t>Any single demographic category is NOT a good predictor of which 2016 presidential candidate won any Indiana county.</a:t>
-            </a:r>
-          </a:p>
-          <a:p>
-            <a:pPr marL="457200" indent="-457200">
-              <a:lnSpc>
-                <a:spcPct val="100000"/>
-              </a:lnSpc>
-              <a:spcBef>
-                <a:spcPts val="0"/>
-              </a:spcBef>
-              <a:buFont typeface="+mj-lt"/>
-              <a:buAutoNum type="arabicParenR"/>
-            </a:pPr>
-            <a:r>
-              <a:rPr lang="en-US" sz="1200" dirty="0"/>
-              <a:t>?</a:t>
-            </a:r>
-          </a:p>
-          <a:p>
-            <a:pPr marL="457200" indent="-457200">
-              <a:lnSpc>
-                <a:spcPct val="100000"/>
-              </a:lnSpc>
-              <a:spcBef>
-                <a:spcPts val="0"/>
-              </a:spcBef>
-              <a:buFont typeface="+mj-lt"/>
-              <a:buAutoNum type="arabicParenR"/>
-            </a:pPr>
-            <a:r>
-              <a:rPr lang="en-US" sz="1200" dirty="0"/>
-              <a:t>?</a:t>
-            </a:r>
-          </a:p>
-          <a:p>
-            <a:pPr marL="0" indent="0">
-              <a:buNone/>
-            </a:pPr>
-            <a:endParaRPr lang="en-US" dirty="0"/>
+            <a:endParaRPr lang="en-US" sz="1300" dirty="0"/>
           </a:p>
         </p:txBody>
       </p:sp>
@@ -908,7 +835,7 @@
           <a:p>
             <a:fld id="{8E920BCB-0390-48C0-BB31-089CCB0AC4A1}" type="slidenum">
               <a:rPr lang="en-US" smtClean="0"/>
-              <a:t>18</a:t>
+              <a:t>12</a:t>
             </a:fld>
             <a:endParaRPr lang="en-US"/>
           </a:p>
@@ -917,7 +844,7 @@
     </p:spTree>
     <p:extLst>
       <p:ext uri="{BB962C8B-B14F-4D97-AF65-F5344CB8AC3E}">
-        <p14:creationId xmlns:p14="http://schemas.microsoft.com/office/powerpoint/2010/main" val="3065975783"/>
+        <p14:creationId xmlns:p14="http://schemas.microsoft.com/office/powerpoint/2010/main" val="4270698742"/>
       </p:ext>
     </p:extLst>
   </p:cSld>
@@ -971,142 +898,553 @@
           <a:bodyPr/>
           <a:lstStyle/>
           <a:p>
-            <a:pPr marL="228600" indent="-228600">
-              <a:buAutoNum type="alphaUcPeriod" startAt="7"/>
-            </a:pPr>
-            <a:r>
-              <a:rPr lang="en-US" dirty="0"/>
-              <a:t>Next steps</a:t>
-            </a:r>
-          </a:p>
-          <a:p>
-            <a:pPr marL="0" indent="0">
-              <a:buNone/>
-            </a:pPr>
-            <a:endParaRPr lang="en-US" dirty="0"/>
-          </a:p>
+            <a:endParaRPr lang="en-US" sz="1300" dirty="0"/>
+          </a:p>
+        </p:txBody>
+      </p:sp>
+      <p:sp>
+        <p:nvSpPr>
+          <p:cNvPr id="4" name="Slide Number Placeholder 3"/>
+          <p:cNvSpPr>
+            <a:spLocks noGrp="1"/>
+          </p:cNvSpPr>
+          <p:nvPr>
+            <p:ph type="sldNum" sz="quarter" idx="5"/>
+          </p:nvPr>
+        </p:nvSpPr>
+        <p:spPr/>
+        <p:txBody>
+          <a:bodyPr/>
+          <a:lstStyle/>
+          <a:p>
+            <a:fld id="{8E920BCB-0390-48C0-BB31-089CCB0AC4A1}" type="slidenum">
+              <a:rPr lang="en-US" smtClean="0"/>
+              <a:t>13</a:t>
+            </a:fld>
+            <a:endParaRPr lang="en-US"/>
+          </a:p>
+        </p:txBody>
+      </p:sp>
+    </p:spTree>
+    <p:extLst>
+      <p:ext uri="{BB962C8B-B14F-4D97-AF65-F5344CB8AC3E}">
+        <p14:creationId xmlns:p14="http://schemas.microsoft.com/office/powerpoint/2010/main" val="1135616969"/>
+      </p:ext>
+    </p:extLst>
+  </p:cSld>
+  <p:clrMapOvr>
+    <a:masterClrMapping/>
+  </p:clrMapOvr>
+</p:notes>
+</file>
+
+<file path=ppt/notesSlides/notesSlide14.xml><?xml version="1.0" encoding="utf-8"?>
+<p:notes xmlns:a="http://schemas.openxmlformats.org/drawingml/2006/main" xmlns:r="http://schemas.openxmlformats.org/officeDocument/2006/relationships" xmlns:p="http://schemas.openxmlformats.org/presentationml/2006/main">
+  <p:cSld>
+    <p:spTree>
+      <p:nvGrpSpPr>
+        <p:cNvPr id="1" name=""/>
+        <p:cNvGrpSpPr/>
+        <p:nvPr/>
+      </p:nvGrpSpPr>
+      <p:grpSpPr>
+        <a:xfrm>
+          <a:off x="0" y="0"/>
+          <a:ext cx="0" cy="0"/>
+          <a:chOff x="0" y="0"/>
+          <a:chExt cx="0" cy="0"/>
+        </a:xfrm>
+      </p:grpSpPr>
+      <p:sp>
+        <p:nvSpPr>
+          <p:cNvPr id="2" name="Slide Image Placeholder 1"/>
+          <p:cNvSpPr>
+            <a:spLocks noGrp="1" noRot="1" noChangeAspect="1"/>
+          </p:cNvSpPr>
+          <p:nvPr>
+            <p:ph type="sldImg"/>
+          </p:nvPr>
+        </p:nvSpPr>
+        <p:spPr/>
+      </p:sp>
+      <p:sp>
+        <p:nvSpPr>
+          <p:cNvPr id="3" name="Notes Placeholder 2"/>
+          <p:cNvSpPr>
+            <a:spLocks noGrp="1"/>
+          </p:cNvSpPr>
+          <p:nvPr>
+            <p:ph type="body" idx="1"/>
+          </p:nvPr>
+        </p:nvSpPr>
+        <p:spPr/>
+        <p:txBody>
+          <a:bodyPr/>
+          <a:lstStyle/>
           <a:p>
             <a:pPr>
-              <a:lnSpc>
-                <a:spcPct val="100000"/>
-              </a:lnSpc>
-              <a:spcBef>
-                <a:spcPts val="0"/>
-              </a:spcBef>
               <a:buFont typeface="Wingdings" panose="05000000000000000000" pitchFamily="2" charset="2"/>
               <a:buChar char="§"/>
             </a:pPr>
             <a:r>
-              <a:rPr lang="en-US" sz="2000" dirty="0"/>
-              <a:t>  With more time, we would develop a prediction model comparing actual vs. expected results and run </a:t>
-            </a:r>
-            <a:r>
-              <a:rPr lang="en-US" sz="2000" dirty="0" err="1"/>
-              <a:t>ttests</a:t>
-            </a:r>
-            <a:r>
-              <a:rPr lang="en-US" sz="2000" dirty="0"/>
-              <a:t> (Michael)</a:t>
-            </a:r>
-          </a:p>
-          <a:p>
-            <a:pPr lvl="1">
-              <a:lnSpc>
-                <a:spcPct val="100000"/>
-              </a:lnSpc>
-              <a:spcBef>
-                <a:spcPts val="0"/>
-              </a:spcBef>
+              <a:rPr lang="en-US" sz="1300" dirty="0"/>
+              <a:t>  Income &amp; Race (Nirmal)</a:t>
+            </a:r>
+          </a:p>
+        </p:txBody>
+      </p:sp>
+      <p:sp>
+        <p:nvSpPr>
+          <p:cNvPr id="4" name="Slide Number Placeholder 3"/>
+          <p:cNvSpPr>
+            <a:spLocks noGrp="1"/>
+          </p:cNvSpPr>
+          <p:nvPr>
+            <p:ph type="sldNum" sz="quarter" idx="5"/>
+          </p:nvPr>
+        </p:nvSpPr>
+        <p:spPr/>
+        <p:txBody>
+          <a:bodyPr/>
+          <a:lstStyle/>
+          <a:p>
+            <a:fld id="{8E920BCB-0390-48C0-BB31-089CCB0AC4A1}" type="slidenum">
+              <a:rPr lang="en-US" smtClean="0"/>
+              <a:t>14</a:t>
+            </a:fld>
+            <a:endParaRPr lang="en-US"/>
+          </a:p>
+        </p:txBody>
+      </p:sp>
+    </p:spTree>
+    <p:extLst>
+      <p:ext uri="{BB962C8B-B14F-4D97-AF65-F5344CB8AC3E}">
+        <p14:creationId xmlns:p14="http://schemas.microsoft.com/office/powerpoint/2010/main" val="2193517959"/>
+      </p:ext>
+    </p:extLst>
+  </p:cSld>
+  <p:clrMapOvr>
+    <a:masterClrMapping/>
+  </p:clrMapOvr>
+</p:notes>
+</file>
+
+<file path=ppt/notesSlides/notesSlide15.xml><?xml version="1.0" encoding="utf-8"?>
+<p:notes xmlns:a="http://schemas.openxmlformats.org/drawingml/2006/main" xmlns:r="http://schemas.openxmlformats.org/officeDocument/2006/relationships" xmlns:p="http://schemas.openxmlformats.org/presentationml/2006/main">
+  <p:cSld>
+    <p:spTree>
+      <p:nvGrpSpPr>
+        <p:cNvPr id="1" name=""/>
+        <p:cNvGrpSpPr/>
+        <p:nvPr/>
+      </p:nvGrpSpPr>
+      <p:grpSpPr>
+        <a:xfrm>
+          <a:off x="0" y="0"/>
+          <a:ext cx="0" cy="0"/>
+          <a:chOff x="0" y="0"/>
+          <a:chExt cx="0" cy="0"/>
+        </a:xfrm>
+      </p:grpSpPr>
+      <p:sp>
+        <p:nvSpPr>
+          <p:cNvPr id="2" name="Slide Image Placeholder 1"/>
+          <p:cNvSpPr>
+            <a:spLocks noGrp="1" noRot="1" noChangeAspect="1"/>
+          </p:cNvSpPr>
+          <p:nvPr>
+            <p:ph type="sldImg"/>
+          </p:nvPr>
+        </p:nvSpPr>
+        <p:spPr/>
+      </p:sp>
+      <p:sp>
+        <p:nvSpPr>
+          <p:cNvPr id="3" name="Notes Placeholder 2"/>
+          <p:cNvSpPr>
+            <a:spLocks noGrp="1"/>
+          </p:cNvSpPr>
+          <p:nvPr>
+            <p:ph type="body" idx="1"/>
+          </p:nvPr>
+        </p:nvSpPr>
+        <p:spPr/>
+        <p:txBody>
+          <a:bodyPr/>
+          <a:lstStyle/>
+          <a:p>
+            <a:pPr>
               <a:buFont typeface="Wingdings" panose="05000000000000000000" pitchFamily="2" charset="2"/>
               <a:buChar char="§"/>
             </a:pPr>
             <a:r>
-              <a:rPr lang="en-US" sz="1600" dirty="0"/>
-              <a:t> We would add:</a:t>
-            </a:r>
-          </a:p>
-          <a:p>
-            <a:pPr lvl="2">
-              <a:lnSpc>
-                <a:spcPct val="100000"/>
-              </a:lnSpc>
-              <a:spcBef>
-                <a:spcPts val="0"/>
-              </a:spcBef>
+              <a:rPr lang="en-US" sz="1300" dirty="0"/>
+              <a:t>  Income &amp; Race (Nirmal)</a:t>
+            </a:r>
+          </a:p>
+        </p:txBody>
+      </p:sp>
+      <p:sp>
+        <p:nvSpPr>
+          <p:cNvPr id="4" name="Slide Number Placeholder 3"/>
+          <p:cNvSpPr>
+            <a:spLocks noGrp="1"/>
+          </p:cNvSpPr>
+          <p:nvPr>
+            <p:ph type="sldNum" sz="quarter" idx="5"/>
+          </p:nvPr>
+        </p:nvSpPr>
+        <p:spPr/>
+        <p:txBody>
+          <a:bodyPr/>
+          <a:lstStyle/>
+          <a:p>
+            <a:fld id="{8E920BCB-0390-48C0-BB31-089CCB0AC4A1}" type="slidenum">
+              <a:rPr lang="en-US" smtClean="0"/>
+              <a:t>15</a:t>
+            </a:fld>
+            <a:endParaRPr lang="en-US"/>
+          </a:p>
+        </p:txBody>
+      </p:sp>
+    </p:spTree>
+    <p:extLst>
+      <p:ext uri="{BB962C8B-B14F-4D97-AF65-F5344CB8AC3E}">
+        <p14:creationId xmlns:p14="http://schemas.microsoft.com/office/powerpoint/2010/main" val="822955999"/>
+      </p:ext>
+    </p:extLst>
+  </p:cSld>
+  <p:clrMapOvr>
+    <a:masterClrMapping/>
+  </p:clrMapOvr>
+</p:notes>
+</file>
+
+<file path=ppt/notesSlides/notesSlide16.xml><?xml version="1.0" encoding="utf-8"?>
+<p:notes xmlns:a="http://schemas.openxmlformats.org/drawingml/2006/main" xmlns:r="http://schemas.openxmlformats.org/officeDocument/2006/relationships" xmlns:p="http://schemas.openxmlformats.org/presentationml/2006/main">
+  <p:cSld>
+    <p:spTree>
+      <p:nvGrpSpPr>
+        <p:cNvPr id="1" name=""/>
+        <p:cNvGrpSpPr/>
+        <p:nvPr/>
+      </p:nvGrpSpPr>
+      <p:grpSpPr>
+        <a:xfrm>
+          <a:off x="0" y="0"/>
+          <a:ext cx="0" cy="0"/>
+          <a:chOff x="0" y="0"/>
+          <a:chExt cx="0" cy="0"/>
+        </a:xfrm>
+      </p:grpSpPr>
+      <p:sp>
+        <p:nvSpPr>
+          <p:cNvPr id="2" name="Slide Image Placeholder 1"/>
+          <p:cNvSpPr>
+            <a:spLocks noGrp="1" noRot="1" noChangeAspect="1"/>
+          </p:cNvSpPr>
+          <p:nvPr>
+            <p:ph type="sldImg"/>
+          </p:nvPr>
+        </p:nvSpPr>
+        <p:spPr/>
+      </p:sp>
+      <p:sp>
+        <p:nvSpPr>
+          <p:cNvPr id="3" name="Notes Placeholder 2"/>
+          <p:cNvSpPr>
+            <a:spLocks noGrp="1"/>
+          </p:cNvSpPr>
+          <p:nvPr>
+            <p:ph type="body" idx="1"/>
+          </p:nvPr>
+        </p:nvSpPr>
+        <p:spPr/>
+        <p:txBody>
+          <a:bodyPr/>
+          <a:lstStyle/>
+          <a:p>
+            <a:pPr>
               <a:buFont typeface="Wingdings" panose="05000000000000000000" pitchFamily="2" charset="2"/>
               <a:buChar char="§"/>
             </a:pPr>
             <a:r>
-              <a:rPr lang="en-US" sz="1200" dirty="0"/>
-              <a:t> More exit polling data</a:t>
-            </a:r>
-          </a:p>
-          <a:p>
-            <a:pPr lvl="2">
-              <a:lnSpc>
-                <a:spcPct val="100000"/>
-              </a:lnSpc>
-              <a:spcBef>
-                <a:spcPts val="0"/>
-              </a:spcBef>
+              <a:rPr lang="en-US" sz="1300" dirty="0"/>
+              <a:t>  Income &amp; Race (Nirmal)</a:t>
+            </a:r>
+          </a:p>
+        </p:txBody>
+      </p:sp>
+      <p:sp>
+        <p:nvSpPr>
+          <p:cNvPr id="4" name="Slide Number Placeholder 3"/>
+          <p:cNvSpPr>
+            <a:spLocks noGrp="1"/>
+          </p:cNvSpPr>
+          <p:nvPr>
+            <p:ph type="sldNum" sz="quarter" idx="5"/>
+          </p:nvPr>
+        </p:nvSpPr>
+        <p:spPr/>
+        <p:txBody>
+          <a:bodyPr/>
+          <a:lstStyle/>
+          <a:p>
+            <a:fld id="{8E920BCB-0390-48C0-BB31-089CCB0AC4A1}" type="slidenum">
+              <a:rPr lang="en-US" smtClean="0"/>
+              <a:t>16</a:t>
+            </a:fld>
+            <a:endParaRPr lang="en-US"/>
+          </a:p>
+        </p:txBody>
+      </p:sp>
+    </p:spTree>
+    <p:extLst>
+      <p:ext uri="{BB962C8B-B14F-4D97-AF65-F5344CB8AC3E}">
+        <p14:creationId xmlns:p14="http://schemas.microsoft.com/office/powerpoint/2010/main" val="4101575879"/>
+      </p:ext>
+    </p:extLst>
+  </p:cSld>
+  <p:clrMapOvr>
+    <a:masterClrMapping/>
+  </p:clrMapOvr>
+</p:notes>
+</file>
+
+<file path=ppt/notesSlides/notesSlide17.xml><?xml version="1.0" encoding="utf-8"?>
+<p:notes xmlns:a="http://schemas.openxmlformats.org/drawingml/2006/main" xmlns:r="http://schemas.openxmlformats.org/officeDocument/2006/relationships" xmlns:p="http://schemas.openxmlformats.org/presentationml/2006/main">
+  <p:cSld>
+    <p:spTree>
+      <p:nvGrpSpPr>
+        <p:cNvPr id="1" name=""/>
+        <p:cNvGrpSpPr/>
+        <p:nvPr/>
+      </p:nvGrpSpPr>
+      <p:grpSpPr>
+        <a:xfrm>
+          <a:off x="0" y="0"/>
+          <a:ext cx="0" cy="0"/>
+          <a:chOff x="0" y="0"/>
+          <a:chExt cx="0" cy="0"/>
+        </a:xfrm>
+      </p:grpSpPr>
+      <p:sp>
+        <p:nvSpPr>
+          <p:cNvPr id="2" name="Slide Image Placeholder 1"/>
+          <p:cNvSpPr>
+            <a:spLocks noGrp="1" noRot="1" noChangeAspect="1"/>
+          </p:cNvSpPr>
+          <p:nvPr>
+            <p:ph type="sldImg"/>
+          </p:nvPr>
+        </p:nvSpPr>
+        <p:spPr/>
+      </p:sp>
+      <p:sp>
+        <p:nvSpPr>
+          <p:cNvPr id="3" name="Notes Placeholder 2"/>
+          <p:cNvSpPr>
+            <a:spLocks noGrp="1"/>
+          </p:cNvSpPr>
+          <p:nvPr>
+            <p:ph type="body" idx="1"/>
+          </p:nvPr>
+        </p:nvSpPr>
+        <p:spPr/>
+        <p:txBody>
+          <a:bodyPr/>
+          <a:lstStyle/>
+          <a:p>
+            <a:pPr>
               <a:buFont typeface="Wingdings" panose="05000000000000000000" pitchFamily="2" charset="2"/>
               <a:buChar char="§"/>
             </a:pPr>
             <a:r>
-              <a:rPr lang="en-US" sz="1200" dirty="0"/>
-              <a:t> Election results from additional years and races</a:t>
-            </a:r>
-          </a:p>
+              <a:rPr lang="en-US" sz="1300" dirty="0"/>
+              <a:t>  Income &amp; Race (Nirmal)</a:t>
+            </a:r>
+          </a:p>
+        </p:txBody>
+      </p:sp>
+      <p:sp>
+        <p:nvSpPr>
+          <p:cNvPr id="4" name="Slide Number Placeholder 3"/>
+          <p:cNvSpPr>
+            <a:spLocks noGrp="1"/>
+          </p:cNvSpPr>
+          <p:nvPr>
+            <p:ph type="sldNum" sz="quarter" idx="5"/>
+          </p:nvPr>
+        </p:nvSpPr>
+        <p:spPr/>
+        <p:txBody>
+          <a:bodyPr/>
+          <a:lstStyle/>
+          <a:p>
+            <a:fld id="{8E920BCB-0390-48C0-BB31-089CCB0AC4A1}" type="slidenum">
+              <a:rPr lang="en-US" smtClean="0"/>
+              <a:t>17</a:t>
+            </a:fld>
+            <a:endParaRPr lang="en-US"/>
+          </a:p>
+        </p:txBody>
+      </p:sp>
+    </p:spTree>
+    <p:extLst>
+      <p:ext uri="{BB962C8B-B14F-4D97-AF65-F5344CB8AC3E}">
+        <p14:creationId xmlns:p14="http://schemas.microsoft.com/office/powerpoint/2010/main" val="2936508820"/>
+      </p:ext>
+    </p:extLst>
+  </p:cSld>
+  <p:clrMapOvr>
+    <a:masterClrMapping/>
+  </p:clrMapOvr>
+</p:notes>
+</file>
+
+<file path=ppt/notesSlides/notesSlide18.xml><?xml version="1.0" encoding="utf-8"?>
+<p:notes xmlns:a="http://schemas.openxmlformats.org/drawingml/2006/main" xmlns:r="http://schemas.openxmlformats.org/officeDocument/2006/relationships" xmlns:p="http://schemas.openxmlformats.org/presentationml/2006/main">
+  <p:cSld>
+    <p:spTree>
+      <p:nvGrpSpPr>
+        <p:cNvPr id="1" name=""/>
+        <p:cNvGrpSpPr/>
+        <p:nvPr/>
+      </p:nvGrpSpPr>
+      <p:grpSpPr>
+        <a:xfrm>
+          <a:off x="0" y="0"/>
+          <a:ext cx="0" cy="0"/>
+          <a:chOff x="0" y="0"/>
+          <a:chExt cx="0" cy="0"/>
+        </a:xfrm>
+      </p:grpSpPr>
+      <p:sp>
+        <p:nvSpPr>
+          <p:cNvPr id="2" name="Slide Image Placeholder 1"/>
+          <p:cNvSpPr>
+            <a:spLocks noGrp="1" noRot="1" noChangeAspect="1"/>
+          </p:cNvSpPr>
+          <p:nvPr>
+            <p:ph type="sldImg"/>
+          </p:nvPr>
+        </p:nvSpPr>
+        <p:spPr/>
+      </p:sp>
+      <p:sp>
+        <p:nvSpPr>
+          <p:cNvPr id="3" name="Notes Placeholder 2"/>
+          <p:cNvSpPr>
+            <a:spLocks noGrp="1"/>
+          </p:cNvSpPr>
+          <p:nvPr>
+            <p:ph type="body" idx="1"/>
+          </p:nvPr>
+        </p:nvSpPr>
+        <p:spPr/>
+        <p:txBody>
+          <a:bodyPr/>
+          <a:lstStyle/>
           <a:p>
             <a:pPr>
-              <a:lnSpc>
-                <a:spcPct val="100000"/>
-              </a:lnSpc>
-              <a:spcBef>
-                <a:spcPts val="0"/>
-              </a:spcBef>
               <a:buFont typeface="Wingdings" panose="05000000000000000000" pitchFamily="2" charset="2"/>
               <a:buChar char="§"/>
             </a:pPr>
             <a:r>
-              <a:rPr lang="en-US" sz="2000" dirty="0"/>
-              <a:t>  We would incorporate and test more Census variables</a:t>
-            </a:r>
-          </a:p>
+              <a:rPr lang="en-US" sz="1300" dirty="0"/>
+              <a:t>  Income &amp; Race (Nirmal)</a:t>
+            </a:r>
+          </a:p>
+        </p:txBody>
+      </p:sp>
+      <p:sp>
+        <p:nvSpPr>
+          <p:cNvPr id="4" name="Slide Number Placeholder 3"/>
+          <p:cNvSpPr>
+            <a:spLocks noGrp="1"/>
+          </p:cNvSpPr>
+          <p:nvPr>
+            <p:ph type="sldNum" sz="quarter" idx="5"/>
+          </p:nvPr>
+        </p:nvSpPr>
+        <p:spPr/>
+        <p:txBody>
+          <a:bodyPr/>
+          <a:lstStyle/>
+          <a:p>
+            <a:fld id="{8E920BCB-0390-48C0-BB31-089CCB0AC4A1}" type="slidenum">
+              <a:rPr lang="en-US" smtClean="0"/>
+              <a:t>18</a:t>
+            </a:fld>
+            <a:endParaRPr lang="en-US"/>
+          </a:p>
+        </p:txBody>
+      </p:sp>
+    </p:spTree>
+    <p:extLst>
+      <p:ext uri="{BB962C8B-B14F-4D97-AF65-F5344CB8AC3E}">
+        <p14:creationId xmlns:p14="http://schemas.microsoft.com/office/powerpoint/2010/main" val="3228184608"/>
+      </p:ext>
+    </p:extLst>
+  </p:cSld>
+  <p:clrMapOvr>
+    <a:masterClrMapping/>
+  </p:clrMapOvr>
+</p:notes>
+</file>
+
+<file path=ppt/notesSlides/notesSlide19.xml><?xml version="1.0" encoding="utf-8"?>
+<p:notes xmlns:a="http://schemas.openxmlformats.org/drawingml/2006/main" xmlns:r="http://schemas.openxmlformats.org/officeDocument/2006/relationships" xmlns:p="http://schemas.openxmlformats.org/presentationml/2006/main">
+  <p:cSld>
+    <p:spTree>
+      <p:nvGrpSpPr>
+        <p:cNvPr id="1" name=""/>
+        <p:cNvGrpSpPr/>
+        <p:nvPr/>
+      </p:nvGrpSpPr>
+      <p:grpSpPr>
+        <a:xfrm>
+          <a:off x="0" y="0"/>
+          <a:ext cx="0" cy="0"/>
+          <a:chOff x="0" y="0"/>
+          <a:chExt cx="0" cy="0"/>
+        </a:xfrm>
+      </p:grpSpPr>
+      <p:sp>
+        <p:nvSpPr>
+          <p:cNvPr id="2" name="Slide Image Placeholder 1"/>
+          <p:cNvSpPr>
+            <a:spLocks noGrp="1" noRot="1" noChangeAspect="1"/>
+          </p:cNvSpPr>
+          <p:nvPr>
+            <p:ph type="sldImg"/>
+          </p:nvPr>
+        </p:nvSpPr>
+        <p:spPr/>
+      </p:sp>
+      <p:sp>
+        <p:nvSpPr>
+          <p:cNvPr id="3" name="Notes Placeholder 2"/>
+          <p:cNvSpPr>
+            <a:spLocks noGrp="1"/>
+          </p:cNvSpPr>
+          <p:nvPr>
+            <p:ph type="body" idx="1"/>
+          </p:nvPr>
+        </p:nvSpPr>
+        <p:spPr/>
+        <p:txBody>
+          <a:bodyPr/>
+          <a:lstStyle/>
           <a:p>
             <a:pPr>
-              <a:lnSpc>
-                <a:spcPct val="100000"/>
-              </a:lnSpc>
-              <a:spcBef>
-                <a:spcPts val="0"/>
-              </a:spcBef>
               <a:buFont typeface="Wingdings" panose="05000000000000000000" pitchFamily="2" charset="2"/>
               <a:buChar char="§"/>
             </a:pPr>
             <a:r>
-              <a:rPr lang="en-US" sz="2000" dirty="0"/>
-              <a:t>  We would combine Census variables</a:t>
-            </a:r>
-          </a:p>
-          <a:p>
-            <a:pPr>
-              <a:lnSpc>
-                <a:spcPct val="100000"/>
-              </a:lnSpc>
-              <a:spcBef>
-                <a:spcPts val="0"/>
-              </a:spcBef>
-              <a:buFont typeface="Wingdings" panose="05000000000000000000" pitchFamily="2" charset="2"/>
-              <a:buChar char="§"/>
-            </a:pPr>
-            <a:endParaRPr lang="en-US" sz="2000" dirty="0"/>
-          </a:p>
-          <a:p>
-            <a:pPr marL="0" indent="0">
-              <a:buNone/>
-            </a:pPr>
-            <a:endParaRPr lang="en-US" dirty="0"/>
+              <a:rPr lang="en-US" sz="1300" dirty="0"/>
+              <a:t>  Income &amp; Race (Nirmal)</a:t>
+            </a:r>
           </a:p>
         </p:txBody>
       </p:sp>
@@ -1136,7 +1474,7 @@
     </p:spTree>
     <p:extLst>
       <p:ext uri="{BB962C8B-B14F-4D97-AF65-F5344CB8AC3E}">
-        <p14:creationId xmlns:p14="http://schemas.microsoft.com/office/powerpoint/2010/main" val="1090040851"/>
+        <p14:creationId xmlns:p14="http://schemas.microsoft.com/office/powerpoint/2010/main" val="2514509393"/>
       </p:ext>
     </p:extLst>
   </p:cSld>
@@ -1190,42 +1528,16 @@
           <a:bodyPr/>
           <a:lstStyle/>
           <a:p>
-            <a:pPr>
-              <a:lnSpc>
-                <a:spcPct val="100000"/>
-              </a:lnSpc>
-              <a:spcBef>
-                <a:spcPts val="0"/>
-              </a:spcBef>
-              <a:buFont typeface="+mj-lt"/>
-              <a:buNone/>
-            </a:pPr>
             <a:r>
               <a:rPr lang="en-US" dirty="0"/>
               <a:t>Presentation Outline</a:t>
             </a:r>
           </a:p>
           <a:p>
+            <a:endParaRPr lang="en-US" dirty="0"/>
+          </a:p>
+          <a:p>
             <a:pPr>
-              <a:lnSpc>
-                <a:spcPct val="100000"/>
-              </a:lnSpc>
-              <a:spcBef>
-                <a:spcPts val="0"/>
-              </a:spcBef>
-              <a:buFont typeface="+mj-lt"/>
-              <a:buNone/>
-            </a:pPr>
-            <a:endParaRPr lang="en-US" dirty="0"/>
-          </a:p>
-          <a:p>
-            <a:pPr>
-              <a:lnSpc>
-                <a:spcPct val="100000"/>
-              </a:lnSpc>
-              <a:spcBef>
-                <a:spcPts val="0"/>
-              </a:spcBef>
               <a:buFont typeface="+mj-lt"/>
               <a:buAutoNum type="alphaUcPeriod"/>
             </a:pPr>
@@ -1236,12 +1548,6 @@
           </a:p>
           <a:p>
             <a:pPr>
-              <a:lnSpc>
-                <a:spcPct val="100000"/>
-              </a:lnSpc>
-              <a:spcBef>
-                <a:spcPts val="0"/>
-              </a:spcBef>
               <a:buFont typeface="+mj-lt"/>
               <a:buAutoNum type="alphaUcPeriod"/>
             </a:pPr>
@@ -1252,12 +1558,6 @@
           </a:p>
           <a:p>
             <a:pPr>
-              <a:lnSpc>
-                <a:spcPct val="100000"/>
-              </a:lnSpc>
-              <a:spcBef>
-                <a:spcPts val="0"/>
-              </a:spcBef>
               <a:buFont typeface="+mj-lt"/>
               <a:buAutoNum type="alphaUcPeriod"/>
             </a:pPr>
@@ -1268,12 +1568,6 @@
           </a:p>
           <a:p>
             <a:pPr>
-              <a:lnSpc>
-                <a:spcPct val="100000"/>
-              </a:lnSpc>
-              <a:spcBef>
-                <a:spcPts val="0"/>
-              </a:spcBef>
               <a:buFont typeface="+mj-lt"/>
               <a:buAutoNum type="alphaUcPeriod"/>
             </a:pPr>
@@ -1284,12 +1578,6 @@
           </a:p>
           <a:p>
             <a:pPr>
-              <a:lnSpc>
-                <a:spcPct val="100000"/>
-              </a:lnSpc>
-              <a:spcBef>
-                <a:spcPts val="0"/>
-              </a:spcBef>
               <a:buFont typeface="+mj-lt"/>
               <a:buAutoNum type="alphaUcPeriod"/>
             </a:pPr>
@@ -1300,12 +1588,6 @@
           </a:p>
           <a:p>
             <a:pPr>
-              <a:lnSpc>
-                <a:spcPct val="100000"/>
-              </a:lnSpc>
-              <a:spcBef>
-                <a:spcPts val="0"/>
-              </a:spcBef>
               <a:buFont typeface="+mj-lt"/>
               <a:buAutoNum type="alphaUcPeriod"/>
             </a:pPr>
@@ -1316,12 +1598,6 @@
           </a:p>
           <a:p>
             <a:pPr>
-              <a:lnSpc>
-                <a:spcPct val="100000"/>
-              </a:lnSpc>
-              <a:spcBef>
-                <a:spcPts val="0"/>
-              </a:spcBef>
               <a:buFont typeface="+mj-lt"/>
               <a:buAutoNum type="alphaUcPeriod"/>
             </a:pPr>
@@ -1362,6 +1638,906 @@
     <p:extLst>
       <p:ext uri="{BB962C8B-B14F-4D97-AF65-F5344CB8AC3E}">
         <p14:creationId xmlns:p14="http://schemas.microsoft.com/office/powerpoint/2010/main" val="3596438571"/>
+      </p:ext>
+    </p:extLst>
+  </p:cSld>
+  <p:clrMapOvr>
+    <a:masterClrMapping/>
+  </p:clrMapOvr>
+</p:notes>
+</file>
+
+<file path=ppt/notesSlides/notesSlide20.xml><?xml version="1.0" encoding="utf-8"?>
+<p:notes xmlns:a="http://schemas.openxmlformats.org/drawingml/2006/main" xmlns:r="http://schemas.openxmlformats.org/officeDocument/2006/relationships" xmlns:p="http://schemas.openxmlformats.org/presentationml/2006/main">
+  <p:cSld>
+    <p:spTree>
+      <p:nvGrpSpPr>
+        <p:cNvPr id="1" name=""/>
+        <p:cNvGrpSpPr/>
+        <p:nvPr/>
+      </p:nvGrpSpPr>
+      <p:grpSpPr>
+        <a:xfrm>
+          <a:off x="0" y="0"/>
+          <a:ext cx="0" cy="0"/>
+          <a:chOff x="0" y="0"/>
+          <a:chExt cx="0" cy="0"/>
+        </a:xfrm>
+      </p:grpSpPr>
+      <p:sp>
+        <p:nvSpPr>
+          <p:cNvPr id="2" name="Slide Image Placeholder 1"/>
+          <p:cNvSpPr>
+            <a:spLocks noGrp="1" noRot="1" noChangeAspect="1"/>
+          </p:cNvSpPr>
+          <p:nvPr>
+            <p:ph type="sldImg"/>
+          </p:nvPr>
+        </p:nvSpPr>
+        <p:spPr/>
+      </p:sp>
+      <p:sp>
+        <p:nvSpPr>
+          <p:cNvPr id="3" name="Notes Placeholder 2"/>
+          <p:cNvSpPr>
+            <a:spLocks noGrp="1"/>
+          </p:cNvSpPr>
+          <p:nvPr>
+            <p:ph type="body" idx="1"/>
+          </p:nvPr>
+        </p:nvSpPr>
+        <p:spPr/>
+        <p:txBody>
+          <a:bodyPr/>
+          <a:lstStyle/>
+          <a:p>
+            <a:pPr>
+              <a:buFont typeface="Wingdings" panose="05000000000000000000" pitchFamily="2" charset="2"/>
+              <a:buChar char="§"/>
+            </a:pPr>
+            <a:r>
+              <a:rPr lang="en-US" sz="1300" dirty="0"/>
+              <a:t>  Income &amp; Race (Nirmal)</a:t>
+            </a:r>
+          </a:p>
+        </p:txBody>
+      </p:sp>
+      <p:sp>
+        <p:nvSpPr>
+          <p:cNvPr id="4" name="Slide Number Placeholder 3"/>
+          <p:cNvSpPr>
+            <a:spLocks noGrp="1"/>
+          </p:cNvSpPr>
+          <p:nvPr>
+            <p:ph type="sldNum" sz="quarter" idx="5"/>
+          </p:nvPr>
+        </p:nvSpPr>
+        <p:spPr/>
+        <p:txBody>
+          <a:bodyPr/>
+          <a:lstStyle/>
+          <a:p>
+            <a:fld id="{8E920BCB-0390-48C0-BB31-089CCB0AC4A1}" type="slidenum">
+              <a:rPr lang="en-US" smtClean="0"/>
+              <a:t>20</a:t>
+            </a:fld>
+            <a:endParaRPr lang="en-US"/>
+          </a:p>
+        </p:txBody>
+      </p:sp>
+    </p:spTree>
+    <p:extLst>
+      <p:ext uri="{BB962C8B-B14F-4D97-AF65-F5344CB8AC3E}">
+        <p14:creationId xmlns:p14="http://schemas.microsoft.com/office/powerpoint/2010/main" val="2057495880"/>
+      </p:ext>
+    </p:extLst>
+  </p:cSld>
+  <p:clrMapOvr>
+    <a:masterClrMapping/>
+  </p:clrMapOvr>
+</p:notes>
+</file>
+
+<file path=ppt/notesSlides/notesSlide21.xml><?xml version="1.0" encoding="utf-8"?>
+<p:notes xmlns:a="http://schemas.openxmlformats.org/drawingml/2006/main" xmlns:r="http://schemas.openxmlformats.org/officeDocument/2006/relationships" xmlns:p="http://schemas.openxmlformats.org/presentationml/2006/main">
+  <p:cSld>
+    <p:spTree>
+      <p:nvGrpSpPr>
+        <p:cNvPr id="1" name=""/>
+        <p:cNvGrpSpPr/>
+        <p:nvPr/>
+      </p:nvGrpSpPr>
+      <p:grpSpPr>
+        <a:xfrm>
+          <a:off x="0" y="0"/>
+          <a:ext cx="0" cy="0"/>
+          <a:chOff x="0" y="0"/>
+          <a:chExt cx="0" cy="0"/>
+        </a:xfrm>
+      </p:grpSpPr>
+      <p:sp>
+        <p:nvSpPr>
+          <p:cNvPr id="2" name="Slide Image Placeholder 1"/>
+          <p:cNvSpPr>
+            <a:spLocks noGrp="1" noRot="1" noChangeAspect="1"/>
+          </p:cNvSpPr>
+          <p:nvPr>
+            <p:ph type="sldImg"/>
+          </p:nvPr>
+        </p:nvSpPr>
+        <p:spPr/>
+      </p:sp>
+      <p:sp>
+        <p:nvSpPr>
+          <p:cNvPr id="3" name="Notes Placeholder 2"/>
+          <p:cNvSpPr>
+            <a:spLocks noGrp="1"/>
+          </p:cNvSpPr>
+          <p:nvPr>
+            <p:ph type="body" idx="1"/>
+          </p:nvPr>
+        </p:nvSpPr>
+        <p:spPr/>
+        <p:txBody>
+          <a:bodyPr/>
+          <a:lstStyle/>
+          <a:p>
+            <a:pPr>
+              <a:buFont typeface="Wingdings" panose="05000000000000000000" pitchFamily="2" charset="2"/>
+              <a:buChar char="§"/>
+            </a:pPr>
+            <a:r>
+              <a:rPr lang="en-US" sz="1300" dirty="0"/>
+              <a:t>  Age &amp; Employment (Allyson)</a:t>
+            </a:r>
+            <a:endParaRPr lang="en-US" dirty="0"/>
+          </a:p>
+        </p:txBody>
+      </p:sp>
+      <p:sp>
+        <p:nvSpPr>
+          <p:cNvPr id="4" name="Slide Number Placeholder 3"/>
+          <p:cNvSpPr>
+            <a:spLocks noGrp="1"/>
+          </p:cNvSpPr>
+          <p:nvPr>
+            <p:ph type="sldNum" sz="quarter" idx="5"/>
+          </p:nvPr>
+        </p:nvSpPr>
+        <p:spPr/>
+        <p:txBody>
+          <a:bodyPr/>
+          <a:lstStyle/>
+          <a:p>
+            <a:fld id="{8E920BCB-0390-48C0-BB31-089CCB0AC4A1}" type="slidenum">
+              <a:rPr lang="en-US" smtClean="0"/>
+              <a:t>21</a:t>
+            </a:fld>
+            <a:endParaRPr lang="en-US"/>
+          </a:p>
+        </p:txBody>
+      </p:sp>
+    </p:spTree>
+    <p:extLst>
+      <p:ext uri="{BB962C8B-B14F-4D97-AF65-F5344CB8AC3E}">
+        <p14:creationId xmlns:p14="http://schemas.microsoft.com/office/powerpoint/2010/main" val="3319328060"/>
+      </p:ext>
+    </p:extLst>
+  </p:cSld>
+  <p:clrMapOvr>
+    <a:masterClrMapping/>
+  </p:clrMapOvr>
+</p:notes>
+</file>
+
+<file path=ppt/notesSlides/notesSlide22.xml><?xml version="1.0" encoding="utf-8"?>
+<p:notes xmlns:a="http://schemas.openxmlformats.org/drawingml/2006/main" xmlns:r="http://schemas.openxmlformats.org/officeDocument/2006/relationships" xmlns:p="http://schemas.openxmlformats.org/presentationml/2006/main">
+  <p:cSld>
+    <p:spTree>
+      <p:nvGrpSpPr>
+        <p:cNvPr id="1" name=""/>
+        <p:cNvGrpSpPr/>
+        <p:nvPr/>
+      </p:nvGrpSpPr>
+      <p:grpSpPr>
+        <a:xfrm>
+          <a:off x="0" y="0"/>
+          <a:ext cx="0" cy="0"/>
+          <a:chOff x="0" y="0"/>
+          <a:chExt cx="0" cy="0"/>
+        </a:xfrm>
+      </p:grpSpPr>
+      <p:sp>
+        <p:nvSpPr>
+          <p:cNvPr id="2" name="Slide Image Placeholder 1"/>
+          <p:cNvSpPr>
+            <a:spLocks noGrp="1" noRot="1" noChangeAspect="1"/>
+          </p:cNvSpPr>
+          <p:nvPr>
+            <p:ph type="sldImg"/>
+          </p:nvPr>
+        </p:nvSpPr>
+        <p:spPr/>
+      </p:sp>
+      <p:sp>
+        <p:nvSpPr>
+          <p:cNvPr id="3" name="Notes Placeholder 2"/>
+          <p:cNvSpPr>
+            <a:spLocks noGrp="1"/>
+          </p:cNvSpPr>
+          <p:nvPr>
+            <p:ph type="body" idx="1"/>
+          </p:nvPr>
+        </p:nvSpPr>
+        <p:spPr/>
+        <p:txBody>
+          <a:bodyPr/>
+          <a:lstStyle/>
+          <a:p>
+            <a:endParaRPr lang="en-US"/>
+          </a:p>
+        </p:txBody>
+      </p:sp>
+      <p:sp>
+        <p:nvSpPr>
+          <p:cNvPr id="4" name="Slide Number Placeholder 3"/>
+          <p:cNvSpPr>
+            <a:spLocks noGrp="1"/>
+          </p:cNvSpPr>
+          <p:nvPr>
+            <p:ph type="sldNum" sz="quarter" idx="5"/>
+          </p:nvPr>
+        </p:nvSpPr>
+        <p:spPr/>
+        <p:txBody>
+          <a:bodyPr/>
+          <a:lstStyle/>
+          <a:p>
+            <a:fld id="{8E920BCB-0390-48C0-BB31-089CCB0AC4A1}" type="slidenum">
+              <a:rPr lang="en-US" smtClean="0"/>
+              <a:t>22</a:t>
+            </a:fld>
+            <a:endParaRPr lang="en-US"/>
+          </a:p>
+        </p:txBody>
+      </p:sp>
+    </p:spTree>
+    <p:extLst>
+      <p:ext uri="{BB962C8B-B14F-4D97-AF65-F5344CB8AC3E}">
+        <p14:creationId xmlns:p14="http://schemas.microsoft.com/office/powerpoint/2010/main" val="1648940527"/>
+      </p:ext>
+    </p:extLst>
+  </p:cSld>
+  <p:clrMapOvr>
+    <a:masterClrMapping/>
+  </p:clrMapOvr>
+</p:notes>
+</file>
+
+<file path=ppt/notesSlides/notesSlide23.xml><?xml version="1.0" encoding="utf-8"?>
+<p:notes xmlns:a="http://schemas.openxmlformats.org/drawingml/2006/main" xmlns:r="http://schemas.openxmlformats.org/officeDocument/2006/relationships" xmlns:p="http://schemas.openxmlformats.org/presentationml/2006/main">
+  <p:cSld>
+    <p:spTree>
+      <p:nvGrpSpPr>
+        <p:cNvPr id="1" name=""/>
+        <p:cNvGrpSpPr/>
+        <p:nvPr/>
+      </p:nvGrpSpPr>
+      <p:grpSpPr>
+        <a:xfrm>
+          <a:off x="0" y="0"/>
+          <a:ext cx="0" cy="0"/>
+          <a:chOff x="0" y="0"/>
+          <a:chExt cx="0" cy="0"/>
+        </a:xfrm>
+      </p:grpSpPr>
+      <p:sp>
+        <p:nvSpPr>
+          <p:cNvPr id="2" name="Slide Image Placeholder 1"/>
+          <p:cNvSpPr>
+            <a:spLocks noGrp="1" noRot="1" noChangeAspect="1"/>
+          </p:cNvSpPr>
+          <p:nvPr>
+            <p:ph type="sldImg"/>
+          </p:nvPr>
+        </p:nvSpPr>
+        <p:spPr/>
+      </p:sp>
+      <p:sp>
+        <p:nvSpPr>
+          <p:cNvPr id="3" name="Notes Placeholder 2"/>
+          <p:cNvSpPr>
+            <a:spLocks noGrp="1"/>
+          </p:cNvSpPr>
+          <p:nvPr>
+            <p:ph type="body" idx="1"/>
+          </p:nvPr>
+        </p:nvSpPr>
+        <p:spPr/>
+        <p:txBody>
+          <a:bodyPr/>
+          <a:lstStyle/>
+          <a:p>
+            <a:endParaRPr lang="en-US" dirty="0"/>
+          </a:p>
+        </p:txBody>
+      </p:sp>
+      <p:sp>
+        <p:nvSpPr>
+          <p:cNvPr id="4" name="Slide Number Placeholder 3"/>
+          <p:cNvSpPr>
+            <a:spLocks noGrp="1"/>
+          </p:cNvSpPr>
+          <p:nvPr>
+            <p:ph type="sldNum" sz="quarter" idx="5"/>
+          </p:nvPr>
+        </p:nvSpPr>
+        <p:spPr/>
+        <p:txBody>
+          <a:bodyPr/>
+          <a:lstStyle/>
+          <a:p>
+            <a:fld id="{8E920BCB-0390-48C0-BB31-089CCB0AC4A1}" type="slidenum">
+              <a:rPr lang="en-US" smtClean="0"/>
+              <a:t>23</a:t>
+            </a:fld>
+            <a:endParaRPr lang="en-US"/>
+          </a:p>
+        </p:txBody>
+      </p:sp>
+    </p:spTree>
+    <p:extLst>
+      <p:ext uri="{BB962C8B-B14F-4D97-AF65-F5344CB8AC3E}">
+        <p14:creationId xmlns:p14="http://schemas.microsoft.com/office/powerpoint/2010/main" val="3957848276"/>
+      </p:ext>
+    </p:extLst>
+  </p:cSld>
+  <p:clrMapOvr>
+    <a:masterClrMapping/>
+  </p:clrMapOvr>
+</p:notes>
+</file>
+
+<file path=ppt/notesSlides/notesSlide24.xml><?xml version="1.0" encoding="utf-8"?>
+<p:notes xmlns:a="http://schemas.openxmlformats.org/drawingml/2006/main" xmlns:r="http://schemas.openxmlformats.org/officeDocument/2006/relationships" xmlns:p="http://schemas.openxmlformats.org/presentationml/2006/main">
+  <p:cSld>
+    <p:spTree>
+      <p:nvGrpSpPr>
+        <p:cNvPr id="1" name=""/>
+        <p:cNvGrpSpPr/>
+        <p:nvPr/>
+      </p:nvGrpSpPr>
+      <p:grpSpPr>
+        <a:xfrm>
+          <a:off x="0" y="0"/>
+          <a:ext cx="0" cy="0"/>
+          <a:chOff x="0" y="0"/>
+          <a:chExt cx="0" cy="0"/>
+        </a:xfrm>
+      </p:grpSpPr>
+      <p:sp>
+        <p:nvSpPr>
+          <p:cNvPr id="2" name="Slide Image Placeholder 1"/>
+          <p:cNvSpPr>
+            <a:spLocks noGrp="1" noRot="1" noChangeAspect="1"/>
+          </p:cNvSpPr>
+          <p:nvPr>
+            <p:ph type="sldImg"/>
+          </p:nvPr>
+        </p:nvSpPr>
+        <p:spPr/>
+      </p:sp>
+      <p:sp>
+        <p:nvSpPr>
+          <p:cNvPr id="3" name="Notes Placeholder 2"/>
+          <p:cNvSpPr>
+            <a:spLocks noGrp="1"/>
+          </p:cNvSpPr>
+          <p:nvPr>
+            <p:ph type="body" idx="1"/>
+          </p:nvPr>
+        </p:nvSpPr>
+        <p:spPr/>
+        <p:txBody>
+          <a:bodyPr/>
+          <a:lstStyle/>
+          <a:p>
+            <a:endParaRPr lang="en-US"/>
+          </a:p>
+        </p:txBody>
+      </p:sp>
+      <p:sp>
+        <p:nvSpPr>
+          <p:cNvPr id="4" name="Slide Number Placeholder 3"/>
+          <p:cNvSpPr>
+            <a:spLocks noGrp="1"/>
+          </p:cNvSpPr>
+          <p:nvPr>
+            <p:ph type="sldNum" sz="quarter" idx="5"/>
+          </p:nvPr>
+        </p:nvSpPr>
+        <p:spPr/>
+        <p:txBody>
+          <a:bodyPr/>
+          <a:lstStyle/>
+          <a:p>
+            <a:fld id="{8E920BCB-0390-48C0-BB31-089CCB0AC4A1}" type="slidenum">
+              <a:rPr lang="en-US" smtClean="0"/>
+              <a:t>24</a:t>
+            </a:fld>
+            <a:endParaRPr lang="en-US"/>
+          </a:p>
+        </p:txBody>
+      </p:sp>
+    </p:spTree>
+    <p:extLst>
+      <p:ext uri="{BB962C8B-B14F-4D97-AF65-F5344CB8AC3E}">
+        <p14:creationId xmlns:p14="http://schemas.microsoft.com/office/powerpoint/2010/main" val="1438429153"/>
+      </p:ext>
+    </p:extLst>
+  </p:cSld>
+  <p:clrMapOvr>
+    <a:masterClrMapping/>
+  </p:clrMapOvr>
+</p:notes>
+</file>
+
+<file path=ppt/notesSlides/notesSlide25.xml><?xml version="1.0" encoding="utf-8"?>
+<p:notes xmlns:a="http://schemas.openxmlformats.org/drawingml/2006/main" xmlns:r="http://schemas.openxmlformats.org/officeDocument/2006/relationships" xmlns:p="http://schemas.openxmlformats.org/presentationml/2006/main">
+  <p:cSld>
+    <p:spTree>
+      <p:nvGrpSpPr>
+        <p:cNvPr id="1" name=""/>
+        <p:cNvGrpSpPr/>
+        <p:nvPr/>
+      </p:nvGrpSpPr>
+      <p:grpSpPr>
+        <a:xfrm>
+          <a:off x="0" y="0"/>
+          <a:ext cx="0" cy="0"/>
+          <a:chOff x="0" y="0"/>
+          <a:chExt cx="0" cy="0"/>
+        </a:xfrm>
+      </p:grpSpPr>
+      <p:sp>
+        <p:nvSpPr>
+          <p:cNvPr id="2" name="Slide Image Placeholder 1"/>
+          <p:cNvSpPr>
+            <a:spLocks noGrp="1" noRot="1" noChangeAspect="1"/>
+          </p:cNvSpPr>
+          <p:nvPr>
+            <p:ph type="sldImg"/>
+          </p:nvPr>
+        </p:nvSpPr>
+        <p:spPr/>
+      </p:sp>
+      <p:sp>
+        <p:nvSpPr>
+          <p:cNvPr id="3" name="Notes Placeholder 2"/>
+          <p:cNvSpPr>
+            <a:spLocks noGrp="1"/>
+          </p:cNvSpPr>
+          <p:nvPr>
+            <p:ph type="body" idx="1"/>
+          </p:nvPr>
+        </p:nvSpPr>
+        <p:spPr/>
+        <p:txBody>
+          <a:bodyPr/>
+          <a:lstStyle/>
+          <a:p>
+            <a:endParaRPr lang="en-US"/>
+          </a:p>
+        </p:txBody>
+      </p:sp>
+      <p:sp>
+        <p:nvSpPr>
+          <p:cNvPr id="4" name="Slide Number Placeholder 3"/>
+          <p:cNvSpPr>
+            <a:spLocks noGrp="1"/>
+          </p:cNvSpPr>
+          <p:nvPr>
+            <p:ph type="sldNum" sz="quarter" idx="5"/>
+          </p:nvPr>
+        </p:nvSpPr>
+        <p:spPr/>
+        <p:txBody>
+          <a:bodyPr/>
+          <a:lstStyle/>
+          <a:p>
+            <a:fld id="{8E920BCB-0390-48C0-BB31-089CCB0AC4A1}" type="slidenum">
+              <a:rPr lang="en-US" smtClean="0"/>
+              <a:t>25</a:t>
+            </a:fld>
+            <a:endParaRPr lang="en-US"/>
+          </a:p>
+        </p:txBody>
+      </p:sp>
+    </p:spTree>
+    <p:extLst>
+      <p:ext uri="{BB962C8B-B14F-4D97-AF65-F5344CB8AC3E}">
+        <p14:creationId xmlns:p14="http://schemas.microsoft.com/office/powerpoint/2010/main" val="378596420"/>
+      </p:ext>
+    </p:extLst>
+  </p:cSld>
+  <p:clrMapOvr>
+    <a:masterClrMapping/>
+  </p:clrMapOvr>
+</p:notes>
+</file>
+
+<file path=ppt/notesSlides/notesSlide26.xml><?xml version="1.0" encoding="utf-8"?>
+<p:notes xmlns:a="http://schemas.openxmlformats.org/drawingml/2006/main" xmlns:r="http://schemas.openxmlformats.org/officeDocument/2006/relationships" xmlns:p="http://schemas.openxmlformats.org/presentationml/2006/main">
+  <p:cSld>
+    <p:spTree>
+      <p:nvGrpSpPr>
+        <p:cNvPr id="1" name=""/>
+        <p:cNvGrpSpPr/>
+        <p:nvPr/>
+      </p:nvGrpSpPr>
+      <p:grpSpPr>
+        <a:xfrm>
+          <a:off x="0" y="0"/>
+          <a:ext cx="0" cy="0"/>
+          <a:chOff x="0" y="0"/>
+          <a:chExt cx="0" cy="0"/>
+        </a:xfrm>
+      </p:grpSpPr>
+      <p:sp>
+        <p:nvSpPr>
+          <p:cNvPr id="2" name="Slide Image Placeholder 1"/>
+          <p:cNvSpPr>
+            <a:spLocks noGrp="1" noRot="1" noChangeAspect="1"/>
+          </p:cNvSpPr>
+          <p:nvPr>
+            <p:ph type="sldImg"/>
+          </p:nvPr>
+        </p:nvSpPr>
+        <p:spPr/>
+      </p:sp>
+      <p:sp>
+        <p:nvSpPr>
+          <p:cNvPr id="3" name="Notes Placeholder 2"/>
+          <p:cNvSpPr>
+            <a:spLocks noGrp="1"/>
+          </p:cNvSpPr>
+          <p:nvPr>
+            <p:ph type="body" idx="1"/>
+          </p:nvPr>
+        </p:nvSpPr>
+        <p:spPr/>
+        <p:txBody>
+          <a:bodyPr/>
+          <a:lstStyle/>
+          <a:p>
+            <a:endParaRPr lang="en-US"/>
+          </a:p>
+        </p:txBody>
+      </p:sp>
+      <p:sp>
+        <p:nvSpPr>
+          <p:cNvPr id="4" name="Slide Number Placeholder 3"/>
+          <p:cNvSpPr>
+            <a:spLocks noGrp="1"/>
+          </p:cNvSpPr>
+          <p:nvPr>
+            <p:ph type="sldNum" sz="quarter" idx="5"/>
+          </p:nvPr>
+        </p:nvSpPr>
+        <p:spPr/>
+        <p:txBody>
+          <a:bodyPr/>
+          <a:lstStyle/>
+          <a:p>
+            <a:fld id="{8E920BCB-0390-48C0-BB31-089CCB0AC4A1}" type="slidenum">
+              <a:rPr lang="en-US" smtClean="0"/>
+              <a:t>26</a:t>
+            </a:fld>
+            <a:endParaRPr lang="en-US"/>
+          </a:p>
+        </p:txBody>
+      </p:sp>
+    </p:spTree>
+    <p:extLst>
+      <p:ext uri="{BB962C8B-B14F-4D97-AF65-F5344CB8AC3E}">
+        <p14:creationId xmlns:p14="http://schemas.microsoft.com/office/powerpoint/2010/main" val="3142108809"/>
+      </p:ext>
+    </p:extLst>
+  </p:cSld>
+  <p:clrMapOvr>
+    <a:masterClrMapping/>
+  </p:clrMapOvr>
+</p:notes>
+</file>
+
+<file path=ppt/notesSlides/notesSlide27.xml><?xml version="1.0" encoding="utf-8"?>
+<p:notes xmlns:a="http://schemas.openxmlformats.org/drawingml/2006/main" xmlns:r="http://schemas.openxmlformats.org/officeDocument/2006/relationships" xmlns:p="http://schemas.openxmlformats.org/presentationml/2006/main">
+  <p:cSld>
+    <p:spTree>
+      <p:nvGrpSpPr>
+        <p:cNvPr id="1" name=""/>
+        <p:cNvGrpSpPr/>
+        <p:nvPr/>
+      </p:nvGrpSpPr>
+      <p:grpSpPr>
+        <a:xfrm>
+          <a:off x="0" y="0"/>
+          <a:ext cx="0" cy="0"/>
+          <a:chOff x="0" y="0"/>
+          <a:chExt cx="0" cy="0"/>
+        </a:xfrm>
+      </p:grpSpPr>
+      <p:sp>
+        <p:nvSpPr>
+          <p:cNvPr id="2" name="Slide Image Placeholder 1"/>
+          <p:cNvSpPr>
+            <a:spLocks noGrp="1" noRot="1" noChangeAspect="1"/>
+          </p:cNvSpPr>
+          <p:nvPr>
+            <p:ph type="sldImg"/>
+          </p:nvPr>
+        </p:nvSpPr>
+        <p:spPr/>
+      </p:sp>
+      <p:sp>
+        <p:nvSpPr>
+          <p:cNvPr id="3" name="Notes Placeholder 2"/>
+          <p:cNvSpPr>
+            <a:spLocks noGrp="1"/>
+          </p:cNvSpPr>
+          <p:nvPr>
+            <p:ph type="body" idx="1"/>
+          </p:nvPr>
+        </p:nvSpPr>
+        <p:spPr/>
+        <p:txBody>
+          <a:bodyPr/>
+          <a:lstStyle/>
+          <a:p>
+            <a:endParaRPr lang="en-US"/>
+          </a:p>
+        </p:txBody>
+      </p:sp>
+      <p:sp>
+        <p:nvSpPr>
+          <p:cNvPr id="4" name="Slide Number Placeholder 3"/>
+          <p:cNvSpPr>
+            <a:spLocks noGrp="1"/>
+          </p:cNvSpPr>
+          <p:nvPr>
+            <p:ph type="sldNum" sz="quarter" idx="5"/>
+          </p:nvPr>
+        </p:nvSpPr>
+        <p:spPr/>
+        <p:txBody>
+          <a:bodyPr/>
+          <a:lstStyle/>
+          <a:p>
+            <a:fld id="{8E920BCB-0390-48C0-BB31-089CCB0AC4A1}" type="slidenum">
+              <a:rPr lang="en-US" smtClean="0"/>
+              <a:t>27</a:t>
+            </a:fld>
+            <a:endParaRPr lang="en-US"/>
+          </a:p>
+        </p:txBody>
+      </p:sp>
+    </p:spTree>
+    <p:extLst>
+      <p:ext uri="{BB962C8B-B14F-4D97-AF65-F5344CB8AC3E}">
+        <p14:creationId xmlns:p14="http://schemas.microsoft.com/office/powerpoint/2010/main" val="700612337"/>
+      </p:ext>
+    </p:extLst>
+  </p:cSld>
+  <p:clrMapOvr>
+    <a:masterClrMapping/>
+  </p:clrMapOvr>
+</p:notes>
+</file>
+
+<file path=ppt/notesSlides/notesSlide28.xml><?xml version="1.0" encoding="utf-8"?>
+<p:notes xmlns:a="http://schemas.openxmlformats.org/drawingml/2006/main" xmlns:r="http://schemas.openxmlformats.org/officeDocument/2006/relationships" xmlns:p="http://schemas.openxmlformats.org/presentationml/2006/main">
+  <p:cSld>
+    <p:spTree>
+      <p:nvGrpSpPr>
+        <p:cNvPr id="1" name=""/>
+        <p:cNvGrpSpPr/>
+        <p:nvPr/>
+      </p:nvGrpSpPr>
+      <p:grpSpPr>
+        <a:xfrm>
+          <a:off x="0" y="0"/>
+          <a:ext cx="0" cy="0"/>
+          <a:chOff x="0" y="0"/>
+          <a:chExt cx="0" cy="0"/>
+        </a:xfrm>
+      </p:grpSpPr>
+      <p:sp>
+        <p:nvSpPr>
+          <p:cNvPr id="2" name="Slide Image Placeholder 1"/>
+          <p:cNvSpPr>
+            <a:spLocks noGrp="1" noRot="1" noChangeAspect="1"/>
+          </p:cNvSpPr>
+          <p:nvPr>
+            <p:ph type="sldImg"/>
+          </p:nvPr>
+        </p:nvSpPr>
+        <p:spPr/>
+      </p:sp>
+      <p:sp>
+        <p:nvSpPr>
+          <p:cNvPr id="3" name="Notes Placeholder 2"/>
+          <p:cNvSpPr>
+            <a:spLocks noGrp="1"/>
+          </p:cNvSpPr>
+          <p:nvPr>
+            <p:ph type="body" idx="1"/>
+          </p:nvPr>
+        </p:nvSpPr>
+        <p:spPr/>
+        <p:txBody>
+          <a:bodyPr/>
+          <a:lstStyle/>
+          <a:p>
+            <a:endParaRPr lang="en-US"/>
+          </a:p>
+        </p:txBody>
+      </p:sp>
+      <p:sp>
+        <p:nvSpPr>
+          <p:cNvPr id="4" name="Slide Number Placeholder 3"/>
+          <p:cNvSpPr>
+            <a:spLocks noGrp="1"/>
+          </p:cNvSpPr>
+          <p:nvPr>
+            <p:ph type="sldNum" sz="quarter" idx="5"/>
+          </p:nvPr>
+        </p:nvSpPr>
+        <p:spPr/>
+        <p:txBody>
+          <a:bodyPr/>
+          <a:lstStyle/>
+          <a:p>
+            <a:fld id="{8E920BCB-0390-48C0-BB31-089CCB0AC4A1}" type="slidenum">
+              <a:rPr lang="en-US" smtClean="0"/>
+              <a:t>28</a:t>
+            </a:fld>
+            <a:endParaRPr lang="en-US"/>
+          </a:p>
+        </p:txBody>
+      </p:sp>
+    </p:spTree>
+    <p:extLst>
+      <p:ext uri="{BB962C8B-B14F-4D97-AF65-F5344CB8AC3E}">
+        <p14:creationId xmlns:p14="http://schemas.microsoft.com/office/powerpoint/2010/main" val="4224071664"/>
+      </p:ext>
+    </p:extLst>
+  </p:cSld>
+  <p:clrMapOvr>
+    <a:masterClrMapping/>
+  </p:clrMapOvr>
+</p:notes>
+</file>
+
+<file path=ppt/notesSlides/notesSlide29.xml><?xml version="1.0" encoding="utf-8"?>
+<p:notes xmlns:a="http://schemas.openxmlformats.org/drawingml/2006/main" xmlns:r="http://schemas.openxmlformats.org/officeDocument/2006/relationships" xmlns:p="http://schemas.openxmlformats.org/presentationml/2006/main">
+  <p:cSld>
+    <p:spTree>
+      <p:nvGrpSpPr>
+        <p:cNvPr id="1" name=""/>
+        <p:cNvGrpSpPr/>
+        <p:nvPr/>
+      </p:nvGrpSpPr>
+      <p:grpSpPr>
+        <a:xfrm>
+          <a:off x="0" y="0"/>
+          <a:ext cx="0" cy="0"/>
+          <a:chOff x="0" y="0"/>
+          <a:chExt cx="0" cy="0"/>
+        </a:xfrm>
+      </p:grpSpPr>
+      <p:sp>
+        <p:nvSpPr>
+          <p:cNvPr id="2" name="Slide Image Placeholder 1"/>
+          <p:cNvSpPr>
+            <a:spLocks noGrp="1" noRot="1" noChangeAspect="1"/>
+          </p:cNvSpPr>
+          <p:nvPr>
+            <p:ph type="sldImg"/>
+          </p:nvPr>
+        </p:nvSpPr>
+        <p:spPr/>
+      </p:sp>
+      <p:sp>
+        <p:nvSpPr>
+          <p:cNvPr id="3" name="Notes Placeholder 2"/>
+          <p:cNvSpPr>
+            <a:spLocks noGrp="1"/>
+          </p:cNvSpPr>
+          <p:nvPr>
+            <p:ph type="body" idx="1"/>
+          </p:nvPr>
+        </p:nvSpPr>
+        <p:spPr/>
+        <p:txBody>
+          <a:bodyPr/>
+          <a:lstStyle/>
+          <a:p>
+            <a:pPr marL="241653" indent="-241653">
+              <a:buAutoNum type="alphaUcPeriod" startAt="6"/>
+            </a:pPr>
+            <a:r>
+              <a:rPr lang="en-US" dirty="0"/>
+              <a:t>Conclusions (TBD)</a:t>
+            </a:r>
+          </a:p>
+          <a:p>
+            <a:pPr marL="241653" indent="-241653">
+              <a:buAutoNum type="alphaUcPeriod" startAt="6"/>
+            </a:pPr>
+            <a:endParaRPr lang="en-US" dirty="0"/>
+          </a:p>
+          <a:p>
+            <a:pPr marL="483306" indent="-483306">
+              <a:buFont typeface="+mj-lt"/>
+              <a:buAutoNum type="arabicParenR"/>
+            </a:pPr>
+            <a:r>
+              <a:rPr lang="en-US" sz="1300" dirty="0"/>
+              <a:t>Any single demographic category is NOT a good predictor of which 2016 presidential candidate won any Indiana county.</a:t>
+            </a:r>
+          </a:p>
+          <a:p>
+            <a:pPr marL="483306" indent="-483306">
+              <a:buFont typeface="+mj-lt"/>
+              <a:buAutoNum type="arabicParenR"/>
+            </a:pPr>
+            <a:r>
+              <a:rPr lang="en-US" sz="1300" dirty="0"/>
+              <a:t>?</a:t>
+            </a:r>
+          </a:p>
+          <a:p>
+            <a:pPr marL="483306" indent="-483306">
+              <a:buFont typeface="+mj-lt"/>
+              <a:buAutoNum type="arabicParenR"/>
+            </a:pPr>
+            <a:r>
+              <a:rPr lang="en-US" sz="1300" dirty="0"/>
+              <a:t>?</a:t>
+            </a:r>
+          </a:p>
+          <a:p>
+            <a:endParaRPr lang="en-US" dirty="0"/>
+          </a:p>
+        </p:txBody>
+      </p:sp>
+      <p:sp>
+        <p:nvSpPr>
+          <p:cNvPr id="4" name="Slide Number Placeholder 3"/>
+          <p:cNvSpPr>
+            <a:spLocks noGrp="1"/>
+          </p:cNvSpPr>
+          <p:nvPr>
+            <p:ph type="sldNum" sz="quarter" idx="5"/>
+          </p:nvPr>
+        </p:nvSpPr>
+        <p:spPr/>
+        <p:txBody>
+          <a:bodyPr/>
+          <a:lstStyle/>
+          <a:p>
+            <a:fld id="{8E920BCB-0390-48C0-BB31-089CCB0AC4A1}" type="slidenum">
+              <a:rPr lang="en-US" smtClean="0"/>
+              <a:t>29</a:t>
+            </a:fld>
+            <a:endParaRPr lang="en-US"/>
+          </a:p>
+        </p:txBody>
+      </p:sp>
+    </p:spTree>
+    <p:extLst>
+      <p:ext uri="{BB962C8B-B14F-4D97-AF65-F5344CB8AC3E}">
+        <p14:creationId xmlns:p14="http://schemas.microsoft.com/office/powerpoint/2010/main" val="3065975783"/>
       </p:ext>
     </p:extLst>
   </p:cSld>
@@ -1415,79 +2591,41 @@
           <a:bodyPr/>
           <a:lstStyle/>
           <a:p>
-            <a:pPr marL="0" indent="0">
-              <a:lnSpc>
-                <a:spcPct val="100000"/>
-              </a:lnSpc>
-              <a:spcBef>
-                <a:spcPts val="0"/>
-              </a:spcBef>
-              <a:buFont typeface="Wingdings" panose="05000000000000000000" pitchFamily="2" charset="2"/>
-              <a:buNone/>
-            </a:pPr>
             <a:r>
               <a:rPr lang="en-US" dirty="0"/>
               <a:t>A.  Question to group (Michael)</a:t>
             </a:r>
           </a:p>
           <a:p>
-            <a:pPr marL="0" indent="0">
-              <a:lnSpc>
-                <a:spcPct val="100000"/>
-              </a:lnSpc>
-              <a:spcBef>
-                <a:spcPts val="0"/>
-              </a:spcBef>
-              <a:buFont typeface="Wingdings" panose="05000000000000000000" pitchFamily="2" charset="2"/>
-              <a:buNone/>
-            </a:pPr>
-            <a:endParaRPr lang="en-US" sz="1200" dirty="0"/>
-          </a:p>
-          <a:p>
-            <a:pPr marL="342900" indent="-342900">
-              <a:lnSpc>
-                <a:spcPct val="100000"/>
-              </a:lnSpc>
-              <a:spcBef>
-                <a:spcPts val="0"/>
-              </a:spcBef>
+            <a:endParaRPr lang="en-US" sz="1300" dirty="0"/>
+          </a:p>
+          <a:p>
+            <a:pPr marL="362480" indent="-362480">
               <a:buFont typeface="Wingdings" panose="05000000000000000000" pitchFamily="2" charset="2"/>
               <a:buChar char="§"/>
             </a:pPr>
             <a:r>
-              <a:rPr lang="en-US" sz="1200" dirty="0"/>
+              <a:rPr lang="en-US" sz="1300" dirty="0"/>
               <a:t>Let’s start off by asking a question</a:t>
             </a:r>
           </a:p>
           <a:p>
-            <a:pPr marL="342900" indent="-342900">
-              <a:lnSpc>
-                <a:spcPct val="100000"/>
-              </a:lnSpc>
-              <a:spcBef>
-                <a:spcPts val="0"/>
-              </a:spcBef>
+            <a:pPr marL="362480" indent="-362480">
               <a:buFont typeface="Wingdings" panose="05000000000000000000" pitchFamily="2" charset="2"/>
               <a:buChar char="§"/>
             </a:pPr>
             <a:r>
-              <a:rPr lang="en-US" sz="1200" dirty="0"/>
+              <a:rPr lang="en-US" sz="1300" dirty="0"/>
               <a:t>Everyone raise your hand</a:t>
             </a:r>
           </a:p>
           <a:p>
-            <a:pPr marL="342900" indent="-342900">
-              <a:lnSpc>
-                <a:spcPct val="100000"/>
-              </a:lnSpc>
-              <a:spcBef>
-                <a:spcPts val="0"/>
-              </a:spcBef>
+            <a:pPr marL="362480" indent="-362480">
               <a:buFont typeface="Wingdings" panose="05000000000000000000" pitchFamily="2" charset="2"/>
               <a:buChar char="§"/>
             </a:pPr>
             <a:r>
-              <a:rPr lang="en-US" sz="1200" dirty="0"/>
+              <a:rPr lang="en-US" sz="1300" dirty="0"/>
               <a:t>How many of you could predict who is going to win an election based on Census data?</a:t>
             </a:r>
           </a:p>
@@ -1520,6 +2658,170 @@
     <p:extLst>
       <p:ext uri="{BB962C8B-B14F-4D97-AF65-F5344CB8AC3E}">
         <p14:creationId xmlns:p14="http://schemas.microsoft.com/office/powerpoint/2010/main" val="634954915"/>
+      </p:ext>
+    </p:extLst>
+  </p:cSld>
+  <p:clrMapOvr>
+    <a:masterClrMapping/>
+  </p:clrMapOvr>
+</p:notes>
+</file>
+
+<file path=ppt/notesSlides/notesSlide30.xml><?xml version="1.0" encoding="utf-8"?>
+<p:notes xmlns:a="http://schemas.openxmlformats.org/drawingml/2006/main" xmlns:r="http://schemas.openxmlformats.org/officeDocument/2006/relationships" xmlns:p="http://schemas.openxmlformats.org/presentationml/2006/main">
+  <p:cSld>
+    <p:spTree>
+      <p:nvGrpSpPr>
+        <p:cNvPr id="1" name=""/>
+        <p:cNvGrpSpPr/>
+        <p:nvPr/>
+      </p:nvGrpSpPr>
+      <p:grpSpPr>
+        <a:xfrm>
+          <a:off x="0" y="0"/>
+          <a:ext cx="0" cy="0"/>
+          <a:chOff x="0" y="0"/>
+          <a:chExt cx="0" cy="0"/>
+        </a:xfrm>
+      </p:grpSpPr>
+      <p:sp>
+        <p:nvSpPr>
+          <p:cNvPr id="2" name="Slide Image Placeholder 1"/>
+          <p:cNvSpPr>
+            <a:spLocks noGrp="1" noRot="1" noChangeAspect="1"/>
+          </p:cNvSpPr>
+          <p:nvPr>
+            <p:ph type="sldImg"/>
+          </p:nvPr>
+        </p:nvSpPr>
+        <p:spPr/>
+      </p:sp>
+      <p:sp>
+        <p:nvSpPr>
+          <p:cNvPr id="3" name="Notes Placeholder 2"/>
+          <p:cNvSpPr>
+            <a:spLocks noGrp="1"/>
+          </p:cNvSpPr>
+          <p:nvPr>
+            <p:ph type="body" idx="1"/>
+          </p:nvPr>
+        </p:nvSpPr>
+        <p:spPr/>
+        <p:txBody>
+          <a:bodyPr/>
+          <a:lstStyle/>
+          <a:p>
+            <a:pPr marL="241653" indent="-241653">
+              <a:buAutoNum type="alphaUcPeriod" startAt="7"/>
+            </a:pPr>
+            <a:r>
+              <a:rPr lang="en-US" dirty="0"/>
+              <a:t>Next steps</a:t>
+            </a:r>
+          </a:p>
+          <a:p>
+            <a:endParaRPr lang="en-US" dirty="0"/>
+          </a:p>
+          <a:p>
+            <a:pPr>
+              <a:buFont typeface="Wingdings" panose="05000000000000000000" pitchFamily="2" charset="2"/>
+              <a:buChar char="§"/>
+            </a:pPr>
+            <a:r>
+              <a:rPr lang="en-US" sz="2100" dirty="0"/>
+              <a:t>  With more time, we would develop a prediction model comparing actual vs. expected results and run </a:t>
+            </a:r>
+            <a:r>
+              <a:rPr lang="en-US" sz="2100" dirty="0" err="1"/>
+              <a:t>ttests</a:t>
+            </a:r>
+            <a:r>
+              <a:rPr lang="en-US" sz="2100" dirty="0"/>
+              <a:t> (Michael)</a:t>
+            </a:r>
+          </a:p>
+          <a:p>
+            <a:pPr lvl="1">
+              <a:buFont typeface="Wingdings" panose="05000000000000000000" pitchFamily="2" charset="2"/>
+              <a:buChar char="§"/>
+            </a:pPr>
+            <a:r>
+              <a:rPr lang="en-US" sz="1700" dirty="0"/>
+              <a:t> We would add:</a:t>
+            </a:r>
+          </a:p>
+          <a:p>
+            <a:pPr lvl="2">
+              <a:buFont typeface="Wingdings" panose="05000000000000000000" pitchFamily="2" charset="2"/>
+              <a:buChar char="§"/>
+            </a:pPr>
+            <a:r>
+              <a:rPr lang="en-US" sz="1300" dirty="0"/>
+              <a:t> More exit polling data</a:t>
+            </a:r>
+          </a:p>
+          <a:p>
+            <a:pPr lvl="2">
+              <a:buFont typeface="Wingdings" panose="05000000000000000000" pitchFamily="2" charset="2"/>
+              <a:buChar char="§"/>
+            </a:pPr>
+            <a:r>
+              <a:rPr lang="en-US" sz="1300" dirty="0"/>
+              <a:t> Election results from additional years and races</a:t>
+            </a:r>
+          </a:p>
+          <a:p>
+            <a:pPr>
+              <a:buFont typeface="Wingdings" panose="05000000000000000000" pitchFamily="2" charset="2"/>
+              <a:buChar char="§"/>
+            </a:pPr>
+            <a:r>
+              <a:rPr lang="en-US" sz="2100" dirty="0"/>
+              <a:t>  We would incorporate and test more Census variables</a:t>
+            </a:r>
+          </a:p>
+          <a:p>
+            <a:pPr>
+              <a:buFont typeface="Wingdings" panose="05000000000000000000" pitchFamily="2" charset="2"/>
+              <a:buChar char="§"/>
+            </a:pPr>
+            <a:r>
+              <a:rPr lang="en-US" sz="2100" dirty="0"/>
+              <a:t>  We would combine Census variables</a:t>
+            </a:r>
+          </a:p>
+          <a:p>
+            <a:endParaRPr lang="en-US" sz="2100" dirty="0"/>
+          </a:p>
+        </p:txBody>
+      </p:sp>
+      <p:sp>
+        <p:nvSpPr>
+          <p:cNvPr id="4" name="Slide Number Placeholder 3"/>
+          <p:cNvSpPr>
+            <a:spLocks noGrp="1"/>
+          </p:cNvSpPr>
+          <p:nvPr>
+            <p:ph type="sldNum" sz="quarter" idx="5"/>
+          </p:nvPr>
+        </p:nvSpPr>
+        <p:spPr/>
+        <p:txBody>
+          <a:bodyPr/>
+          <a:lstStyle/>
+          <a:p>
+            <a:fld id="{8E920BCB-0390-48C0-BB31-089CCB0AC4A1}" type="slidenum">
+              <a:rPr lang="en-US" smtClean="0"/>
+              <a:t>30</a:t>
+            </a:fld>
+            <a:endParaRPr lang="en-US"/>
+          </a:p>
+        </p:txBody>
+      </p:sp>
+    </p:spTree>
+    <p:extLst>
+      <p:ext uri="{BB962C8B-B14F-4D97-AF65-F5344CB8AC3E}">
+        <p14:creationId xmlns:p14="http://schemas.microsoft.com/office/powerpoint/2010/main" val="1090040851"/>
       </p:ext>
     </p:extLst>
   </p:cSld>
@@ -1573,63 +2875,31 @@
           <a:bodyPr/>
           <a:lstStyle/>
           <a:p>
+            <a:r>
+              <a:rPr lang="en-US" sz="2100" dirty="0"/>
+              <a:t>B. Theory (Nirmal)</a:t>
+            </a:r>
+          </a:p>
+          <a:p>
+            <a:endParaRPr lang="en-US" sz="2100" dirty="0"/>
+          </a:p>
+          <a:p>
             <a:pPr>
-              <a:lnSpc>
-                <a:spcPct val="100000"/>
-              </a:lnSpc>
-              <a:spcBef>
-                <a:spcPts val="0"/>
-              </a:spcBef>
-              <a:buFont typeface="Wingdings" panose="05000000000000000000" pitchFamily="2" charset="2"/>
-              <a:buNone/>
-            </a:pPr>
-            <a:r>
-              <a:rPr lang="en-US" sz="2000" dirty="0"/>
-              <a:t>B. Theory (Nirmal)</a:t>
-            </a:r>
-          </a:p>
-          <a:p>
-            <a:pPr>
-              <a:lnSpc>
-                <a:spcPct val="100000"/>
-              </a:lnSpc>
-              <a:spcBef>
-                <a:spcPts val="0"/>
-              </a:spcBef>
-              <a:buFont typeface="Wingdings" panose="05000000000000000000" pitchFamily="2" charset="2"/>
-              <a:buNone/>
-            </a:pPr>
-            <a:endParaRPr lang="en-US" sz="2000" dirty="0"/>
-          </a:p>
-          <a:p>
-            <a:pPr>
-              <a:lnSpc>
-                <a:spcPct val="100000"/>
-              </a:lnSpc>
-              <a:spcBef>
-                <a:spcPts val="0"/>
-              </a:spcBef>
               <a:buFont typeface="Wingdings" panose="05000000000000000000" pitchFamily="2" charset="2"/>
               <a:buChar char="§"/>
             </a:pPr>
             <a:r>
-              <a:rPr lang="en-US" sz="2000" dirty="0"/>
+              <a:rPr lang="en-US" sz="2100" dirty="0"/>
               <a:t>  Our theory:</a:t>
             </a:r>
           </a:p>
           <a:p>
             <a:pPr lvl="1">
-              <a:lnSpc>
-                <a:spcPct val="100000"/>
-              </a:lnSpc>
-              <a:spcBef>
-                <a:spcPts val="0"/>
-              </a:spcBef>
               <a:buFont typeface="Wingdings" panose="05000000000000000000" pitchFamily="2" charset="2"/>
               <a:buChar char="§"/>
             </a:pPr>
             <a:r>
-              <a:rPr lang="en-US" sz="2000" dirty="0"/>
+              <a:rPr lang="en-US" sz="2100" dirty="0"/>
               <a:t>Single demographic categories are effective predictors of which political party wins</a:t>
             </a:r>
           </a:p>
@@ -1718,180 +2988,176 @@
           <a:bodyPr/>
           <a:lstStyle/>
           <a:p>
-            <a:pPr marL="0" indent="0">
-              <a:lnSpc>
-                <a:spcPct val="100000"/>
-              </a:lnSpc>
-              <a:spcBef>
-                <a:spcPts val="0"/>
-              </a:spcBef>
-              <a:buFont typeface="Wingdings" panose="05000000000000000000" pitchFamily="2" charset="2"/>
-              <a:buNone/>
-            </a:pPr>
-            <a:r>
-              <a:rPr lang="en-US" sz="2000" dirty="0"/>
+            <a:r>
+              <a:rPr lang="en-US" sz="2100" dirty="0"/>
               <a:t>C.  Describe data sets used (Allyson)</a:t>
             </a:r>
           </a:p>
           <a:p>
-            <a:pPr marL="457200" indent="-457200">
-              <a:lnSpc>
-                <a:spcPct val="100000"/>
-              </a:lnSpc>
-              <a:spcBef>
-                <a:spcPts val="0"/>
-              </a:spcBef>
+            <a:pPr marL="483306" indent="-483306">
               <a:buFont typeface="Wingdings" panose="05000000000000000000" pitchFamily="2" charset="2"/>
               <a:buAutoNum type="alphaUcPeriod" startAt="3"/>
             </a:pPr>
-            <a:endParaRPr lang="en-US" sz="2000" dirty="0"/>
+            <a:endParaRPr lang="en-US" sz="2100" dirty="0"/>
           </a:p>
           <a:p>
             <a:pPr>
-              <a:lnSpc>
-                <a:spcPct val="100000"/>
-              </a:lnSpc>
-              <a:spcBef>
-                <a:spcPts val="0"/>
-              </a:spcBef>
               <a:buFont typeface="Wingdings" panose="05000000000000000000" pitchFamily="2" charset="2"/>
               <a:buChar char="§"/>
             </a:pPr>
             <a:r>
-              <a:rPr lang="en-US" sz="2000" dirty="0"/>
+              <a:rPr lang="en-US" sz="2100" dirty="0"/>
               <a:t>  Data sets used</a:t>
             </a:r>
           </a:p>
           <a:p>
             <a:pPr>
-              <a:lnSpc>
-                <a:spcPct val="100000"/>
-              </a:lnSpc>
-              <a:spcBef>
-                <a:spcPts val="0"/>
-              </a:spcBef>
               <a:buFont typeface="Wingdings" panose="05000000000000000000" pitchFamily="2" charset="2"/>
               <a:buChar char="§"/>
             </a:pPr>
             <a:r>
-              <a:rPr lang="en-US" sz="2000" dirty="0"/>
-              <a:t>  2016 Indiana election results by county</a:t>
+              <a:rPr lang="en-US" sz="2100" dirty="0"/>
+              <a:t>  2016 Indiana election results by county from Harvard </a:t>
+            </a:r>
+            <a:r>
+              <a:rPr lang="en-US" sz="2100" dirty="0" err="1"/>
+              <a:t>Dataverse</a:t>
+            </a:r>
+            <a:r>
+              <a:rPr lang="en-US" sz="2100" dirty="0"/>
+              <a:t> as maintained by the MIT Election Data and Science Lab</a:t>
             </a:r>
           </a:p>
           <a:p>
             <a:pPr lvl="1">
-              <a:lnSpc>
-                <a:spcPct val="100000"/>
-              </a:lnSpc>
-              <a:spcBef>
-                <a:spcPts val="0"/>
-              </a:spcBef>
               <a:buFont typeface="Wingdings" panose="05000000000000000000" pitchFamily="2" charset="2"/>
               <a:buChar char="§"/>
             </a:pPr>
             <a:r>
-              <a:rPr lang="en-US" sz="1600" dirty="0"/>
+              <a:rPr lang="en-US" sz="1700" dirty="0"/>
               <a:t>How many counties</a:t>
             </a:r>
           </a:p>
           <a:p>
             <a:pPr lvl="1">
-              <a:lnSpc>
-                <a:spcPct val="100000"/>
-              </a:lnSpc>
-              <a:spcBef>
-                <a:spcPts val="0"/>
-              </a:spcBef>
               <a:buFont typeface="Wingdings" panose="05000000000000000000" pitchFamily="2" charset="2"/>
               <a:buChar char="§"/>
             </a:pPr>
             <a:r>
-              <a:rPr lang="en-US" sz="1600" dirty="0"/>
+              <a:rPr lang="en-US" sz="1700" dirty="0"/>
               <a:t>What race/candidates</a:t>
             </a:r>
           </a:p>
           <a:p>
             <a:pPr>
-              <a:lnSpc>
-                <a:spcPct val="100000"/>
-              </a:lnSpc>
-              <a:spcBef>
-                <a:spcPts val="0"/>
-              </a:spcBef>
               <a:buFont typeface="Wingdings" panose="05000000000000000000" pitchFamily="2" charset="2"/>
               <a:buChar char="§"/>
             </a:pPr>
             <a:r>
-              <a:rPr lang="en-US" sz="2000" dirty="0"/>
-              <a:t>  2016 annual American Community Survey (ACS) conducted by the U.S. Census</a:t>
+              <a:rPr lang="en-US" sz="2100" dirty="0"/>
+              <a:t>  5-year continuous American Community Survey (ACS) covering 2012-2016 conducted by the U.S. Census</a:t>
             </a:r>
           </a:p>
           <a:p>
             <a:pPr lvl="1">
-              <a:lnSpc>
-                <a:spcPct val="100000"/>
-              </a:lnSpc>
-              <a:spcBef>
-                <a:spcPts val="0"/>
-              </a:spcBef>
               <a:buFont typeface="Wingdings" panose="05000000000000000000" pitchFamily="2" charset="2"/>
               <a:buChar char="§"/>
             </a:pPr>
             <a:r>
-              <a:rPr lang="en-US" sz="1600" dirty="0"/>
+              <a:rPr lang="en-US" sz="1700" dirty="0"/>
               <a:t>Used API</a:t>
             </a:r>
           </a:p>
           <a:p>
             <a:pPr lvl="1">
-              <a:lnSpc>
-                <a:spcPct val="100000"/>
-              </a:lnSpc>
-              <a:spcBef>
-                <a:spcPts val="0"/>
-              </a:spcBef>
               <a:buFont typeface="Wingdings" panose="05000000000000000000" pitchFamily="2" charset="2"/>
               <a:buChar char="§"/>
             </a:pPr>
             <a:r>
-              <a:rPr lang="en-US" sz="1600" dirty="0"/>
-              <a:t>There were ### variable available to select</a:t>
+              <a:rPr lang="en-US" sz="1700" dirty="0"/>
+              <a:t>There were approximately 20,000 different variables available to select</a:t>
             </a:r>
           </a:p>
           <a:p>
             <a:pPr lvl="1">
-              <a:lnSpc>
-                <a:spcPct val="100000"/>
-              </a:lnSpc>
-              <a:spcBef>
-                <a:spcPts val="0"/>
-              </a:spcBef>
               <a:buFont typeface="Wingdings" panose="05000000000000000000" pitchFamily="2" charset="2"/>
               <a:buChar char="§"/>
             </a:pPr>
             <a:r>
-              <a:rPr lang="en-US" sz="1600" dirty="0"/>
+              <a:rPr lang="en-US" sz="1700" dirty="0"/>
               <a:t>Data was available by country, state, county, and other geographic categories</a:t>
             </a:r>
           </a:p>
           <a:p>
             <a:pPr lvl="1">
-              <a:lnSpc>
-                <a:spcPct val="100000"/>
-              </a:lnSpc>
-              <a:spcBef>
-                <a:spcPts val="0"/>
-              </a:spcBef>
               <a:buFont typeface="Wingdings" panose="05000000000000000000" pitchFamily="2" charset="2"/>
               <a:buChar char="§"/>
             </a:pPr>
             <a:r>
-              <a:rPr lang="en-US" sz="1600" dirty="0"/>
-              <a:t>We selected six</a:t>
-            </a:r>
-          </a:p>
-          <a:p>
-            <a:endParaRPr lang="en-US" dirty="0"/>
+              <a:rPr lang="en-US" sz="1700" dirty="0"/>
+              <a:t>We selected six broad categories</a:t>
+            </a:r>
+          </a:p>
+          <a:p>
+            <a:pPr>
+              <a:buFont typeface="Wingdings" panose="05000000000000000000" pitchFamily="2" charset="2"/>
+              <a:buChar char="§"/>
+            </a:pPr>
+            <a:r>
+              <a:rPr lang="en-US" sz="1700" dirty="0"/>
+              <a:t>  Methodology</a:t>
+            </a:r>
+          </a:p>
+          <a:p>
+            <a:pPr lvl="1">
+              <a:buFont typeface="Wingdings" panose="05000000000000000000" pitchFamily="2" charset="2"/>
+              <a:buChar char="§"/>
+            </a:pPr>
+            <a:r>
+              <a:rPr lang="en-US" sz="1700" dirty="0"/>
+              <a:t>Reach of 3.5M households per year</a:t>
+            </a:r>
+          </a:p>
+          <a:p>
+            <a:pPr defTabSz="966612">
+              <a:buFont typeface="Wingdings" panose="05000000000000000000" pitchFamily="2" charset="2"/>
+              <a:buChar char="§"/>
+              <a:defRPr/>
+            </a:pPr>
+            <a:r>
+              <a:rPr lang="en-US" sz="1700" dirty="0"/>
+              <a:t>Data cleanup &amp; restructuring</a:t>
+            </a:r>
+          </a:p>
+          <a:p>
+            <a:pPr lvl="1">
+              <a:buFont typeface="Wingdings" panose="05000000000000000000" pitchFamily="2" charset="2"/>
+              <a:buChar char="§"/>
+            </a:pPr>
+            <a:r>
+              <a:rPr lang="en-US" sz="1700" dirty="0"/>
+              <a:t>  Merging</a:t>
+            </a:r>
+          </a:p>
+          <a:p>
+            <a:pPr lvl="1">
+              <a:buFont typeface="Wingdings" panose="05000000000000000000" pitchFamily="2" charset="2"/>
+              <a:buChar char="§"/>
+            </a:pPr>
+            <a:r>
+              <a:rPr lang="en-US" sz="1700" dirty="0"/>
+              <a:t>  Column headings</a:t>
+            </a:r>
+          </a:p>
+          <a:p>
+            <a:pPr lvl="1">
+              <a:buFont typeface="Wingdings" panose="05000000000000000000" pitchFamily="2" charset="2"/>
+              <a:buChar char="§"/>
+            </a:pPr>
+            <a:r>
+              <a:rPr lang="en-US" sz="1700" dirty="0"/>
+              <a:t>  Finding correct Census codes to specific categories we wanted</a:t>
+            </a:r>
           </a:p>
         </p:txBody>
       </p:sp>
@@ -1975,64 +3241,7 @@
           <a:bodyPr/>
           <a:lstStyle/>
           <a:p>
-            <a:r>
-              <a:rPr lang="en-US" dirty="0"/>
-              <a:t>D.  Questions to answer (TBD)</a:t>
-            </a:r>
-          </a:p>
-          <a:p>
-            <a:endParaRPr lang="en-US" dirty="0"/>
-          </a:p>
-          <a:p>
-            <a:pPr marL="457200" indent="-457200">
-              <a:lnSpc>
-                <a:spcPct val="100000"/>
-              </a:lnSpc>
-              <a:spcBef>
-                <a:spcPts val="0"/>
-              </a:spcBef>
-              <a:buFont typeface="+mj-lt"/>
-              <a:buAutoNum type="arabicParenR"/>
-            </a:pPr>
-            <a:r>
-              <a:rPr lang="en-US" sz="1200" dirty="0"/>
-              <a:t>?</a:t>
-            </a:r>
-          </a:p>
-          <a:p>
-            <a:pPr marL="457200" indent="-457200">
-              <a:lnSpc>
-                <a:spcPct val="100000"/>
-              </a:lnSpc>
-              <a:spcBef>
-                <a:spcPts val="0"/>
-              </a:spcBef>
-              <a:buFont typeface="+mj-lt"/>
-              <a:buAutoNum type="arabicParenR"/>
-            </a:pPr>
-            <a:r>
-              <a:rPr lang="en-US" sz="1200" dirty="0"/>
-              <a:t>?</a:t>
-            </a:r>
-          </a:p>
-          <a:p>
-            <a:pPr marL="457200" indent="-457200">
-              <a:lnSpc>
-                <a:spcPct val="100000"/>
-              </a:lnSpc>
-              <a:spcBef>
-                <a:spcPts val="0"/>
-              </a:spcBef>
-              <a:buFont typeface="+mj-lt"/>
-              <a:buAutoNum type="arabicParenR"/>
-            </a:pPr>
-            <a:r>
-              <a:rPr lang="en-US" sz="1200" dirty="0"/>
-              <a:t>?</a:t>
-            </a:r>
-          </a:p>
-          <a:p>
-            <a:endParaRPr lang="en-US" dirty="0"/>
+            <a:endParaRPr lang="en-US"/>
           </a:p>
         </p:txBody>
       </p:sp>
@@ -2062,7 +3271,7 @@
     </p:spTree>
     <p:extLst>
       <p:ext uri="{BB962C8B-B14F-4D97-AF65-F5344CB8AC3E}">
-        <p14:creationId xmlns:p14="http://schemas.microsoft.com/office/powerpoint/2010/main" val="702432168"/>
+        <p14:creationId xmlns:p14="http://schemas.microsoft.com/office/powerpoint/2010/main" val="2140533133"/>
       </p:ext>
     </p:extLst>
   </p:cSld>
@@ -2116,73 +3325,7 @@
           <a:bodyPr/>
           <a:lstStyle/>
           <a:p>
-            <a:pPr marL="228600" indent="-228600">
-              <a:buAutoNum type="alphaUcPeriod" startAt="5"/>
-            </a:pPr>
-            <a:r>
-              <a:rPr lang="en-US" dirty="0"/>
-              <a:t>Category plots (all)</a:t>
-            </a:r>
-          </a:p>
-          <a:p>
-            <a:pPr marL="228600" indent="-228600">
-              <a:buAutoNum type="alphaUcPeriod" startAt="5"/>
-            </a:pPr>
-            <a:endParaRPr lang="en-US" dirty="0"/>
-          </a:p>
-          <a:p>
-            <a:pPr>
-              <a:lnSpc>
-                <a:spcPct val="100000"/>
-              </a:lnSpc>
-              <a:spcBef>
-                <a:spcPts val="0"/>
-              </a:spcBef>
-              <a:buFont typeface="Wingdings" panose="05000000000000000000" pitchFamily="2" charset="2"/>
-              <a:buChar char="§"/>
-            </a:pPr>
-            <a:r>
-              <a:rPr lang="en-US" sz="1200" dirty="0"/>
-              <a:t>  Education &amp; Home Value (Michael)</a:t>
-            </a:r>
-          </a:p>
-          <a:p>
-            <a:pPr>
-              <a:lnSpc>
-                <a:spcPct val="100000"/>
-              </a:lnSpc>
-              <a:spcBef>
-                <a:spcPts val="0"/>
-              </a:spcBef>
-              <a:buFont typeface="Wingdings" panose="05000000000000000000" pitchFamily="2" charset="2"/>
-              <a:buChar char="§"/>
-            </a:pPr>
-            <a:r>
-              <a:rPr lang="en-US" sz="1200" dirty="0"/>
-              <a:t>  Income &amp; Race (Nirmal)</a:t>
-            </a:r>
-          </a:p>
-          <a:p>
-            <a:pPr>
-              <a:lnSpc>
-                <a:spcPct val="100000"/>
-              </a:lnSpc>
-              <a:spcBef>
-                <a:spcPts val="0"/>
-              </a:spcBef>
-              <a:buFont typeface="Wingdings" panose="05000000000000000000" pitchFamily="2" charset="2"/>
-              <a:buChar char="§"/>
-            </a:pPr>
-            <a:r>
-              <a:rPr lang="en-US" sz="1200" dirty="0"/>
-              <a:t>  Age &amp; Employment (Allyson)</a:t>
-            </a:r>
-          </a:p>
-          <a:p>
-            <a:pPr marL="0" indent="0">
-              <a:buNone/>
-            </a:pPr>
-            <a:endParaRPr lang="en-US" dirty="0"/>
+            <a:endParaRPr lang="en-US"/>
           </a:p>
         </p:txBody>
       </p:sp>
@@ -2212,7 +3355,7 @@
     </p:spTree>
     <p:extLst>
       <p:ext uri="{BB962C8B-B14F-4D97-AF65-F5344CB8AC3E}">
-        <p14:creationId xmlns:p14="http://schemas.microsoft.com/office/powerpoint/2010/main" val="777121844"/>
+        <p14:creationId xmlns:p14="http://schemas.microsoft.com/office/powerpoint/2010/main" val="2671299461"/>
       </p:ext>
     </p:extLst>
   </p:cSld>
@@ -2266,20 +3409,46 @@
           <a:bodyPr/>
           <a:lstStyle/>
           <a:p>
-            <a:pPr>
-              <a:lnSpc>
-                <a:spcPct val="100000"/>
-              </a:lnSpc>
-              <a:spcBef>
-                <a:spcPts val="0"/>
-              </a:spcBef>
-              <a:buFont typeface="Wingdings" panose="05000000000000000000" pitchFamily="2" charset="2"/>
-              <a:buChar char="§"/>
+            <a:r>
+              <a:rPr lang="en-US" dirty="0"/>
+              <a:t>D.  Questions to answer (TBD)</a:t>
+            </a:r>
+          </a:p>
+          <a:p>
+            <a:endParaRPr lang="en-US" dirty="0"/>
+          </a:p>
+          <a:p>
+            <a:pPr marL="483306" indent="-483306">
+              <a:buFont typeface="+mj-lt"/>
+              <a:buAutoNum type="arabicParenR"/>
             </a:pPr>
             <a:r>
-              <a:rPr lang="en-US" sz="1200" dirty="0"/>
-              <a:t>  Education &amp; Home Value (Michael)</a:t>
-            </a:r>
+              <a:rPr lang="en-US" sz="1300" dirty="0"/>
+              <a:t>?</a:t>
+            </a:r>
+          </a:p>
+          <a:p>
+            <a:pPr marL="483306" indent="-483306">
+              <a:buFont typeface="+mj-lt"/>
+              <a:buAutoNum type="arabicParenR"/>
+            </a:pPr>
+            <a:r>
+              <a:rPr lang="en-US" sz="1300" dirty="0"/>
+              <a:t>?</a:t>
+            </a:r>
+          </a:p>
+          <a:p>
+            <a:pPr marL="483306" indent="-483306">
+              <a:buFont typeface="+mj-lt"/>
+              <a:buAutoNum type="arabicParenR"/>
+            </a:pPr>
+            <a:r>
+              <a:rPr lang="en-US" sz="1300" dirty="0"/>
+              <a:t>?</a:t>
+            </a:r>
+          </a:p>
+          <a:p>
+            <a:endParaRPr lang="en-US" dirty="0"/>
           </a:p>
         </p:txBody>
       </p:sp>
@@ -2309,7 +3478,7 @@
     </p:spTree>
     <p:extLst>
       <p:ext uri="{BB962C8B-B14F-4D97-AF65-F5344CB8AC3E}">
-        <p14:creationId xmlns:p14="http://schemas.microsoft.com/office/powerpoint/2010/main" val="1342507527"/>
+        <p14:creationId xmlns:p14="http://schemas.microsoft.com/office/powerpoint/2010/main" val="702432168"/>
       </p:ext>
     </p:extLst>
   </p:cSld>
@@ -2363,20 +3532,52 @@
           <a:bodyPr/>
           <a:lstStyle/>
           <a:p>
+            <a:pPr marL="241653" indent="-241653">
+              <a:buAutoNum type="alphaUcPeriod" startAt="5"/>
+            </a:pPr>
+            <a:r>
+              <a:rPr lang="en-US" dirty="0"/>
+              <a:t>Category plots (all)</a:t>
+            </a:r>
+          </a:p>
+          <a:p>
+            <a:pPr marL="241653" indent="-241653">
+              <a:buAutoNum type="alphaUcPeriod" startAt="5"/>
+            </a:pPr>
+            <a:endParaRPr lang="en-US" dirty="0"/>
+          </a:p>
+          <a:p>
             <a:pPr>
-              <a:lnSpc>
-                <a:spcPct val="100000"/>
-              </a:lnSpc>
-              <a:spcBef>
-                <a:spcPts val="0"/>
-              </a:spcBef>
               <a:buFont typeface="Wingdings" panose="05000000000000000000" pitchFamily="2" charset="2"/>
               <a:buChar char="§"/>
             </a:pPr>
             <a:r>
-              <a:rPr lang="en-US" sz="1200" dirty="0"/>
+              <a:rPr lang="en-US" sz="1300" dirty="0"/>
+              <a:t>  Education &amp; Home Value (Michael)</a:t>
+            </a:r>
+          </a:p>
+          <a:p>
+            <a:pPr>
+              <a:buFont typeface="Wingdings" panose="05000000000000000000" pitchFamily="2" charset="2"/>
+              <a:buChar char="§"/>
+            </a:pPr>
+            <a:r>
+              <a:rPr lang="en-US" sz="1300" dirty="0"/>
               <a:t>  Income &amp; Race (Nirmal)</a:t>
             </a:r>
+          </a:p>
+          <a:p>
+            <a:pPr>
+              <a:buFont typeface="Wingdings" panose="05000000000000000000" pitchFamily="2" charset="2"/>
+              <a:buChar char="§"/>
+            </a:pPr>
+            <a:r>
+              <a:rPr lang="en-US" sz="1300" dirty="0"/>
+              <a:t>  Age &amp; Employment (Allyson)</a:t>
+            </a:r>
+          </a:p>
+          <a:p>
+            <a:endParaRPr lang="en-US" dirty="0"/>
           </a:p>
         </p:txBody>
       </p:sp>
@@ -2406,7 +3607,7 @@
     </p:spTree>
     <p:extLst>
       <p:ext uri="{BB962C8B-B14F-4D97-AF65-F5344CB8AC3E}">
-        <p14:creationId xmlns:p14="http://schemas.microsoft.com/office/powerpoint/2010/main" val="1010949361"/>
+        <p14:creationId xmlns:p14="http://schemas.microsoft.com/office/powerpoint/2010/main" val="777121844"/>
       </p:ext>
     </p:extLst>
   </p:cSld>
@@ -2690,7 +3891,7 @@
           <a:p>
             <a:fld id="{1063A2CF-961F-4063-A655-AECDC5A1EA75}" type="datetimeFigureOut">
               <a:rPr lang="en-US" smtClean="0"/>
-              <a:t>1/24/20</a:t>
+              <a:t>1/25/2020</a:t>
             </a:fld>
             <a:endParaRPr lang="en-US"/>
           </a:p>
@@ -2922,7 +4123,7 @@
           <a:p>
             <a:fld id="{1063A2CF-961F-4063-A655-AECDC5A1EA75}" type="datetimeFigureOut">
               <a:rPr lang="en-US" smtClean="0"/>
-              <a:t>1/24/20</a:t>
+              <a:t>1/25/2020</a:t>
             </a:fld>
             <a:endParaRPr lang="en-US"/>
           </a:p>
@@ -3286,7 +4487,7 @@
           <a:p>
             <a:fld id="{1063A2CF-961F-4063-A655-AECDC5A1EA75}" type="datetimeFigureOut">
               <a:rPr lang="en-US" smtClean="0"/>
-              <a:t>1/24/20</a:t>
+              <a:t>1/25/2020</a:t>
             </a:fld>
             <a:endParaRPr lang="en-US"/>
           </a:p>
@@ -3615,7 +4816,7 @@
           <a:p>
             <a:fld id="{1063A2CF-961F-4063-A655-AECDC5A1EA75}" type="datetimeFigureOut">
               <a:rPr lang="en-US" smtClean="0"/>
-              <a:t>1/24/20</a:t>
+              <a:t>1/25/2020</a:t>
             </a:fld>
             <a:endParaRPr lang="en-US"/>
           </a:p>
@@ -3904,7 +5105,7 @@
           <a:p>
             <a:fld id="{1063A2CF-961F-4063-A655-AECDC5A1EA75}" type="datetimeFigureOut">
               <a:rPr lang="en-US" smtClean="0"/>
-              <a:t>1/24/20</a:t>
+              <a:t>1/25/2020</a:t>
             </a:fld>
             <a:endParaRPr lang="en-US"/>
           </a:p>
@@ -4340,7 +5541,7 @@
           <a:p>
             <a:fld id="{1063A2CF-961F-4063-A655-AECDC5A1EA75}" type="datetimeFigureOut">
               <a:rPr lang="en-US" smtClean="0"/>
-              <a:t>1/24/20</a:t>
+              <a:t>1/25/2020</a:t>
             </a:fld>
             <a:endParaRPr lang="en-US"/>
           </a:p>
@@ -4675,7 +5876,7 @@
           <a:p>
             <a:fld id="{1063A2CF-961F-4063-A655-AECDC5A1EA75}" type="datetimeFigureOut">
               <a:rPr lang="en-US" smtClean="0"/>
-              <a:t>1/24/20</a:t>
+              <a:t>1/25/2020</a:t>
             </a:fld>
             <a:endParaRPr lang="en-US"/>
           </a:p>
@@ -4987,7 +6188,7 @@
           <a:p>
             <a:fld id="{1063A2CF-961F-4063-A655-AECDC5A1EA75}" type="datetimeFigureOut">
               <a:rPr lang="en-US" smtClean="0"/>
-              <a:t>1/24/20</a:t>
+              <a:t>1/25/2020</a:t>
             </a:fld>
             <a:endParaRPr lang="en-US"/>
           </a:p>
@@ -5785,82 +6986,101 @@
           <a:chExt cx="0" cy="0"/>
         </a:xfrm>
       </p:grpSpPr>
-      <p:pic>
-        <p:nvPicPr>
-          <p:cNvPr id="4" name="Picture 3" descr="A close up of a map&#10;&#10;Description automatically generated">
+      <p:grpSp>
+        <p:nvGrpSpPr>
+          <p:cNvPr id="4" name="Group 3">
             <a:extLst>
               <a:ext uri="{FF2B5EF4-FFF2-40B4-BE49-F238E27FC236}">
-                <a16:creationId xmlns:a16="http://schemas.microsoft.com/office/drawing/2014/main" id="{B77278AA-9D48-0441-B856-C5A6895FA9BE}"/>
+                <a16:creationId xmlns:a16="http://schemas.microsoft.com/office/drawing/2014/main" id="{59D03EC0-0E2F-455A-8550-8DAF279B8C5D}"/>
               </a:ext>
             </a:extLst>
           </p:cNvPr>
-          <p:cNvPicPr>
-            <a:picLocks noChangeAspect="1"/>
-          </p:cNvPicPr>
+          <p:cNvGrpSpPr>
+            <a:grpSpLocks noChangeAspect="1"/>
+          </p:cNvGrpSpPr>
           <p:nvPr/>
-        </p:nvPicPr>
-        <p:blipFill>
-          <a:blip r:embed="rId3">
-            <a:extLst>
-              <a:ext uri="{28A0092B-C50C-407E-A947-70E740481C1C}">
-                <a14:useLocalDpi xmlns:a14="http://schemas.microsoft.com/office/drawing/2010/main" val="0"/>
-              </a:ext>
-            </a:extLst>
-          </a:blip>
-          <a:stretch>
-            <a:fillRect/>
-          </a:stretch>
-        </p:blipFill>
-        <p:spPr>
+        </p:nvGrpSpPr>
+        <p:grpSpPr>
           <a:xfrm>
-            <a:off x="2057400" y="647700"/>
-            <a:ext cx="7543800" cy="5029200"/>
+            <a:off x="17303" y="914400"/>
+            <a:ext cx="12136597" cy="4041648"/>
+            <a:chOff x="1428078" y="1874520"/>
+            <a:chExt cx="9335844" cy="3108960"/>
           </a:xfrm>
-          <a:prstGeom prst="rect">
-            <a:avLst/>
-          </a:prstGeom>
-        </p:spPr>
-      </p:pic>
-      <p:sp>
-        <p:nvSpPr>
-          <p:cNvPr id="5" name="TextBox 4">
-            <a:extLst>
-              <a:ext uri="{FF2B5EF4-FFF2-40B4-BE49-F238E27FC236}">
-                <a16:creationId xmlns:a16="http://schemas.microsoft.com/office/drawing/2014/main" id="{FA899052-34D5-9F41-AB9C-876183855A8C}"/>
-              </a:ext>
-            </a:extLst>
-          </p:cNvPr>
-          <p:cNvSpPr txBox="1"/>
-          <p:nvPr/>
-        </p:nvSpPr>
-        <p:spPr>
-          <a:xfrm>
-            <a:off x="1285875" y="355312"/>
-            <a:ext cx="9620250" cy="584775"/>
-          </a:xfrm>
-          <a:prstGeom prst="rect">
-            <a:avLst/>
-          </a:prstGeom>
-          <a:noFill/>
-        </p:spPr>
-        <p:txBody>
-          <a:bodyPr wrap="square" rtlCol="0">
-            <a:spAutoFit/>
-          </a:bodyPr>
-          <a:lstStyle/>
-          <a:p>
-            <a:pPr algn="ctr"/>
-            <a:r>
-              <a:rPr lang="en-US" sz="3200" b="1" dirty="0"/>
-              <a:t>What effect does median age have on the GOP vote?</a:t>
-            </a:r>
-          </a:p>
-        </p:txBody>
-      </p:sp>
+        </p:grpSpPr>
+        <p:pic>
+          <p:nvPicPr>
+            <p:cNvPr id="2" name="Picture 1" descr="A screenshot of a cell phone&#10;&#10;Description automatically generated">
+              <a:extLst>
+                <a:ext uri="{FF2B5EF4-FFF2-40B4-BE49-F238E27FC236}">
+                  <a16:creationId xmlns:a16="http://schemas.microsoft.com/office/drawing/2014/main" id="{899E1057-DBAC-40FC-AB57-EDFA1D5734AA}"/>
+                </a:ext>
+              </a:extLst>
+            </p:cNvPr>
+            <p:cNvPicPr/>
+            <p:nvPr/>
+          </p:nvPicPr>
+          <p:blipFill>
+            <a:blip r:embed="rId3">
+              <a:extLst>
+                <a:ext uri="{28A0092B-C50C-407E-A947-70E740481C1C}">
+                  <a14:useLocalDpi xmlns:a14="http://schemas.microsoft.com/office/drawing/2010/main" val="0"/>
+                </a:ext>
+              </a:extLst>
+            </a:blip>
+            <a:stretch>
+              <a:fillRect/>
+            </a:stretch>
+          </p:blipFill>
+          <p:spPr>
+            <a:xfrm>
+              <a:off x="1428078" y="1874520"/>
+              <a:ext cx="4663440" cy="3108960"/>
+            </a:xfrm>
+            <a:prstGeom prst="rect">
+              <a:avLst/>
+            </a:prstGeom>
+          </p:spPr>
+        </p:pic>
+        <p:pic>
+          <p:nvPicPr>
+            <p:cNvPr id="3" name="Picture 2" descr="A screenshot of a cell phone&#10;&#10;Description automatically generated">
+              <a:extLst>
+                <a:ext uri="{FF2B5EF4-FFF2-40B4-BE49-F238E27FC236}">
+                  <a16:creationId xmlns:a16="http://schemas.microsoft.com/office/drawing/2014/main" id="{509CCA4A-9BEC-4224-ADD3-94B9BE20C849}"/>
+                </a:ext>
+              </a:extLst>
+            </p:cNvPr>
+            <p:cNvPicPr/>
+            <p:nvPr/>
+          </p:nvPicPr>
+          <p:blipFill>
+            <a:blip r:embed="rId4">
+              <a:extLst>
+                <a:ext uri="{28A0092B-C50C-407E-A947-70E740481C1C}">
+                  <a14:useLocalDpi xmlns:a14="http://schemas.microsoft.com/office/drawing/2010/main" val="0"/>
+                </a:ext>
+              </a:extLst>
+            </a:blip>
+            <a:stretch>
+              <a:fillRect/>
+            </a:stretch>
+          </p:blipFill>
+          <p:spPr>
+            <a:xfrm>
+              <a:off x="6100482" y="1874520"/>
+              <a:ext cx="4663440" cy="3108960"/>
+            </a:xfrm>
+            <a:prstGeom prst="rect">
+              <a:avLst/>
+            </a:prstGeom>
+          </p:spPr>
+        </p:pic>
+      </p:grpSp>
     </p:spTree>
     <p:extLst>
       <p:ext uri="{BB962C8B-B14F-4D97-AF65-F5344CB8AC3E}">
-        <p14:creationId xmlns:p14="http://schemas.microsoft.com/office/powerpoint/2010/main" val="7673429"/>
+        <p14:creationId xmlns:p14="http://schemas.microsoft.com/office/powerpoint/2010/main" val="1141759141"/>
       </p:ext>
     </p:extLst>
   </p:cSld>
@@ -5887,217 +7107,105 @@
           <a:chExt cx="0" cy="0"/>
         </a:xfrm>
       </p:grpSpPr>
-      <p:sp>
-        <p:nvSpPr>
-          <p:cNvPr id="2" name="TextBox 1">
+      <p:grpSp>
+        <p:nvGrpSpPr>
+          <p:cNvPr id="6" name="Group 5">
             <a:extLst>
               <a:ext uri="{FF2B5EF4-FFF2-40B4-BE49-F238E27FC236}">
-                <a16:creationId xmlns:a16="http://schemas.microsoft.com/office/drawing/2014/main" id="{7C7EBBA5-FEE7-CE44-B3B3-48E4449D8926}"/>
+                <a16:creationId xmlns:a16="http://schemas.microsoft.com/office/drawing/2014/main" id="{1BF78A4C-7FAE-43D5-9686-2C0555C65589}"/>
               </a:ext>
             </a:extLst>
           </p:cNvPr>
-          <p:cNvSpPr txBox="1"/>
+          <p:cNvGrpSpPr>
+            <a:grpSpLocks noChangeAspect="1"/>
+          </p:cNvGrpSpPr>
           <p:nvPr/>
-        </p:nvSpPr>
-        <p:spPr>
+        </p:nvGrpSpPr>
+        <p:grpSpPr>
           <a:xfrm>
-            <a:off x="1066800" y="609600"/>
-            <a:ext cx="10287000" cy="523220"/>
+            <a:off x="76200" y="914400"/>
+            <a:ext cx="12041501" cy="4010558"/>
+            <a:chOff x="599385" y="1599782"/>
+            <a:chExt cx="10984265" cy="3658434"/>
           </a:xfrm>
-          <a:prstGeom prst="rect">
-            <a:avLst/>
-          </a:prstGeom>
-          <a:noFill/>
-        </p:spPr>
-        <p:txBody>
-          <a:bodyPr wrap="square" rtlCol="0">
-            <a:spAutoFit/>
-          </a:bodyPr>
-          <a:lstStyle/>
-          <a:p>
-            <a:pPr algn="ctr"/>
-            <a:r>
-              <a:rPr lang="en-US" sz="2800" b="1" dirty="0"/>
-              <a:t>Voter Turnout per Age Group</a:t>
-            </a:r>
-          </a:p>
-        </p:txBody>
-      </p:sp>
-      <p:sp>
-        <p:nvSpPr>
-          <p:cNvPr id="3" name="TextBox 2">
-            <a:extLst>
-              <a:ext uri="{FF2B5EF4-FFF2-40B4-BE49-F238E27FC236}">
-                <a16:creationId xmlns:a16="http://schemas.microsoft.com/office/drawing/2014/main" id="{33BB8A1C-A662-F74C-B9C5-8FEBB775172F}"/>
-              </a:ext>
-            </a:extLst>
-          </p:cNvPr>
-          <p:cNvSpPr txBox="1"/>
-          <p:nvPr/>
-        </p:nvSpPr>
-        <p:spPr>
-          <a:xfrm>
-            <a:off x="1066800" y="1409700"/>
-            <a:ext cx="10287000" cy="3539430"/>
-          </a:xfrm>
-          <a:prstGeom prst="rect">
-            <a:avLst/>
-          </a:prstGeom>
-          <a:noFill/>
-        </p:spPr>
-        <p:txBody>
-          <a:bodyPr wrap="square" rtlCol="0">
-            <a:spAutoFit/>
-          </a:bodyPr>
-          <a:lstStyle/>
-          <a:p>
-            <a:pPr marL="285750" indent="-285750">
-              <a:buFont typeface="Arial" panose="020B0604020202020204" pitchFamily="34" charset="0"/>
-              <a:buChar char="•"/>
-            </a:pPr>
-            <a:r>
-              <a:rPr lang="en-US" sz="2800" dirty="0"/>
-              <a:t>18-29 year </a:t>
-            </a:r>
-            <a:r>
-              <a:rPr lang="en-US" sz="2800" dirty="0" err="1"/>
-              <a:t>olds</a:t>
-            </a:r>
-            <a:r>
-              <a:rPr lang="en-US" sz="2800" dirty="0"/>
-              <a:t>: 46.1%</a:t>
-            </a:r>
-          </a:p>
-          <a:p>
-            <a:pPr marL="285750" indent="-285750">
-              <a:buFont typeface="Arial" panose="020B0604020202020204" pitchFamily="34" charset="0"/>
-              <a:buChar char="•"/>
-            </a:pPr>
-            <a:endParaRPr lang="en-US" sz="2800" dirty="0"/>
-          </a:p>
-          <a:p>
-            <a:pPr marL="285750" indent="-285750">
-              <a:buFont typeface="Arial" panose="020B0604020202020204" pitchFamily="34" charset="0"/>
-              <a:buChar char="•"/>
-            </a:pPr>
-            <a:r>
-              <a:rPr lang="en-US" sz="2800" dirty="0"/>
-              <a:t>30-44 year </a:t>
-            </a:r>
-            <a:r>
-              <a:rPr lang="en-US" sz="2800" dirty="0" err="1"/>
-              <a:t>olds</a:t>
-            </a:r>
-            <a:r>
-              <a:rPr lang="en-US" sz="2800" dirty="0"/>
-              <a:t>: 58.7%</a:t>
-            </a:r>
-          </a:p>
-          <a:p>
-            <a:pPr marL="285750" indent="-285750">
-              <a:buFont typeface="Arial" panose="020B0604020202020204" pitchFamily="34" charset="0"/>
-              <a:buChar char="•"/>
-            </a:pPr>
-            <a:endParaRPr lang="en-US" sz="2800" dirty="0"/>
-          </a:p>
-          <a:p>
-            <a:pPr marL="285750" indent="-285750">
-              <a:buFont typeface="Arial" panose="020B0604020202020204" pitchFamily="34" charset="0"/>
-              <a:buChar char="•"/>
-            </a:pPr>
-            <a:r>
-              <a:rPr lang="en-US" sz="2800" dirty="0"/>
-              <a:t>45-64 year </a:t>
-            </a:r>
-            <a:r>
-              <a:rPr lang="en-US" sz="2800" dirty="0" err="1"/>
-              <a:t>olds</a:t>
-            </a:r>
-            <a:r>
-              <a:rPr lang="en-US" sz="2800" dirty="0"/>
-              <a:t>: 66.6%</a:t>
-            </a:r>
-          </a:p>
-          <a:p>
-            <a:pPr marL="285750" indent="-285750">
-              <a:buFont typeface="Arial" panose="020B0604020202020204" pitchFamily="34" charset="0"/>
-              <a:buChar char="•"/>
-            </a:pPr>
-            <a:endParaRPr lang="en-US" sz="2800" dirty="0"/>
-          </a:p>
-          <a:p>
-            <a:pPr marL="285750" indent="-285750">
-              <a:buFont typeface="Arial" panose="020B0604020202020204" pitchFamily="34" charset="0"/>
-              <a:buChar char="•"/>
-            </a:pPr>
-            <a:r>
-              <a:rPr lang="en-US" sz="2800" dirty="0"/>
-              <a:t>65 years and </a:t>
-            </a:r>
-            <a:r>
-              <a:rPr lang="en-US" sz="2800" dirty="0" err="1"/>
-              <a:t>oldes</a:t>
-            </a:r>
-            <a:r>
-              <a:rPr lang="en-US" sz="2800" dirty="0"/>
-              <a:t>: 70.9%</a:t>
-            </a:r>
-          </a:p>
-          <a:p>
-            <a:pPr marL="285750" indent="-285750">
-              <a:buFont typeface="Arial" panose="020B0604020202020204" pitchFamily="34" charset="0"/>
-              <a:buChar char="•"/>
-            </a:pPr>
-            <a:endParaRPr lang="en-US" sz="2800" dirty="0"/>
-          </a:p>
-        </p:txBody>
-      </p:sp>
-      <p:sp>
-        <p:nvSpPr>
-          <p:cNvPr id="5" name="TextBox 4">
-            <a:extLst>
-              <a:ext uri="{FF2B5EF4-FFF2-40B4-BE49-F238E27FC236}">
-                <a16:creationId xmlns:a16="http://schemas.microsoft.com/office/drawing/2014/main" id="{5A81EF13-8FAD-1546-94DD-78115B806A22}"/>
-              </a:ext>
-            </a:extLst>
-          </p:cNvPr>
-          <p:cNvSpPr txBox="1"/>
-          <p:nvPr/>
-        </p:nvSpPr>
-        <p:spPr>
-          <a:xfrm>
-            <a:off x="838200" y="4949130"/>
-            <a:ext cx="10287000" cy="369332"/>
-          </a:xfrm>
-          <a:prstGeom prst="rect">
-            <a:avLst/>
-          </a:prstGeom>
-          <a:noFill/>
-        </p:spPr>
-        <p:txBody>
-          <a:bodyPr wrap="square" rtlCol="0">
-            <a:spAutoFit/>
-          </a:bodyPr>
-          <a:lstStyle/>
-          <a:p>
-            <a:r>
-              <a:rPr lang="en-US" dirty="0"/>
-              <a:t> </a:t>
-            </a:r>
-            <a:r>
-              <a:rPr lang="en-US" u="sng" dirty="0">
-                <a:hlinkClick r:id="rId2"/>
-              </a:rPr>
-              <a:t>https://www.census.gov/newsroom/blogs/random-samplings/2017/05/voting_in_america.html</a:t>
-            </a:r>
-            <a:endParaRPr lang="en-US" dirty="0"/>
-          </a:p>
-        </p:txBody>
-      </p:sp>
+        </p:grpSpPr>
+        <p:pic>
+          <p:nvPicPr>
+            <p:cNvPr id="3" name="Picture 2" descr="A close up of text on a white background&#10;&#10;Description automatically generated">
+              <a:extLst>
+                <a:ext uri="{FF2B5EF4-FFF2-40B4-BE49-F238E27FC236}">
+                  <a16:creationId xmlns:a16="http://schemas.microsoft.com/office/drawing/2014/main" id="{D4261CF6-2D61-4F4A-A6EC-64C3D6610363}"/>
+                </a:ext>
+              </a:extLst>
+            </p:cNvPr>
+            <p:cNvPicPr>
+              <a:picLocks noChangeAspect="1"/>
+            </p:cNvPicPr>
+            <p:nvPr/>
+          </p:nvPicPr>
+          <p:blipFill>
+            <a:blip r:embed="rId3">
+              <a:extLst>
+                <a:ext uri="{28A0092B-C50C-407E-A947-70E740481C1C}">
+                  <a14:useLocalDpi xmlns:a14="http://schemas.microsoft.com/office/drawing/2010/main" val="0"/>
+                </a:ext>
+              </a:extLst>
+            </a:blip>
+            <a:stretch>
+              <a:fillRect/>
+            </a:stretch>
+          </p:blipFill>
+          <p:spPr>
+            <a:xfrm>
+              <a:off x="6096000" y="1599783"/>
+              <a:ext cx="5487650" cy="3658433"/>
+            </a:xfrm>
+            <a:prstGeom prst="rect">
+              <a:avLst/>
+            </a:prstGeom>
+          </p:spPr>
+        </p:pic>
+        <p:pic>
+          <p:nvPicPr>
+            <p:cNvPr id="5" name="Picture 4" descr="A screenshot of a cell phone&#10;&#10;Description automatically generated">
+              <a:extLst>
+                <a:ext uri="{FF2B5EF4-FFF2-40B4-BE49-F238E27FC236}">
+                  <a16:creationId xmlns:a16="http://schemas.microsoft.com/office/drawing/2014/main" id="{4A3ADEA5-B0B5-4B17-993B-EE5A4949FCC8}"/>
+                </a:ext>
+              </a:extLst>
+            </p:cNvPr>
+            <p:cNvPicPr>
+              <a:picLocks noChangeAspect="1"/>
+            </p:cNvPicPr>
+            <p:nvPr/>
+          </p:nvPicPr>
+          <p:blipFill>
+            <a:blip r:embed="rId4">
+              <a:extLst>
+                <a:ext uri="{28A0092B-C50C-407E-A947-70E740481C1C}">
+                  <a14:useLocalDpi xmlns:a14="http://schemas.microsoft.com/office/drawing/2010/main" val="0"/>
+                </a:ext>
+              </a:extLst>
+            </a:blip>
+            <a:stretch>
+              <a:fillRect/>
+            </a:stretch>
+          </p:blipFill>
+          <p:spPr>
+            <a:xfrm>
+              <a:off x="599385" y="1599782"/>
+              <a:ext cx="5487650" cy="3658433"/>
+            </a:xfrm>
+            <a:prstGeom prst="rect">
+              <a:avLst/>
+            </a:prstGeom>
+          </p:spPr>
+        </p:pic>
+      </p:grpSp>
     </p:spTree>
     <p:extLst>
       <p:ext uri="{BB962C8B-B14F-4D97-AF65-F5344CB8AC3E}">
-        <p14:creationId xmlns:p14="http://schemas.microsoft.com/office/powerpoint/2010/main" val="1101663194"/>
+        <p14:creationId xmlns:p14="http://schemas.microsoft.com/office/powerpoint/2010/main" val="132451851"/>
       </p:ext>
     </p:extLst>
   </p:cSld>
@@ -6124,46 +7232,200 @@
           <a:chExt cx="0" cy="0"/>
         </a:xfrm>
       </p:grpSpPr>
-      <p:pic>
-        <p:nvPicPr>
-          <p:cNvPr id="4" name="Picture 3" descr="A close up of a map&#10;&#10;Description automatically generated">
+      <p:grpSp>
+        <p:nvGrpSpPr>
+          <p:cNvPr id="6" name="Group 5">
             <a:extLst>
               <a:ext uri="{FF2B5EF4-FFF2-40B4-BE49-F238E27FC236}">
-                <a16:creationId xmlns:a16="http://schemas.microsoft.com/office/drawing/2014/main" id="{6A1FC1C8-5A78-6548-98B4-DE7B33506E0A}"/>
+                <a16:creationId xmlns:a16="http://schemas.microsoft.com/office/drawing/2014/main" id="{6717941C-4D35-411E-953F-F2D8A69292FB}"/>
               </a:ext>
             </a:extLst>
           </p:cNvPr>
-          <p:cNvPicPr>
-            <a:picLocks noChangeAspect="1"/>
-          </p:cNvPicPr>
+          <p:cNvGrpSpPr>
+            <a:grpSpLocks noChangeAspect="1"/>
+          </p:cNvGrpSpPr>
           <p:nvPr/>
-        </p:nvPicPr>
-        <p:blipFill>
-          <a:blip r:embed="rId3">
-            <a:extLst>
-              <a:ext uri="{28A0092B-C50C-407E-A947-70E740481C1C}">
-                <a14:useLocalDpi xmlns:a14="http://schemas.microsoft.com/office/drawing/2010/main" val="0"/>
-              </a:ext>
-            </a:extLst>
-          </a:blip>
-          <a:stretch>
-            <a:fillRect/>
-          </a:stretch>
-        </p:blipFill>
-        <p:spPr>
+        </p:nvGrpSpPr>
+        <p:grpSpPr>
           <a:xfrm>
-            <a:off x="2266950" y="381000"/>
-            <a:ext cx="7658100" cy="5105400"/>
+            <a:off x="76200" y="1005838"/>
+            <a:ext cx="12031673" cy="4010558"/>
+            <a:chOff x="608350" y="1590817"/>
+            <a:chExt cx="10975300" cy="3658434"/>
           </a:xfrm>
-          <a:prstGeom prst="rect">
-            <a:avLst/>
-          </a:prstGeom>
-        </p:spPr>
-      </p:pic>
+        </p:grpSpPr>
+        <p:pic>
+          <p:nvPicPr>
+            <p:cNvPr id="3" name="Picture 2" descr="A close up of a piece of paper&#10;&#10;Description automatically generated">
+              <a:extLst>
+                <a:ext uri="{FF2B5EF4-FFF2-40B4-BE49-F238E27FC236}">
+                  <a16:creationId xmlns:a16="http://schemas.microsoft.com/office/drawing/2014/main" id="{9647C90F-D0F2-40A4-9E21-962F39B2B6D0}"/>
+                </a:ext>
+              </a:extLst>
+            </p:cNvPr>
+            <p:cNvPicPr>
+              <a:picLocks noChangeAspect="1"/>
+            </p:cNvPicPr>
+            <p:nvPr/>
+          </p:nvPicPr>
+          <p:blipFill>
+            <a:blip r:embed="rId3">
+              <a:extLst>
+                <a:ext uri="{28A0092B-C50C-407E-A947-70E740481C1C}">
+                  <a14:useLocalDpi xmlns:a14="http://schemas.microsoft.com/office/drawing/2010/main" val="0"/>
+                </a:ext>
+              </a:extLst>
+            </a:blip>
+            <a:stretch>
+              <a:fillRect/>
+            </a:stretch>
+          </p:blipFill>
+          <p:spPr>
+            <a:xfrm>
+              <a:off x="608350" y="1590817"/>
+              <a:ext cx="5487650" cy="3658433"/>
+            </a:xfrm>
+            <a:prstGeom prst="rect">
+              <a:avLst/>
+            </a:prstGeom>
+          </p:spPr>
+        </p:pic>
+        <p:pic>
+          <p:nvPicPr>
+            <p:cNvPr id="5" name="Picture 4" descr="A close up of text on a white background&#10;&#10;Description automatically generated">
+              <a:extLst>
+                <a:ext uri="{FF2B5EF4-FFF2-40B4-BE49-F238E27FC236}">
+                  <a16:creationId xmlns:a16="http://schemas.microsoft.com/office/drawing/2014/main" id="{7A4A06A5-90B6-467A-AB78-2E56B22FE592}"/>
+                </a:ext>
+              </a:extLst>
+            </p:cNvPr>
+            <p:cNvPicPr>
+              <a:picLocks noChangeAspect="1"/>
+            </p:cNvPicPr>
+            <p:nvPr/>
+          </p:nvPicPr>
+          <p:blipFill>
+            <a:blip r:embed="rId4">
+              <a:extLst>
+                <a:ext uri="{28A0092B-C50C-407E-A947-70E740481C1C}">
+                  <a14:useLocalDpi xmlns:a14="http://schemas.microsoft.com/office/drawing/2010/main" val="0"/>
+                </a:ext>
+              </a:extLst>
+            </a:blip>
+            <a:stretch>
+              <a:fillRect/>
+            </a:stretch>
+          </p:blipFill>
+          <p:spPr>
+            <a:xfrm>
+              <a:off x="6096000" y="1590818"/>
+              <a:ext cx="5487650" cy="3658433"/>
+            </a:xfrm>
+            <a:prstGeom prst="rect">
+              <a:avLst/>
+            </a:prstGeom>
+          </p:spPr>
+        </p:pic>
+      </p:grpSp>
+      <p:grpSp>
+        <p:nvGrpSpPr>
+          <p:cNvPr id="7" name="Group 6">
+            <a:extLst>
+              <a:ext uri="{FF2B5EF4-FFF2-40B4-BE49-F238E27FC236}">
+                <a16:creationId xmlns:a16="http://schemas.microsoft.com/office/drawing/2014/main" id="{82AE301C-D847-41AA-A057-55671ACAB356}"/>
+              </a:ext>
+            </a:extLst>
+          </p:cNvPr>
+          <p:cNvGrpSpPr>
+            <a:grpSpLocks noChangeAspect="1"/>
+          </p:cNvGrpSpPr>
+          <p:nvPr/>
+        </p:nvGrpSpPr>
+        <p:grpSpPr>
+          <a:xfrm>
+            <a:off x="38100" y="914400"/>
+            <a:ext cx="12124948" cy="4041648"/>
+            <a:chOff x="601626" y="1714500"/>
+            <a:chExt cx="10975300" cy="3658433"/>
+          </a:xfrm>
+        </p:grpSpPr>
+        <p:pic>
+          <p:nvPicPr>
+            <p:cNvPr id="8" name="Picture 7" descr="A close up of a logo&#10;&#10;Description automatically generated">
+              <a:extLst>
+                <a:ext uri="{FF2B5EF4-FFF2-40B4-BE49-F238E27FC236}">
+                  <a16:creationId xmlns:a16="http://schemas.microsoft.com/office/drawing/2014/main" id="{8FCD9B8D-38A7-4D23-B62E-195D3F4123E6}"/>
+                </a:ext>
+              </a:extLst>
+            </p:cNvPr>
+            <p:cNvPicPr>
+              <a:picLocks noChangeAspect="1"/>
+            </p:cNvPicPr>
+            <p:nvPr/>
+          </p:nvPicPr>
+          <p:blipFill>
+            <a:blip r:embed="rId5">
+              <a:extLst>
+                <a:ext uri="{28A0092B-C50C-407E-A947-70E740481C1C}">
+                  <a14:useLocalDpi xmlns:a14="http://schemas.microsoft.com/office/drawing/2010/main" val="0"/>
+                </a:ext>
+              </a:extLst>
+            </a:blip>
+            <a:stretch>
+              <a:fillRect/>
+            </a:stretch>
+          </p:blipFill>
+          <p:spPr>
+            <a:xfrm>
+              <a:off x="601626" y="1714500"/>
+              <a:ext cx="5487650" cy="3658433"/>
+            </a:xfrm>
+            <a:prstGeom prst="rect">
+              <a:avLst/>
+            </a:prstGeom>
+          </p:spPr>
+        </p:pic>
+        <p:pic>
+          <p:nvPicPr>
+            <p:cNvPr id="9" name="Picture 8" descr="A close up of text on a white background&#10;&#10;Description automatically generated">
+              <a:extLst>
+                <a:ext uri="{FF2B5EF4-FFF2-40B4-BE49-F238E27FC236}">
+                  <a16:creationId xmlns:a16="http://schemas.microsoft.com/office/drawing/2014/main" id="{7F498BE2-2CE3-468C-84E5-1276FB1799E4}"/>
+                </a:ext>
+              </a:extLst>
+            </p:cNvPr>
+            <p:cNvPicPr>
+              <a:picLocks noChangeAspect="1"/>
+            </p:cNvPicPr>
+            <p:nvPr/>
+          </p:nvPicPr>
+          <p:blipFill>
+            <a:blip r:embed="rId6">
+              <a:extLst>
+                <a:ext uri="{28A0092B-C50C-407E-A947-70E740481C1C}">
+                  <a14:useLocalDpi xmlns:a14="http://schemas.microsoft.com/office/drawing/2010/main" val="0"/>
+                </a:ext>
+              </a:extLst>
+            </a:blip>
+            <a:stretch>
+              <a:fillRect/>
+            </a:stretch>
+          </p:blipFill>
+          <p:spPr>
+            <a:xfrm>
+              <a:off x="6089276" y="1714500"/>
+              <a:ext cx="5487650" cy="3658433"/>
+            </a:xfrm>
+            <a:prstGeom prst="rect">
+              <a:avLst/>
+            </a:prstGeom>
+          </p:spPr>
+        </p:pic>
+      </p:grpSp>
     </p:spTree>
     <p:extLst>
       <p:ext uri="{BB962C8B-B14F-4D97-AF65-F5344CB8AC3E}">
-        <p14:creationId xmlns:p14="http://schemas.microsoft.com/office/powerpoint/2010/main" val="1924556664"/>
+        <p14:creationId xmlns:p14="http://schemas.microsoft.com/office/powerpoint/2010/main" val="3547319983"/>
       </p:ext>
     </p:extLst>
   </p:cSld>
@@ -6190,46 +7452,105 @@
           <a:chExt cx="0" cy="0"/>
         </a:xfrm>
       </p:grpSpPr>
-      <p:pic>
-        <p:nvPicPr>
-          <p:cNvPr id="3" name="Picture 2" descr="A close up of a map&#10;&#10;Description automatically generated">
+      <p:grpSp>
+        <p:nvGrpSpPr>
+          <p:cNvPr id="11" name="Group 10">
             <a:extLst>
               <a:ext uri="{FF2B5EF4-FFF2-40B4-BE49-F238E27FC236}">
-                <a16:creationId xmlns:a16="http://schemas.microsoft.com/office/drawing/2014/main" id="{16E594D6-4141-F746-8EE2-60F451433269}"/>
+                <a16:creationId xmlns:a16="http://schemas.microsoft.com/office/drawing/2014/main" id="{6BB9D89D-5A79-4045-BE0F-3E4E659C8BBE}"/>
               </a:ext>
             </a:extLst>
           </p:cNvPr>
-          <p:cNvPicPr>
-            <a:picLocks noChangeAspect="1"/>
-          </p:cNvPicPr>
+          <p:cNvGrpSpPr>
+            <a:grpSpLocks noChangeAspect="1"/>
+          </p:cNvGrpSpPr>
           <p:nvPr/>
-        </p:nvPicPr>
-        <p:blipFill>
-          <a:blip r:embed="rId2">
-            <a:extLst>
-              <a:ext uri="{28A0092B-C50C-407E-A947-70E740481C1C}">
-                <a14:useLocalDpi xmlns:a14="http://schemas.microsoft.com/office/drawing/2010/main" val="0"/>
-              </a:ext>
-            </a:extLst>
-          </a:blip>
-          <a:stretch>
-            <a:fillRect/>
-          </a:stretch>
-        </p:blipFill>
-        <p:spPr>
+        </p:nvGrpSpPr>
+        <p:grpSpPr>
           <a:xfrm>
-            <a:off x="2286000" y="381000"/>
-            <a:ext cx="7372350" cy="4914900"/>
+            <a:off x="38100" y="914397"/>
+            <a:ext cx="12124945" cy="4041648"/>
+            <a:chOff x="608350" y="1608748"/>
+            <a:chExt cx="10975300" cy="3658433"/>
           </a:xfrm>
-          <a:prstGeom prst="rect">
-            <a:avLst/>
-          </a:prstGeom>
-        </p:spPr>
-      </p:pic>
+        </p:grpSpPr>
+        <p:pic>
+          <p:nvPicPr>
+            <p:cNvPr id="8" name="Picture 7" descr="A close up of a piece of paper&#10;&#10;Description automatically generated">
+              <a:extLst>
+                <a:ext uri="{FF2B5EF4-FFF2-40B4-BE49-F238E27FC236}">
+                  <a16:creationId xmlns:a16="http://schemas.microsoft.com/office/drawing/2014/main" id="{D12AFDFD-E55F-40E1-A7F9-9EEF0BEE874E}"/>
+                </a:ext>
+              </a:extLst>
+            </p:cNvPr>
+            <p:cNvPicPr>
+              <a:picLocks noChangeAspect="1"/>
+            </p:cNvPicPr>
+            <p:nvPr/>
+          </p:nvPicPr>
+          <p:blipFill>
+            <a:blip r:embed="rId3">
+              <a:extLst>
+                <a:ext uri="{28A0092B-C50C-407E-A947-70E740481C1C}">
+                  <a14:useLocalDpi xmlns:a14="http://schemas.microsoft.com/office/drawing/2010/main" val="0"/>
+                </a:ext>
+              </a:extLst>
+            </a:blip>
+            <a:stretch>
+              <a:fillRect/>
+            </a:stretch>
+          </p:blipFill>
+          <p:spPr>
+            <a:xfrm>
+              <a:off x="608350" y="1608748"/>
+              <a:ext cx="5487650" cy="3658433"/>
+            </a:xfrm>
+            <a:prstGeom prst="rect">
+              <a:avLst/>
+            </a:prstGeom>
+          </p:spPr>
+        </p:pic>
+        <p:pic>
+          <p:nvPicPr>
+            <p:cNvPr id="10" name="Picture 9" descr="A close up of text on a white background&#10;&#10;Description automatically generated">
+              <a:extLst>
+                <a:ext uri="{FF2B5EF4-FFF2-40B4-BE49-F238E27FC236}">
+                  <a16:creationId xmlns:a16="http://schemas.microsoft.com/office/drawing/2014/main" id="{BDC3EF9C-9E85-4DFE-986D-89B14A74DBDD}"/>
+                </a:ext>
+              </a:extLst>
+            </p:cNvPr>
+            <p:cNvPicPr>
+              <a:picLocks noChangeAspect="1"/>
+            </p:cNvPicPr>
+            <p:nvPr/>
+          </p:nvPicPr>
+          <p:blipFill>
+            <a:blip r:embed="rId4">
+              <a:extLst>
+                <a:ext uri="{28A0092B-C50C-407E-A947-70E740481C1C}">
+                  <a14:useLocalDpi xmlns:a14="http://schemas.microsoft.com/office/drawing/2010/main" val="0"/>
+                </a:ext>
+              </a:extLst>
+            </a:blip>
+            <a:stretch>
+              <a:fillRect/>
+            </a:stretch>
+          </p:blipFill>
+          <p:spPr>
+            <a:xfrm>
+              <a:off x="6096000" y="1608748"/>
+              <a:ext cx="5487650" cy="3658433"/>
+            </a:xfrm>
+            <a:prstGeom prst="rect">
+              <a:avLst/>
+            </a:prstGeom>
+          </p:spPr>
+        </p:pic>
+      </p:grpSp>
     </p:spTree>
     <p:extLst>
       <p:ext uri="{BB962C8B-B14F-4D97-AF65-F5344CB8AC3E}">
-        <p14:creationId xmlns:p14="http://schemas.microsoft.com/office/powerpoint/2010/main" val="3984870737"/>
+        <p14:creationId xmlns:p14="http://schemas.microsoft.com/office/powerpoint/2010/main" val="3471541134"/>
       </p:ext>
     </p:extLst>
   </p:cSld>
@@ -6258,10 +7579,10 @@
       </p:grpSpPr>
       <p:pic>
         <p:nvPicPr>
-          <p:cNvPr id="7" name="Picture 6" descr="A close up of a map&#10;&#10;Description automatically generated">
+          <p:cNvPr id="7" name="Picture 6" descr="A picture containing game&#10;&#10;Description automatically generated">
             <a:extLst>
               <a:ext uri="{FF2B5EF4-FFF2-40B4-BE49-F238E27FC236}">
-                <a16:creationId xmlns:a16="http://schemas.microsoft.com/office/drawing/2014/main" id="{3997D0A9-E2AA-244D-B0EF-0D1EE3786E18}"/>
+                <a16:creationId xmlns:a16="http://schemas.microsoft.com/office/drawing/2014/main" id="{096B258D-C078-4E78-A4B1-C84A50282997}"/>
               </a:ext>
             </a:extLst>
           </p:cNvPr>
@@ -6271,7 +7592,7 @@
           <p:nvPr/>
         </p:nvPicPr>
         <p:blipFill>
-          <a:blip r:embed="rId2">
+          <a:blip r:embed="rId3">
             <a:extLst>
               <a:ext uri="{28A0092B-C50C-407E-A947-70E740481C1C}">
                 <a14:useLocalDpi xmlns:a14="http://schemas.microsoft.com/office/drawing/2010/main" val="0"/>
@@ -6284,8 +7605,8 @@
         </p:blipFill>
         <p:spPr>
           <a:xfrm>
-            <a:off x="2095500" y="381000"/>
-            <a:ext cx="8001000" cy="5334000"/>
+            <a:off x="0" y="914400"/>
+            <a:ext cx="12192000" cy="4064000"/>
           </a:xfrm>
           <a:prstGeom prst="rect">
             <a:avLst/>
@@ -6295,7 +7616,7 @@
     </p:spTree>
     <p:extLst>
       <p:ext uri="{BB962C8B-B14F-4D97-AF65-F5344CB8AC3E}">
-        <p14:creationId xmlns:p14="http://schemas.microsoft.com/office/powerpoint/2010/main" val="2827575798"/>
+        <p14:creationId xmlns:p14="http://schemas.microsoft.com/office/powerpoint/2010/main" val="853321466"/>
       </p:ext>
     </p:extLst>
   </p:cSld>
@@ -6324,10 +7645,10 @@
       </p:grpSpPr>
       <p:pic>
         <p:nvPicPr>
-          <p:cNvPr id="3" name="Picture 2" descr="A close up of a logo&#10;&#10;Description automatically generated">
+          <p:cNvPr id="3" name="Picture 2" descr="A screenshot of a cell phone&#10;&#10;Description automatically generated">
             <a:extLst>
               <a:ext uri="{FF2B5EF4-FFF2-40B4-BE49-F238E27FC236}">
-                <a16:creationId xmlns:a16="http://schemas.microsoft.com/office/drawing/2014/main" id="{1372F35B-1064-2B45-981A-495CDF8FF200}"/>
+                <a16:creationId xmlns:a16="http://schemas.microsoft.com/office/drawing/2014/main" id="{EEAE1820-C701-48EA-A53A-70FAF1C46A79}"/>
               </a:ext>
             </a:extLst>
           </p:cNvPr>
@@ -6337,7 +7658,7 @@
           <p:nvPr/>
         </p:nvPicPr>
         <p:blipFill>
-          <a:blip r:embed="rId2">
+          <a:blip r:embed="rId3">
             <a:extLst>
               <a:ext uri="{28A0092B-C50C-407E-A947-70E740481C1C}">
                 <a14:useLocalDpi xmlns:a14="http://schemas.microsoft.com/office/drawing/2010/main" val="0"/>
@@ -6350,56 +7671,18 @@
         </p:blipFill>
         <p:spPr>
           <a:xfrm>
-            <a:off x="2171700" y="533400"/>
-            <a:ext cx="7848600" cy="5232400"/>
+            <a:off x="2254645" y="548640"/>
+            <a:ext cx="7682710" cy="5121806"/>
           </a:xfrm>
           <a:prstGeom prst="rect">
             <a:avLst/>
           </a:prstGeom>
         </p:spPr>
       </p:pic>
-      <p:sp>
-        <p:nvSpPr>
-          <p:cNvPr id="4" name="TextBox 3">
-            <a:extLst>
-              <a:ext uri="{FF2B5EF4-FFF2-40B4-BE49-F238E27FC236}">
-                <a16:creationId xmlns:a16="http://schemas.microsoft.com/office/drawing/2014/main" id="{1D3BD092-3385-E14D-BF8C-A4A0944B53E9}"/>
-              </a:ext>
-            </a:extLst>
-          </p:cNvPr>
-          <p:cNvSpPr txBox="1"/>
-          <p:nvPr/>
-        </p:nvSpPr>
-        <p:spPr>
-          <a:xfrm>
-            <a:off x="1143000" y="333520"/>
-            <a:ext cx="9906000" cy="861774"/>
-          </a:xfrm>
-          <a:prstGeom prst="rect">
-            <a:avLst/>
-          </a:prstGeom>
-          <a:noFill/>
-        </p:spPr>
-        <p:txBody>
-          <a:bodyPr wrap="square" rtlCol="0">
-            <a:spAutoFit/>
-          </a:bodyPr>
-          <a:lstStyle/>
-          <a:p>
-            <a:r>
-              <a:rPr lang="en-US" sz="3200" b="1" dirty="0"/>
-              <a:t>What effect does unemployment have on the GOP vote?</a:t>
-            </a:r>
-          </a:p>
-          <a:p>
-            <a:endParaRPr lang="en-US" dirty="0"/>
-          </a:p>
-        </p:txBody>
-      </p:sp>
     </p:spTree>
     <p:extLst>
       <p:ext uri="{BB962C8B-B14F-4D97-AF65-F5344CB8AC3E}">
-        <p14:creationId xmlns:p14="http://schemas.microsoft.com/office/powerpoint/2010/main" val="1924881284"/>
+        <p14:creationId xmlns:p14="http://schemas.microsoft.com/office/powerpoint/2010/main" val="1358930919"/>
       </p:ext>
     </p:extLst>
   </p:cSld>
@@ -6428,10 +7711,10 @@
       </p:grpSpPr>
       <p:pic>
         <p:nvPicPr>
-          <p:cNvPr id="3" name="Picture 2" descr="A close up of a logo&#10;&#10;Description automatically generated">
+          <p:cNvPr id="5" name="Picture 4" descr="A close up of a map&#10;&#10;Description automatically generated">
             <a:extLst>
               <a:ext uri="{FF2B5EF4-FFF2-40B4-BE49-F238E27FC236}">
-                <a16:creationId xmlns:a16="http://schemas.microsoft.com/office/drawing/2014/main" id="{4872B1AE-3D70-FD49-A25C-27552B3CF68C}"/>
+                <a16:creationId xmlns:a16="http://schemas.microsoft.com/office/drawing/2014/main" id="{13EE4D57-E0B6-4653-815E-21FFB1E7BF7A}"/>
               </a:ext>
             </a:extLst>
           </p:cNvPr>
@@ -6441,7 +7724,7 @@
           <p:nvPr/>
         </p:nvPicPr>
         <p:blipFill>
-          <a:blip r:embed="rId2">
+          <a:blip r:embed="rId3">
             <a:extLst>
               <a:ext uri="{28A0092B-C50C-407E-A947-70E740481C1C}">
                 <a14:useLocalDpi xmlns:a14="http://schemas.microsoft.com/office/drawing/2010/main" val="0"/>
@@ -6454,92 +7737,18 @@
         </p:blipFill>
         <p:spPr>
           <a:xfrm>
-            <a:off x="2381250" y="571500"/>
-            <a:ext cx="7429500" cy="4953000"/>
+            <a:off x="2254645" y="548640"/>
+            <a:ext cx="7682710" cy="5121806"/>
           </a:xfrm>
           <a:prstGeom prst="rect">
             <a:avLst/>
           </a:prstGeom>
         </p:spPr>
       </p:pic>
-      <p:sp>
-        <p:nvSpPr>
-          <p:cNvPr id="4" name="TextBox 3">
-            <a:extLst>
-              <a:ext uri="{FF2B5EF4-FFF2-40B4-BE49-F238E27FC236}">
-                <a16:creationId xmlns:a16="http://schemas.microsoft.com/office/drawing/2014/main" id="{D42B12D8-E4DD-AD44-B528-2F73995C40D6}"/>
-              </a:ext>
-            </a:extLst>
-          </p:cNvPr>
-          <p:cNvSpPr txBox="1"/>
-          <p:nvPr/>
-        </p:nvSpPr>
-        <p:spPr>
-          <a:xfrm>
-            <a:off x="800100" y="5524500"/>
-            <a:ext cx="11087100" cy="369332"/>
-          </a:xfrm>
-          <a:prstGeom prst="rect">
-            <a:avLst/>
-          </a:prstGeom>
-          <a:noFill/>
-        </p:spPr>
-        <p:txBody>
-          <a:bodyPr wrap="square" rtlCol="0">
-            <a:spAutoFit/>
-          </a:bodyPr>
-          <a:lstStyle/>
-          <a:p>
-            <a:r>
-              <a:rPr lang="en-US" dirty="0">
-                <a:hlinkClick r:id="rId3"/>
-              </a:rPr>
-              <a:t>https://www.ers.usda.gov/webdocs/DataFiles/53180/25569_IN.pdf?v=0</a:t>
-            </a:r>
-            <a:endParaRPr lang="en-US" dirty="0"/>
-          </a:p>
-        </p:txBody>
-      </p:sp>
-      <p:sp>
-        <p:nvSpPr>
-          <p:cNvPr id="5" name="TextBox 4">
-            <a:extLst>
-              <a:ext uri="{FF2B5EF4-FFF2-40B4-BE49-F238E27FC236}">
-                <a16:creationId xmlns:a16="http://schemas.microsoft.com/office/drawing/2014/main" id="{99EB664E-F759-8247-A1CF-D164A071CB65}"/>
-              </a:ext>
-            </a:extLst>
-          </p:cNvPr>
-          <p:cNvSpPr txBox="1"/>
-          <p:nvPr/>
-        </p:nvSpPr>
-        <p:spPr>
-          <a:xfrm>
-            <a:off x="2190750" y="448235"/>
-            <a:ext cx="8305800" cy="523220"/>
-          </a:xfrm>
-          <a:prstGeom prst="rect">
-            <a:avLst/>
-          </a:prstGeom>
-          <a:noFill/>
-        </p:spPr>
-        <p:txBody>
-          <a:bodyPr wrap="square" rtlCol="0">
-            <a:spAutoFit/>
-          </a:bodyPr>
-          <a:lstStyle/>
-          <a:p>
-            <a:pPr algn="ctr"/>
-            <a:r>
-              <a:rPr lang="en-US" sz="2800" b="1" dirty="0"/>
-              <a:t>Unemployment in Rural Counties</a:t>
-            </a:r>
-          </a:p>
-        </p:txBody>
-      </p:sp>
     </p:spTree>
     <p:extLst>
       <p:ext uri="{BB962C8B-B14F-4D97-AF65-F5344CB8AC3E}">
-        <p14:creationId xmlns:p14="http://schemas.microsoft.com/office/powerpoint/2010/main" val="3014765769"/>
+        <p14:creationId xmlns:p14="http://schemas.microsoft.com/office/powerpoint/2010/main" val="2082262682"/>
       </p:ext>
     </p:extLst>
   </p:cSld>
@@ -6568,10 +7777,10 @@
       </p:grpSpPr>
       <p:pic>
         <p:nvPicPr>
-          <p:cNvPr id="5" name="Picture 4" descr="A close up of a map&#10;&#10;Description automatically generated">
+          <p:cNvPr id="2" name="Picture 1" descr="A close up of a map&#10;&#10;Description automatically generated">
             <a:extLst>
               <a:ext uri="{FF2B5EF4-FFF2-40B4-BE49-F238E27FC236}">
-                <a16:creationId xmlns:a16="http://schemas.microsoft.com/office/drawing/2014/main" id="{7A0B66DB-6B80-4947-A83C-6D4B8D49C9D5}"/>
+                <a16:creationId xmlns:a16="http://schemas.microsoft.com/office/drawing/2014/main" id="{5B9A44E0-18CC-4239-A3E2-99E9E89E99F0}"/>
               </a:ext>
             </a:extLst>
           </p:cNvPr>
@@ -6581,7 +7790,7 @@
           <p:nvPr/>
         </p:nvPicPr>
         <p:blipFill>
-          <a:blip r:embed="rId2">
+          <a:blip r:embed="rId3">
             <a:extLst>
               <a:ext uri="{28A0092B-C50C-407E-A947-70E740481C1C}">
                 <a14:useLocalDpi xmlns:a14="http://schemas.microsoft.com/office/drawing/2010/main" val="0"/>
@@ -6594,8 +7803,8 @@
         </p:blipFill>
         <p:spPr>
           <a:xfrm>
-            <a:off x="2176462" y="495300"/>
-            <a:ext cx="7839075" cy="5226050"/>
+            <a:off x="2261390" y="548640"/>
+            <a:ext cx="7682710" cy="5121806"/>
           </a:xfrm>
           <a:prstGeom prst="rect">
             <a:avLst/>
@@ -6605,7 +7814,7 @@
     </p:spTree>
     <p:extLst>
       <p:ext uri="{BB962C8B-B14F-4D97-AF65-F5344CB8AC3E}">
-        <p14:creationId xmlns:p14="http://schemas.microsoft.com/office/powerpoint/2010/main" val="2782767976"/>
+        <p14:creationId xmlns:p14="http://schemas.microsoft.com/office/powerpoint/2010/main" val="2184259176"/>
       </p:ext>
     </p:extLst>
   </p:cSld>
@@ -6632,80 +7841,46 @@
           <a:chExt cx="0" cy="0"/>
         </a:xfrm>
       </p:grpSpPr>
-      <p:sp>
-        <p:nvSpPr>
-          <p:cNvPr id="2" name="Title 1">
+      <p:pic>
+        <p:nvPicPr>
+          <p:cNvPr id="5" name="Picture 4" descr="A close up of a map&#10;&#10;Description automatically generated">
             <a:extLst>
               <a:ext uri="{FF2B5EF4-FFF2-40B4-BE49-F238E27FC236}">
-                <a16:creationId xmlns:a16="http://schemas.microsoft.com/office/drawing/2014/main" id="{4ECCE340-BE9F-4939-9408-BF10C66420FC}"/>
+                <a16:creationId xmlns:a16="http://schemas.microsoft.com/office/drawing/2014/main" id="{F1852CEC-BD6B-4CDB-A800-DFE9801C56C6}"/>
               </a:ext>
             </a:extLst>
           </p:cNvPr>
-          <p:cNvSpPr>
-            <a:spLocks noGrp="1"/>
-          </p:cNvSpPr>
-          <p:nvPr>
-            <p:ph type="title"/>
-          </p:nvPr>
-        </p:nvSpPr>
-        <p:spPr/>
-        <p:txBody>
-          <a:bodyPr>
-            <a:normAutofit fontScale="90000"/>
-          </a:bodyPr>
-          <a:lstStyle/>
-          <a:p>
-            <a:r>
-              <a:rPr lang="en-US" dirty="0"/>
-              <a:t>F. Conclusions (TBD)</a:t>
-            </a:r>
-          </a:p>
-        </p:txBody>
-      </p:sp>
-      <p:sp>
-        <p:nvSpPr>
-          <p:cNvPr id="3" name="Content Placeholder 2">
-            <a:extLst>
-              <a:ext uri="{FF2B5EF4-FFF2-40B4-BE49-F238E27FC236}">
-                <a16:creationId xmlns:a16="http://schemas.microsoft.com/office/drawing/2014/main" id="{C2210B30-F023-48E0-9C4F-5C73E22E4CF5}"/>
-              </a:ext>
-            </a:extLst>
-          </p:cNvPr>
-          <p:cNvSpPr>
-            <a:spLocks noGrp="1"/>
-          </p:cNvSpPr>
-          <p:nvPr>
-            <p:ph idx="1"/>
-          </p:nvPr>
-        </p:nvSpPr>
-        <p:spPr/>
-        <p:txBody>
-          <a:bodyPr/>
-          <a:lstStyle/>
-          <a:p>
-            <a:r>
-              <a:rPr lang="en-US" dirty="0"/>
-              <a:t>Any single demographic category is NOT a good predictor of which 2016 presidential candidate won any Indiana county.</a:t>
-            </a:r>
-          </a:p>
-          <a:p>
-            <a:r>
-              <a:rPr lang="en-US" dirty="0"/>
-              <a:t>?</a:t>
-            </a:r>
-          </a:p>
-          <a:p>
-            <a:r>
-              <a:rPr lang="en-US" dirty="0"/>
-              <a:t>?</a:t>
-            </a:r>
-          </a:p>
-        </p:txBody>
-      </p:sp>
+          <p:cNvPicPr>
+            <a:picLocks noChangeAspect="1"/>
+          </p:cNvPicPr>
+          <p:nvPr/>
+        </p:nvPicPr>
+        <p:blipFill>
+          <a:blip r:embed="rId3">
+            <a:extLst>
+              <a:ext uri="{28A0092B-C50C-407E-A947-70E740481C1C}">
+                <a14:useLocalDpi xmlns:a14="http://schemas.microsoft.com/office/drawing/2010/main" val="0"/>
+              </a:ext>
+            </a:extLst>
+          </a:blip>
+          <a:stretch>
+            <a:fillRect/>
+          </a:stretch>
+        </p:blipFill>
+        <p:spPr>
+          <a:xfrm>
+            <a:off x="2261390" y="548640"/>
+            <a:ext cx="7682710" cy="5121806"/>
+          </a:xfrm>
+          <a:prstGeom prst="rect">
+            <a:avLst/>
+          </a:prstGeom>
+        </p:spPr>
+      </p:pic>
     </p:spTree>
     <p:extLst>
       <p:ext uri="{BB962C8B-B14F-4D97-AF65-F5344CB8AC3E}">
-        <p14:creationId xmlns:p14="http://schemas.microsoft.com/office/powerpoint/2010/main" val="3708139832"/>
+        <p14:creationId xmlns:p14="http://schemas.microsoft.com/office/powerpoint/2010/main" val="4229744050"/>
       </p:ext>
     </p:extLst>
   </p:cSld>
@@ -6732,112 +7907,46 @@
           <a:chExt cx="0" cy="0"/>
         </a:xfrm>
       </p:grpSpPr>
-      <p:sp>
-        <p:nvSpPr>
-          <p:cNvPr id="2" name="Title 1">
+      <p:pic>
+        <p:nvPicPr>
+          <p:cNvPr id="7" name="Picture 6" descr="A close up of a map&#10;&#10;Description automatically generated">
             <a:extLst>
               <a:ext uri="{FF2B5EF4-FFF2-40B4-BE49-F238E27FC236}">
-                <a16:creationId xmlns:a16="http://schemas.microsoft.com/office/drawing/2014/main" id="{4ECCE340-BE9F-4939-9408-BF10C66420FC}"/>
+                <a16:creationId xmlns:a16="http://schemas.microsoft.com/office/drawing/2014/main" id="{95434695-B517-4621-81A0-6394F19C4638}"/>
               </a:ext>
             </a:extLst>
           </p:cNvPr>
-          <p:cNvSpPr>
-            <a:spLocks noGrp="1"/>
-          </p:cNvSpPr>
-          <p:nvPr>
-            <p:ph type="title"/>
-          </p:nvPr>
-        </p:nvSpPr>
-        <p:spPr/>
-        <p:txBody>
-          <a:bodyPr>
-            <a:normAutofit fontScale="90000"/>
-          </a:bodyPr>
-          <a:lstStyle/>
-          <a:p>
-            <a:r>
-              <a:rPr lang="en-US" dirty="0"/>
-              <a:t>G. Next steps</a:t>
-            </a:r>
-          </a:p>
-        </p:txBody>
-      </p:sp>
-      <p:sp>
-        <p:nvSpPr>
-          <p:cNvPr id="3" name="Content Placeholder 2">
-            <a:extLst>
-              <a:ext uri="{FF2B5EF4-FFF2-40B4-BE49-F238E27FC236}">
-                <a16:creationId xmlns:a16="http://schemas.microsoft.com/office/drawing/2014/main" id="{C2210B30-F023-48E0-9C4F-5C73E22E4CF5}"/>
-              </a:ext>
-            </a:extLst>
-          </p:cNvPr>
-          <p:cNvSpPr>
-            <a:spLocks noGrp="1"/>
-          </p:cNvSpPr>
-          <p:nvPr>
-            <p:ph idx="1"/>
-          </p:nvPr>
-        </p:nvSpPr>
-        <p:spPr/>
-        <p:txBody>
-          <a:bodyPr/>
-          <a:lstStyle/>
-          <a:p>
-            <a:r>
-              <a:rPr lang="en-US" dirty="0"/>
-              <a:t>With more time, we would develop a prediction model comparing actual vs. expected results and run </a:t>
-            </a:r>
-            <a:r>
-              <a:rPr lang="en-US" dirty="0" err="1"/>
-              <a:t>ttests</a:t>
-            </a:r>
-            <a:r>
-              <a:rPr lang="en-US" dirty="0"/>
-              <a:t> (Michael)</a:t>
-            </a:r>
-          </a:p>
-          <a:p>
-            <a:pPr lvl="1"/>
-            <a:r>
-              <a:rPr lang="en-US" dirty="0"/>
-              <a:t>We would add:</a:t>
-            </a:r>
-          </a:p>
-          <a:p>
-            <a:pPr lvl="2"/>
-            <a:r>
-              <a:rPr lang="en-US" dirty="0"/>
-              <a:t>More exit polling data</a:t>
-            </a:r>
-          </a:p>
-          <a:p>
-            <a:pPr lvl="2"/>
-            <a:r>
-              <a:rPr lang="en-US" dirty="0"/>
-              <a:t>Election results from additional years and races</a:t>
-            </a:r>
-          </a:p>
-          <a:p>
-            <a:r>
-              <a:rPr lang="en-US" dirty="0"/>
-              <a:t>We would incorporate and test more Census variables</a:t>
-            </a:r>
-          </a:p>
-          <a:p>
-            <a:r>
-              <a:rPr lang="en-US" dirty="0"/>
-              <a:t>We would combine Census variables</a:t>
-            </a:r>
-          </a:p>
-          <a:p>
-            <a:endParaRPr lang="en-US" dirty="0"/>
-          </a:p>
-        </p:txBody>
-      </p:sp>
+          <p:cNvPicPr>
+            <a:picLocks noChangeAspect="1"/>
+          </p:cNvPicPr>
+          <p:nvPr/>
+        </p:nvPicPr>
+        <p:blipFill>
+          <a:blip r:embed="rId3">
+            <a:extLst>
+              <a:ext uri="{28A0092B-C50C-407E-A947-70E740481C1C}">
+                <a14:useLocalDpi xmlns:a14="http://schemas.microsoft.com/office/drawing/2010/main" val="0"/>
+              </a:ext>
+            </a:extLst>
+          </a:blip>
+          <a:stretch>
+            <a:fillRect/>
+          </a:stretch>
+        </p:blipFill>
+        <p:spPr>
+          <a:xfrm>
+            <a:off x="2254645" y="548640"/>
+            <a:ext cx="7682710" cy="5121806"/>
+          </a:xfrm>
+          <a:prstGeom prst="rect">
+            <a:avLst/>
+          </a:prstGeom>
+        </p:spPr>
+      </p:pic>
     </p:spTree>
     <p:extLst>
       <p:ext uri="{BB962C8B-B14F-4D97-AF65-F5344CB8AC3E}">
-        <p14:creationId xmlns:p14="http://schemas.microsoft.com/office/powerpoint/2010/main" val="3621984787"/>
+        <p14:creationId xmlns:p14="http://schemas.microsoft.com/office/powerpoint/2010/main" val="725917585"/>
       </p:ext>
     </p:extLst>
   </p:cSld>
@@ -6848,7 +7957,7 @@
 </file>
 
 <file path=ppt/slides/slide2.xml><?xml version="1.0" encoding="utf-8"?>
-<p:sld xmlns:a="http://schemas.openxmlformats.org/drawingml/2006/main" xmlns:r="http://schemas.openxmlformats.org/officeDocument/2006/relationships" xmlns:p="http://schemas.openxmlformats.org/presentationml/2006/main">
+<p:sld xmlns:a="http://schemas.openxmlformats.org/drawingml/2006/main" xmlns:r="http://schemas.openxmlformats.org/officeDocument/2006/relationships" xmlns:p="http://schemas.openxmlformats.org/presentationml/2006/main" show="0">
   <p:cSld>
     <p:spTree>
       <p:nvGrpSpPr>
@@ -6988,43 +8097,12 @@
           <a:chExt cx="0" cy="0"/>
         </a:xfrm>
       </p:grpSpPr>
-      <p:sp>
-        <p:nvSpPr>
-          <p:cNvPr id="2" name="Title 1">
-            <a:extLst>
-              <a:ext uri="{FF2B5EF4-FFF2-40B4-BE49-F238E27FC236}">
-                <a16:creationId xmlns:a16="http://schemas.microsoft.com/office/drawing/2014/main" id="{77F00A3F-274B-4343-8010-409A0EF0B737}"/>
-              </a:ext>
-            </a:extLst>
-          </p:cNvPr>
-          <p:cNvSpPr>
-            <a:spLocks noGrp="1"/>
-          </p:cNvSpPr>
-          <p:nvPr>
-            <p:ph type="title"/>
-          </p:nvPr>
-        </p:nvSpPr>
-        <p:spPr/>
-        <p:txBody>
-          <a:bodyPr>
-            <a:normAutofit fontScale="90000"/>
-          </a:bodyPr>
-          <a:lstStyle/>
-          <a:p>
-            <a:pPr algn="ctr"/>
-            <a:r>
-              <a:rPr lang="en-US" dirty="0"/>
-              <a:t>Data Acquisition and Cleanup</a:t>
-            </a:r>
-          </a:p>
-        </p:txBody>
-      </p:sp>
       <p:pic>
         <p:nvPicPr>
-          <p:cNvPr id="5" name="Picture 4" descr="A screenshot of a social media post&#10;&#10;Description automatically generated">
+          <p:cNvPr id="2" name="Picture 1" descr="A close up of a map&#10;&#10;Description automatically generated">
             <a:extLst>
               <a:ext uri="{FF2B5EF4-FFF2-40B4-BE49-F238E27FC236}">
-                <a16:creationId xmlns:a16="http://schemas.microsoft.com/office/drawing/2014/main" id="{82B2C0E5-033C-2945-97F5-6B0DB23ADFF7}"/>
+                <a16:creationId xmlns:a16="http://schemas.microsoft.com/office/drawing/2014/main" id="{5C935F7D-133F-40FD-8B62-6EF5ABA63B4A}"/>
               </a:ext>
             </a:extLst>
           </p:cNvPr>
@@ -7034,7 +8112,7 @@
           <p:nvPr/>
         </p:nvPicPr>
         <p:blipFill>
-          <a:blip r:embed="rId2">
+          <a:blip r:embed="rId3">
             <a:extLst>
               <a:ext uri="{28A0092B-C50C-407E-A947-70E740481C1C}">
                 <a14:useLocalDpi xmlns:a14="http://schemas.microsoft.com/office/drawing/2010/main" val="0"/>
@@ -7047,8 +8125,8 @@
         </p:blipFill>
         <p:spPr>
           <a:xfrm>
-            <a:off x="2247900" y="959224"/>
-            <a:ext cx="8001000" cy="4732986"/>
+            <a:off x="2254645" y="548640"/>
+            <a:ext cx="7682710" cy="5121806"/>
           </a:xfrm>
           <a:prstGeom prst="rect">
             <a:avLst/>
@@ -7058,7 +8136,7 @@
     </p:spTree>
     <p:extLst>
       <p:ext uri="{BB962C8B-B14F-4D97-AF65-F5344CB8AC3E}">
-        <p14:creationId xmlns:p14="http://schemas.microsoft.com/office/powerpoint/2010/main" val="3555443697"/>
+        <p14:creationId xmlns:p14="http://schemas.microsoft.com/office/powerpoint/2010/main" val="4034603337"/>
       </p:ext>
     </p:extLst>
   </p:cSld>
@@ -7085,66 +8163,82 @@
           <a:chExt cx="0" cy="0"/>
         </a:xfrm>
       </p:grpSpPr>
-      <p:sp>
-        <p:nvSpPr>
-          <p:cNvPr id="2" name="Title 1">
+      <p:pic>
+        <p:nvPicPr>
+          <p:cNvPr id="4" name="Picture 3" descr="A close up of a map&#10;&#10;Description automatically generated">
             <a:extLst>
               <a:ext uri="{FF2B5EF4-FFF2-40B4-BE49-F238E27FC236}">
-                <a16:creationId xmlns:a16="http://schemas.microsoft.com/office/drawing/2014/main" id="{BA9581D6-F0E3-0D44-90E3-65C271E4F8B3}"/>
+                <a16:creationId xmlns:a16="http://schemas.microsoft.com/office/drawing/2014/main" id="{B77278AA-9D48-0441-B856-C5A6895FA9BE}"/>
               </a:ext>
             </a:extLst>
           </p:cNvPr>
-          <p:cNvSpPr>
-            <a:spLocks noGrp="1"/>
-          </p:cNvSpPr>
-          <p:nvPr>
-            <p:ph type="title"/>
-          </p:nvPr>
-        </p:nvSpPr>
-        <p:spPr/>
-        <p:txBody>
-          <a:bodyPr>
-            <a:normAutofit fontScale="90000"/>
+          <p:cNvPicPr>
+            <a:picLocks noChangeAspect="1"/>
+          </p:cNvPicPr>
+          <p:nvPr/>
+        </p:nvPicPr>
+        <p:blipFill>
+          <a:blip r:embed="rId3">
+            <a:extLst>
+              <a:ext uri="{28A0092B-C50C-407E-A947-70E740481C1C}">
+                <a14:useLocalDpi xmlns:a14="http://schemas.microsoft.com/office/drawing/2010/main" val="0"/>
+              </a:ext>
+            </a:extLst>
+          </a:blip>
+          <a:stretch>
+            <a:fillRect/>
+          </a:stretch>
+        </p:blipFill>
+        <p:spPr>
+          <a:xfrm>
+            <a:off x="2057400" y="647700"/>
+            <a:ext cx="7543800" cy="5029200"/>
+          </a:xfrm>
+          <a:prstGeom prst="rect">
+            <a:avLst/>
+          </a:prstGeom>
+        </p:spPr>
+      </p:pic>
+      <p:sp>
+        <p:nvSpPr>
+          <p:cNvPr id="5" name="TextBox 4">
+            <a:extLst>
+              <a:ext uri="{FF2B5EF4-FFF2-40B4-BE49-F238E27FC236}">
+                <a16:creationId xmlns:a16="http://schemas.microsoft.com/office/drawing/2014/main" id="{FA899052-34D5-9F41-AB9C-876183855A8C}"/>
+              </a:ext>
+            </a:extLst>
+          </p:cNvPr>
+          <p:cNvSpPr txBox="1"/>
+          <p:nvPr/>
+        </p:nvSpPr>
+        <p:spPr>
+          <a:xfrm>
+            <a:off x="1285875" y="355312"/>
+            <a:ext cx="9620250" cy="584775"/>
+          </a:xfrm>
+          <a:prstGeom prst="rect">
+            <a:avLst/>
+          </a:prstGeom>
+          <a:noFill/>
+        </p:spPr>
+        <p:txBody>
+          <a:bodyPr wrap="square" rtlCol="0">
+            <a:spAutoFit/>
           </a:bodyPr>
           <a:lstStyle/>
           <a:p>
             <a:pPr algn="ctr"/>
             <a:r>
-              <a:rPr lang="en-US" dirty="0"/>
-              <a:t>Data Acquisition and Cleanup</a:t>
-            </a:r>
-          </a:p>
-        </p:txBody>
-      </p:sp>
-      <p:sp>
-        <p:nvSpPr>
-          <p:cNvPr id="3" name="Content Placeholder 2">
-            <a:extLst>
-              <a:ext uri="{FF2B5EF4-FFF2-40B4-BE49-F238E27FC236}">
-                <a16:creationId xmlns:a16="http://schemas.microsoft.com/office/drawing/2014/main" id="{F88F4E07-5969-FE4E-9A2A-DC8FD9DEE78B}"/>
-              </a:ext>
-            </a:extLst>
-          </p:cNvPr>
-          <p:cNvSpPr>
-            <a:spLocks noGrp="1"/>
-          </p:cNvSpPr>
-          <p:nvPr>
-            <p:ph idx="1"/>
-          </p:nvPr>
-        </p:nvSpPr>
-        <p:spPr/>
-        <p:txBody>
-          <a:bodyPr/>
-          <a:lstStyle/>
-          <a:p>
-            <a:endParaRPr lang="en-US"/>
+              <a:rPr lang="en-US" sz="3200" b="1" dirty="0"/>
+              <a:t>What effect does median age have on the GOP vote?</a:t>
+            </a:r>
           </a:p>
         </p:txBody>
       </p:sp>
     </p:spTree>
     <p:extLst>
       <p:ext uri="{BB962C8B-B14F-4D97-AF65-F5344CB8AC3E}">
-        <p14:creationId xmlns:p14="http://schemas.microsoft.com/office/powerpoint/2010/main" val="2451075067"/>
+        <p14:creationId xmlns:p14="http://schemas.microsoft.com/office/powerpoint/2010/main" val="7673429"/>
       </p:ext>
     </p:extLst>
   </p:cSld>
@@ -7173,64 +8267,215 @@
       </p:grpSpPr>
       <p:sp>
         <p:nvSpPr>
-          <p:cNvPr id="2" name="Title 1">
+          <p:cNvPr id="2" name="TextBox 1">
             <a:extLst>
               <a:ext uri="{FF2B5EF4-FFF2-40B4-BE49-F238E27FC236}">
-                <a16:creationId xmlns:a16="http://schemas.microsoft.com/office/drawing/2014/main" id="{678E626D-BA62-A645-934B-ABF153231D06}"/>
+                <a16:creationId xmlns:a16="http://schemas.microsoft.com/office/drawing/2014/main" id="{7C7EBBA5-FEE7-CE44-B3B3-48E4449D8926}"/>
               </a:ext>
             </a:extLst>
           </p:cNvPr>
-          <p:cNvSpPr>
-            <a:spLocks noGrp="1"/>
-          </p:cNvSpPr>
-          <p:nvPr>
-            <p:ph type="title"/>
-          </p:nvPr>
-        </p:nvSpPr>
-        <p:spPr/>
-        <p:txBody>
-          <a:bodyPr>
-            <a:normAutofit fontScale="90000"/>
+          <p:cNvSpPr txBox="1"/>
+          <p:nvPr/>
+        </p:nvSpPr>
+        <p:spPr>
+          <a:xfrm>
+            <a:off x="1066800" y="609600"/>
+            <a:ext cx="10287000" cy="523220"/>
+          </a:xfrm>
+          <a:prstGeom prst="rect">
+            <a:avLst/>
+          </a:prstGeom>
+          <a:noFill/>
+        </p:spPr>
+        <p:txBody>
+          <a:bodyPr wrap="square" rtlCol="0">
+            <a:spAutoFit/>
           </a:bodyPr>
           <a:lstStyle/>
           <a:p>
             <a:pPr algn="ctr"/>
             <a:r>
+              <a:rPr lang="en-US" sz="2800" b="1" dirty="0"/>
+              <a:t>Voter Turnout per Age Group</a:t>
+            </a:r>
+          </a:p>
+        </p:txBody>
+      </p:sp>
+      <p:sp>
+        <p:nvSpPr>
+          <p:cNvPr id="3" name="TextBox 2">
+            <a:extLst>
+              <a:ext uri="{FF2B5EF4-FFF2-40B4-BE49-F238E27FC236}">
+                <a16:creationId xmlns:a16="http://schemas.microsoft.com/office/drawing/2014/main" id="{33BB8A1C-A662-F74C-B9C5-8FEBB775172F}"/>
+              </a:ext>
+            </a:extLst>
+          </p:cNvPr>
+          <p:cNvSpPr txBox="1"/>
+          <p:nvPr/>
+        </p:nvSpPr>
+        <p:spPr>
+          <a:xfrm>
+            <a:off x="1066800" y="1409700"/>
+            <a:ext cx="10287000" cy="3539430"/>
+          </a:xfrm>
+          <a:prstGeom prst="rect">
+            <a:avLst/>
+          </a:prstGeom>
+          <a:noFill/>
+        </p:spPr>
+        <p:txBody>
+          <a:bodyPr wrap="square" rtlCol="0">
+            <a:spAutoFit/>
+          </a:bodyPr>
+          <a:lstStyle/>
+          <a:p>
+            <a:pPr marL="285750" indent="-285750">
+              <a:buFont typeface="Arial" panose="020B0604020202020204" pitchFamily="34" charset="0"/>
+              <a:buChar char="•"/>
+            </a:pPr>
+            <a:r>
+              <a:rPr lang="en-US" sz="2800" dirty="0"/>
+              <a:t>18-29 year </a:t>
+            </a:r>
+            <a:r>
+              <a:rPr lang="en-US" sz="2800" dirty="0" err="1"/>
+              <a:t>olds</a:t>
+            </a:r>
+            <a:r>
+              <a:rPr lang="en-US" sz="2800" dirty="0"/>
+              <a:t>: 46.1%</a:t>
+            </a:r>
+          </a:p>
+          <a:p>
+            <a:pPr marL="285750" indent="-285750">
+              <a:buFont typeface="Arial" panose="020B0604020202020204" pitchFamily="34" charset="0"/>
+              <a:buChar char="•"/>
+            </a:pPr>
+            <a:endParaRPr lang="en-US" sz="2800" dirty="0"/>
+          </a:p>
+          <a:p>
+            <a:pPr marL="285750" indent="-285750">
+              <a:buFont typeface="Arial" panose="020B0604020202020204" pitchFamily="34" charset="0"/>
+              <a:buChar char="•"/>
+            </a:pPr>
+            <a:r>
+              <a:rPr lang="en-US" sz="2800" dirty="0"/>
+              <a:t>30-44 year </a:t>
+            </a:r>
+            <a:r>
+              <a:rPr lang="en-US" sz="2800" dirty="0" err="1"/>
+              <a:t>olds</a:t>
+            </a:r>
+            <a:r>
+              <a:rPr lang="en-US" sz="2800" dirty="0"/>
+              <a:t>: 58.7%</a:t>
+            </a:r>
+          </a:p>
+          <a:p>
+            <a:pPr marL="285750" indent="-285750">
+              <a:buFont typeface="Arial" panose="020B0604020202020204" pitchFamily="34" charset="0"/>
+              <a:buChar char="•"/>
+            </a:pPr>
+            <a:endParaRPr lang="en-US" sz="2800" dirty="0"/>
+          </a:p>
+          <a:p>
+            <a:pPr marL="285750" indent="-285750">
+              <a:buFont typeface="Arial" panose="020B0604020202020204" pitchFamily="34" charset="0"/>
+              <a:buChar char="•"/>
+            </a:pPr>
+            <a:r>
+              <a:rPr lang="en-US" sz="2800" dirty="0"/>
+              <a:t>45-64 year </a:t>
+            </a:r>
+            <a:r>
+              <a:rPr lang="en-US" sz="2800" dirty="0" err="1"/>
+              <a:t>olds</a:t>
+            </a:r>
+            <a:r>
+              <a:rPr lang="en-US" sz="2800" dirty="0"/>
+              <a:t>: 66.6%</a:t>
+            </a:r>
+          </a:p>
+          <a:p>
+            <a:pPr marL="285750" indent="-285750">
+              <a:buFont typeface="Arial" panose="020B0604020202020204" pitchFamily="34" charset="0"/>
+              <a:buChar char="•"/>
+            </a:pPr>
+            <a:endParaRPr lang="en-US" sz="2800" dirty="0"/>
+          </a:p>
+          <a:p>
+            <a:pPr marL="285750" indent="-285750">
+              <a:buFont typeface="Arial" panose="020B0604020202020204" pitchFamily="34" charset="0"/>
+              <a:buChar char="•"/>
+            </a:pPr>
+            <a:r>
+              <a:rPr lang="en-US" sz="2800" dirty="0"/>
+              <a:t>65 years and </a:t>
+            </a:r>
+            <a:r>
+              <a:rPr lang="en-US" sz="2800" dirty="0" err="1"/>
+              <a:t>oldes</a:t>
+            </a:r>
+            <a:r>
+              <a:rPr lang="en-US" sz="2800" dirty="0"/>
+              <a:t>: 70.9%</a:t>
+            </a:r>
+          </a:p>
+          <a:p>
+            <a:pPr marL="285750" indent="-285750">
+              <a:buFont typeface="Arial" panose="020B0604020202020204" pitchFamily="34" charset="0"/>
+              <a:buChar char="•"/>
+            </a:pPr>
+            <a:endParaRPr lang="en-US" sz="2800" dirty="0"/>
+          </a:p>
+        </p:txBody>
+      </p:sp>
+      <p:sp>
+        <p:nvSpPr>
+          <p:cNvPr id="5" name="TextBox 4">
+            <a:extLst>
+              <a:ext uri="{FF2B5EF4-FFF2-40B4-BE49-F238E27FC236}">
+                <a16:creationId xmlns:a16="http://schemas.microsoft.com/office/drawing/2014/main" id="{5A81EF13-8FAD-1546-94DD-78115B806A22}"/>
+              </a:ext>
+            </a:extLst>
+          </p:cNvPr>
+          <p:cNvSpPr txBox="1"/>
+          <p:nvPr/>
+        </p:nvSpPr>
+        <p:spPr>
+          <a:xfrm>
+            <a:off x="838200" y="4949130"/>
+            <a:ext cx="10287000" cy="369332"/>
+          </a:xfrm>
+          <a:prstGeom prst="rect">
+            <a:avLst/>
+          </a:prstGeom>
+          <a:noFill/>
+        </p:spPr>
+        <p:txBody>
+          <a:bodyPr wrap="square" rtlCol="0">
+            <a:spAutoFit/>
+          </a:bodyPr>
+          <a:lstStyle/>
+          <a:p>
+            <a:r>
               <a:rPr lang="en-US" dirty="0"/>
-              <a:t>Data Acquisition and Cleanup</a:t>
-            </a:r>
-          </a:p>
-        </p:txBody>
-      </p:sp>
-      <p:sp>
-        <p:nvSpPr>
-          <p:cNvPr id="3" name="Content Placeholder 2">
-            <a:extLst>
-              <a:ext uri="{FF2B5EF4-FFF2-40B4-BE49-F238E27FC236}">
-                <a16:creationId xmlns:a16="http://schemas.microsoft.com/office/drawing/2014/main" id="{ABCCD990-D7F3-4346-A313-E6881515EE94}"/>
-              </a:ext>
-            </a:extLst>
-          </p:cNvPr>
-          <p:cNvSpPr>
-            <a:spLocks noGrp="1"/>
-          </p:cNvSpPr>
-          <p:nvPr>
-            <p:ph idx="1"/>
-          </p:nvPr>
-        </p:nvSpPr>
-        <p:spPr/>
-        <p:txBody>
-          <a:bodyPr/>
-          <a:lstStyle/>
-          <a:p>
-            <a:endParaRPr lang="en-US"/>
+              <a:t> </a:t>
+            </a:r>
+            <a:r>
+              <a:rPr lang="en-US" u="sng" dirty="0">
+                <a:hlinkClick r:id="rId3"/>
+              </a:rPr>
+              <a:t>https://www.census.gov/newsroom/blogs/random-samplings/2017/05/voting_in_america.html</a:t>
+            </a:r>
+            <a:endParaRPr lang="en-US" dirty="0"/>
           </a:p>
         </p:txBody>
       </p:sp>
     </p:spTree>
     <p:extLst>
       <p:ext uri="{BB962C8B-B14F-4D97-AF65-F5344CB8AC3E}">
-        <p14:creationId xmlns:p14="http://schemas.microsoft.com/office/powerpoint/2010/main" val="1006062157"/>
+        <p14:creationId xmlns:p14="http://schemas.microsoft.com/office/powerpoint/2010/main" val="1101663194"/>
       </p:ext>
     </p:extLst>
   </p:cSld>
@@ -7257,12 +8502,520 @@
           <a:chExt cx="0" cy="0"/>
         </a:xfrm>
       </p:grpSpPr>
+      <p:pic>
+        <p:nvPicPr>
+          <p:cNvPr id="4" name="Picture 3" descr="A close up of a map&#10;&#10;Description automatically generated">
+            <a:extLst>
+              <a:ext uri="{FF2B5EF4-FFF2-40B4-BE49-F238E27FC236}">
+                <a16:creationId xmlns:a16="http://schemas.microsoft.com/office/drawing/2014/main" id="{6A1FC1C8-5A78-6548-98B4-DE7B33506E0A}"/>
+              </a:ext>
+            </a:extLst>
+          </p:cNvPr>
+          <p:cNvPicPr>
+            <a:picLocks noChangeAspect="1"/>
+          </p:cNvPicPr>
+          <p:nvPr/>
+        </p:nvPicPr>
+        <p:blipFill>
+          <a:blip r:embed="rId3">
+            <a:extLst>
+              <a:ext uri="{28A0092B-C50C-407E-A947-70E740481C1C}">
+                <a14:useLocalDpi xmlns:a14="http://schemas.microsoft.com/office/drawing/2010/main" val="0"/>
+              </a:ext>
+            </a:extLst>
+          </a:blip>
+          <a:stretch>
+            <a:fillRect/>
+          </a:stretch>
+        </p:blipFill>
+        <p:spPr>
+          <a:xfrm>
+            <a:off x="2266950" y="381000"/>
+            <a:ext cx="7658100" cy="5105400"/>
+          </a:xfrm>
+          <a:prstGeom prst="rect">
+            <a:avLst/>
+          </a:prstGeom>
+        </p:spPr>
+      </p:pic>
+    </p:spTree>
+    <p:extLst>
+      <p:ext uri="{BB962C8B-B14F-4D97-AF65-F5344CB8AC3E}">
+        <p14:creationId xmlns:p14="http://schemas.microsoft.com/office/powerpoint/2010/main" val="1924556664"/>
+      </p:ext>
+    </p:extLst>
+  </p:cSld>
+  <p:clrMapOvr>
+    <a:masterClrMapping/>
+  </p:clrMapOvr>
+</p:sld>
+</file>
+
+<file path=ppt/slides/slide24.xml><?xml version="1.0" encoding="utf-8"?>
+<p:sld xmlns:a="http://schemas.openxmlformats.org/drawingml/2006/main" xmlns:r="http://schemas.openxmlformats.org/officeDocument/2006/relationships" xmlns:p="http://schemas.openxmlformats.org/presentationml/2006/main">
+  <p:cSld>
+    <p:spTree>
+      <p:nvGrpSpPr>
+        <p:cNvPr id="1" name=""/>
+        <p:cNvGrpSpPr/>
+        <p:nvPr/>
+      </p:nvGrpSpPr>
+      <p:grpSpPr>
+        <a:xfrm>
+          <a:off x="0" y="0"/>
+          <a:ext cx="0" cy="0"/>
+          <a:chOff x="0" y="0"/>
+          <a:chExt cx="0" cy="0"/>
+        </a:xfrm>
+      </p:grpSpPr>
+      <p:pic>
+        <p:nvPicPr>
+          <p:cNvPr id="3" name="Picture 2" descr="A close up of a map&#10;&#10;Description automatically generated">
+            <a:extLst>
+              <a:ext uri="{FF2B5EF4-FFF2-40B4-BE49-F238E27FC236}">
+                <a16:creationId xmlns:a16="http://schemas.microsoft.com/office/drawing/2014/main" id="{16E594D6-4141-F746-8EE2-60F451433269}"/>
+              </a:ext>
+            </a:extLst>
+          </p:cNvPr>
+          <p:cNvPicPr>
+            <a:picLocks noChangeAspect="1"/>
+          </p:cNvPicPr>
+          <p:nvPr/>
+        </p:nvPicPr>
+        <p:blipFill>
+          <a:blip r:embed="rId3">
+            <a:extLst>
+              <a:ext uri="{28A0092B-C50C-407E-A947-70E740481C1C}">
+                <a14:useLocalDpi xmlns:a14="http://schemas.microsoft.com/office/drawing/2010/main" val="0"/>
+              </a:ext>
+            </a:extLst>
+          </a:blip>
+          <a:stretch>
+            <a:fillRect/>
+          </a:stretch>
+        </p:blipFill>
+        <p:spPr>
+          <a:xfrm>
+            <a:off x="2286000" y="381000"/>
+            <a:ext cx="7372350" cy="4914900"/>
+          </a:xfrm>
+          <a:prstGeom prst="rect">
+            <a:avLst/>
+          </a:prstGeom>
+        </p:spPr>
+      </p:pic>
+    </p:spTree>
+    <p:extLst>
+      <p:ext uri="{BB962C8B-B14F-4D97-AF65-F5344CB8AC3E}">
+        <p14:creationId xmlns:p14="http://schemas.microsoft.com/office/powerpoint/2010/main" val="3984870737"/>
+      </p:ext>
+    </p:extLst>
+  </p:cSld>
+  <p:clrMapOvr>
+    <a:masterClrMapping/>
+  </p:clrMapOvr>
+</p:sld>
+</file>
+
+<file path=ppt/slides/slide25.xml><?xml version="1.0" encoding="utf-8"?>
+<p:sld xmlns:a="http://schemas.openxmlformats.org/drawingml/2006/main" xmlns:r="http://schemas.openxmlformats.org/officeDocument/2006/relationships" xmlns:p="http://schemas.openxmlformats.org/presentationml/2006/main">
+  <p:cSld>
+    <p:spTree>
+      <p:nvGrpSpPr>
+        <p:cNvPr id="1" name=""/>
+        <p:cNvGrpSpPr/>
+        <p:nvPr/>
+      </p:nvGrpSpPr>
+      <p:grpSpPr>
+        <a:xfrm>
+          <a:off x="0" y="0"/>
+          <a:ext cx="0" cy="0"/>
+          <a:chOff x="0" y="0"/>
+          <a:chExt cx="0" cy="0"/>
+        </a:xfrm>
+      </p:grpSpPr>
+      <p:pic>
+        <p:nvPicPr>
+          <p:cNvPr id="7" name="Picture 6" descr="A close up of a map&#10;&#10;Description automatically generated">
+            <a:extLst>
+              <a:ext uri="{FF2B5EF4-FFF2-40B4-BE49-F238E27FC236}">
+                <a16:creationId xmlns:a16="http://schemas.microsoft.com/office/drawing/2014/main" id="{3997D0A9-E2AA-244D-B0EF-0D1EE3786E18}"/>
+              </a:ext>
+            </a:extLst>
+          </p:cNvPr>
+          <p:cNvPicPr>
+            <a:picLocks noChangeAspect="1"/>
+          </p:cNvPicPr>
+          <p:nvPr/>
+        </p:nvPicPr>
+        <p:blipFill>
+          <a:blip r:embed="rId3">
+            <a:extLst>
+              <a:ext uri="{28A0092B-C50C-407E-A947-70E740481C1C}">
+                <a14:useLocalDpi xmlns:a14="http://schemas.microsoft.com/office/drawing/2010/main" val="0"/>
+              </a:ext>
+            </a:extLst>
+          </a:blip>
+          <a:stretch>
+            <a:fillRect/>
+          </a:stretch>
+        </p:blipFill>
+        <p:spPr>
+          <a:xfrm>
+            <a:off x="2095500" y="381000"/>
+            <a:ext cx="8001000" cy="5334000"/>
+          </a:xfrm>
+          <a:prstGeom prst="rect">
+            <a:avLst/>
+          </a:prstGeom>
+        </p:spPr>
+      </p:pic>
+    </p:spTree>
+    <p:extLst>
+      <p:ext uri="{BB962C8B-B14F-4D97-AF65-F5344CB8AC3E}">
+        <p14:creationId xmlns:p14="http://schemas.microsoft.com/office/powerpoint/2010/main" val="2827575798"/>
+      </p:ext>
+    </p:extLst>
+  </p:cSld>
+  <p:clrMapOvr>
+    <a:masterClrMapping/>
+  </p:clrMapOvr>
+</p:sld>
+</file>
+
+<file path=ppt/slides/slide26.xml><?xml version="1.0" encoding="utf-8"?>
+<p:sld xmlns:a="http://schemas.openxmlformats.org/drawingml/2006/main" xmlns:r="http://schemas.openxmlformats.org/officeDocument/2006/relationships" xmlns:p="http://schemas.openxmlformats.org/presentationml/2006/main">
+  <p:cSld>
+    <p:spTree>
+      <p:nvGrpSpPr>
+        <p:cNvPr id="1" name=""/>
+        <p:cNvGrpSpPr/>
+        <p:nvPr/>
+      </p:nvGrpSpPr>
+      <p:grpSpPr>
+        <a:xfrm>
+          <a:off x="0" y="0"/>
+          <a:ext cx="0" cy="0"/>
+          <a:chOff x="0" y="0"/>
+          <a:chExt cx="0" cy="0"/>
+        </a:xfrm>
+      </p:grpSpPr>
+      <p:pic>
+        <p:nvPicPr>
+          <p:cNvPr id="3" name="Picture 2" descr="A close up of a logo&#10;&#10;Description automatically generated">
+            <a:extLst>
+              <a:ext uri="{FF2B5EF4-FFF2-40B4-BE49-F238E27FC236}">
+                <a16:creationId xmlns:a16="http://schemas.microsoft.com/office/drawing/2014/main" id="{1372F35B-1064-2B45-981A-495CDF8FF200}"/>
+              </a:ext>
+            </a:extLst>
+          </p:cNvPr>
+          <p:cNvPicPr>
+            <a:picLocks noChangeAspect="1"/>
+          </p:cNvPicPr>
+          <p:nvPr/>
+        </p:nvPicPr>
+        <p:blipFill>
+          <a:blip r:embed="rId3">
+            <a:extLst>
+              <a:ext uri="{28A0092B-C50C-407E-A947-70E740481C1C}">
+                <a14:useLocalDpi xmlns:a14="http://schemas.microsoft.com/office/drawing/2010/main" val="0"/>
+              </a:ext>
+            </a:extLst>
+          </a:blip>
+          <a:stretch>
+            <a:fillRect/>
+          </a:stretch>
+        </p:blipFill>
+        <p:spPr>
+          <a:xfrm>
+            <a:off x="2171700" y="533400"/>
+            <a:ext cx="7848600" cy="5232400"/>
+          </a:xfrm>
+          <a:prstGeom prst="rect">
+            <a:avLst/>
+          </a:prstGeom>
+        </p:spPr>
+      </p:pic>
+      <p:sp>
+        <p:nvSpPr>
+          <p:cNvPr id="4" name="TextBox 3">
+            <a:extLst>
+              <a:ext uri="{FF2B5EF4-FFF2-40B4-BE49-F238E27FC236}">
+                <a16:creationId xmlns:a16="http://schemas.microsoft.com/office/drawing/2014/main" id="{1D3BD092-3385-E14D-BF8C-A4A0944B53E9}"/>
+              </a:ext>
+            </a:extLst>
+          </p:cNvPr>
+          <p:cNvSpPr txBox="1"/>
+          <p:nvPr/>
+        </p:nvSpPr>
+        <p:spPr>
+          <a:xfrm>
+            <a:off x="1143000" y="333520"/>
+            <a:ext cx="9906000" cy="861774"/>
+          </a:xfrm>
+          <a:prstGeom prst="rect">
+            <a:avLst/>
+          </a:prstGeom>
+          <a:noFill/>
+        </p:spPr>
+        <p:txBody>
+          <a:bodyPr wrap="square" rtlCol="0">
+            <a:spAutoFit/>
+          </a:bodyPr>
+          <a:lstStyle/>
+          <a:p>
+            <a:r>
+              <a:rPr lang="en-US" sz="3200" b="1" dirty="0"/>
+              <a:t>What effect does unemployment have on the GOP vote?</a:t>
+            </a:r>
+          </a:p>
+          <a:p>
+            <a:endParaRPr lang="en-US" dirty="0"/>
+          </a:p>
+        </p:txBody>
+      </p:sp>
+    </p:spTree>
+    <p:extLst>
+      <p:ext uri="{BB962C8B-B14F-4D97-AF65-F5344CB8AC3E}">
+        <p14:creationId xmlns:p14="http://schemas.microsoft.com/office/powerpoint/2010/main" val="1924881284"/>
+      </p:ext>
+    </p:extLst>
+  </p:cSld>
+  <p:clrMapOvr>
+    <a:masterClrMapping/>
+  </p:clrMapOvr>
+</p:sld>
+</file>
+
+<file path=ppt/slides/slide27.xml><?xml version="1.0" encoding="utf-8"?>
+<p:sld xmlns:a="http://schemas.openxmlformats.org/drawingml/2006/main" xmlns:r="http://schemas.openxmlformats.org/officeDocument/2006/relationships" xmlns:p="http://schemas.openxmlformats.org/presentationml/2006/main">
+  <p:cSld>
+    <p:spTree>
+      <p:nvGrpSpPr>
+        <p:cNvPr id="1" name=""/>
+        <p:cNvGrpSpPr/>
+        <p:nvPr/>
+      </p:nvGrpSpPr>
+      <p:grpSpPr>
+        <a:xfrm>
+          <a:off x="0" y="0"/>
+          <a:ext cx="0" cy="0"/>
+          <a:chOff x="0" y="0"/>
+          <a:chExt cx="0" cy="0"/>
+        </a:xfrm>
+      </p:grpSpPr>
+      <p:pic>
+        <p:nvPicPr>
+          <p:cNvPr id="3" name="Picture 2" descr="A close up of a logo&#10;&#10;Description automatically generated">
+            <a:extLst>
+              <a:ext uri="{FF2B5EF4-FFF2-40B4-BE49-F238E27FC236}">
+                <a16:creationId xmlns:a16="http://schemas.microsoft.com/office/drawing/2014/main" id="{4872B1AE-3D70-FD49-A25C-27552B3CF68C}"/>
+              </a:ext>
+            </a:extLst>
+          </p:cNvPr>
+          <p:cNvPicPr>
+            <a:picLocks noChangeAspect="1"/>
+          </p:cNvPicPr>
+          <p:nvPr/>
+        </p:nvPicPr>
+        <p:blipFill>
+          <a:blip r:embed="rId3">
+            <a:extLst>
+              <a:ext uri="{28A0092B-C50C-407E-A947-70E740481C1C}">
+                <a14:useLocalDpi xmlns:a14="http://schemas.microsoft.com/office/drawing/2010/main" val="0"/>
+              </a:ext>
+            </a:extLst>
+          </a:blip>
+          <a:stretch>
+            <a:fillRect/>
+          </a:stretch>
+        </p:blipFill>
+        <p:spPr>
+          <a:xfrm>
+            <a:off x="2381250" y="571500"/>
+            <a:ext cx="7429500" cy="4953000"/>
+          </a:xfrm>
+          <a:prstGeom prst="rect">
+            <a:avLst/>
+          </a:prstGeom>
+        </p:spPr>
+      </p:pic>
+      <p:sp>
+        <p:nvSpPr>
+          <p:cNvPr id="4" name="TextBox 3">
+            <a:extLst>
+              <a:ext uri="{FF2B5EF4-FFF2-40B4-BE49-F238E27FC236}">
+                <a16:creationId xmlns:a16="http://schemas.microsoft.com/office/drawing/2014/main" id="{D42B12D8-E4DD-AD44-B528-2F73995C40D6}"/>
+              </a:ext>
+            </a:extLst>
+          </p:cNvPr>
+          <p:cNvSpPr txBox="1"/>
+          <p:nvPr/>
+        </p:nvSpPr>
+        <p:spPr>
+          <a:xfrm>
+            <a:off x="800100" y="5524500"/>
+            <a:ext cx="11087100" cy="369332"/>
+          </a:xfrm>
+          <a:prstGeom prst="rect">
+            <a:avLst/>
+          </a:prstGeom>
+          <a:noFill/>
+        </p:spPr>
+        <p:txBody>
+          <a:bodyPr wrap="square" rtlCol="0">
+            <a:spAutoFit/>
+          </a:bodyPr>
+          <a:lstStyle/>
+          <a:p>
+            <a:r>
+              <a:rPr lang="en-US" dirty="0">
+                <a:hlinkClick r:id="rId4"/>
+              </a:rPr>
+              <a:t>https://www.ers.usda.gov/webdocs/DataFiles/53180/25569_IN.pdf?v=0</a:t>
+            </a:r>
+            <a:endParaRPr lang="en-US" dirty="0"/>
+          </a:p>
+        </p:txBody>
+      </p:sp>
+      <p:sp>
+        <p:nvSpPr>
+          <p:cNvPr id="5" name="TextBox 4">
+            <a:extLst>
+              <a:ext uri="{FF2B5EF4-FFF2-40B4-BE49-F238E27FC236}">
+                <a16:creationId xmlns:a16="http://schemas.microsoft.com/office/drawing/2014/main" id="{99EB664E-F759-8247-A1CF-D164A071CB65}"/>
+              </a:ext>
+            </a:extLst>
+          </p:cNvPr>
+          <p:cNvSpPr txBox="1"/>
+          <p:nvPr/>
+        </p:nvSpPr>
+        <p:spPr>
+          <a:xfrm>
+            <a:off x="2190750" y="448235"/>
+            <a:ext cx="8305800" cy="523220"/>
+          </a:xfrm>
+          <a:prstGeom prst="rect">
+            <a:avLst/>
+          </a:prstGeom>
+          <a:noFill/>
+        </p:spPr>
+        <p:txBody>
+          <a:bodyPr wrap="square" rtlCol="0">
+            <a:spAutoFit/>
+          </a:bodyPr>
+          <a:lstStyle/>
+          <a:p>
+            <a:pPr algn="ctr"/>
+            <a:r>
+              <a:rPr lang="en-US" sz="2800" b="1" dirty="0"/>
+              <a:t>Unemployment in Rural Counties</a:t>
+            </a:r>
+          </a:p>
+        </p:txBody>
+      </p:sp>
+    </p:spTree>
+    <p:extLst>
+      <p:ext uri="{BB962C8B-B14F-4D97-AF65-F5344CB8AC3E}">
+        <p14:creationId xmlns:p14="http://schemas.microsoft.com/office/powerpoint/2010/main" val="3014765769"/>
+      </p:ext>
+    </p:extLst>
+  </p:cSld>
+  <p:clrMapOvr>
+    <a:masterClrMapping/>
+  </p:clrMapOvr>
+</p:sld>
+</file>
+
+<file path=ppt/slides/slide28.xml><?xml version="1.0" encoding="utf-8"?>
+<p:sld xmlns:a="http://schemas.openxmlformats.org/drawingml/2006/main" xmlns:r="http://schemas.openxmlformats.org/officeDocument/2006/relationships" xmlns:p="http://schemas.openxmlformats.org/presentationml/2006/main">
+  <p:cSld>
+    <p:spTree>
+      <p:nvGrpSpPr>
+        <p:cNvPr id="1" name=""/>
+        <p:cNvGrpSpPr/>
+        <p:nvPr/>
+      </p:nvGrpSpPr>
+      <p:grpSpPr>
+        <a:xfrm>
+          <a:off x="0" y="0"/>
+          <a:ext cx="0" cy="0"/>
+          <a:chOff x="0" y="0"/>
+          <a:chExt cx="0" cy="0"/>
+        </a:xfrm>
+      </p:grpSpPr>
+      <p:pic>
+        <p:nvPicPr>
+          <p:cNvPr id="5" name="Picture 4" descr="A close up of a map&#10;&#10;Description automatically generated">
+            <a:extLst>
+              <a:ext uri="{FF2B5EF4-FFF2-40B4-BE49-F238E27FC236}">
+                <a16:creationId xmlns:a16="http://schemas.microsoft.com/office/drawing/2014/main" id="{7A0B66DB-6B80-4947-A83C-6D4B8D49C9D5}"/>
+              </a:ext>
+            </a:extLst>
+          </p:cNvPr>
+          <p:cNvPicPr>
+            <a:picLocks noChangeAspect="1"/>
+          </p:cNvPicPr>
+          <p:nvPr/>
+        </p:nvPicPr>
+        <p:blipFill>
+          <a:blip r:embed="rId3">
+            <a:extLst>
+              <a:ext uri="{28A0092B-C50C-407E-A947-70E740481C1C}">
+                <a14:useLocalDpi xmlns:a14="http://schemas.microsoft.com/office/drawing/2010/main" val="0"/>
+              </a:ext>
+            </a:extLst>
+          </a:blip>
+          <a:stretch>
+            <a:fillRect/>
+          </a:stretch>
+        </p:blipFill>
+        <p:spPr>
+          <a:xfrm>
+            <a:off x="2176462" y="495300"/>
+            <a:ext cx="7839075" cy="5226050"/>
+          </a:xfrm>
+          <a:prstGeom prst="rect">
+            <a:avLst/>
+          </a:prstGeom>
+        </p:spPr>
+      </p:pic>
+    </p:spTree>
+    <p:extLst>
+      <p:ext uri="{BB962C8B-B14F-4D97-AF65-F5344CB8AC3E}">
+        <p14:creationId xmlns:p14="http://schemas.microsoft.com/office/powerpoint/2010/main" val="2782767976"/>
+      </p:ext>
+    </p:extLst>
+  </p:cSld>
+  <p:clrMapOvr>
+    <a:masterClrMapping/>
+  </p:clrMapOvr>
+</p:sld>
+</file>
+
+<file path=ppt/slides/slide29.xml><?xml version="1.0" encoding="utf-8"?>
+<p:sld xmlns:a="http://schemas.openxmlformats.org/drawingml/2006/main" xmlns:r="http://schemas.openxmlformats.org/officeDocument/2006/relationships" xmlns:p="http://schemas.openxmlformats.org/presentationml/2006/main">
+  <p:cSld>
+    <p:spTree>
+      <p:nvGrpSpPr>
+        <p:cNvPr id="1" name=""/>
+        <p:cNvGrpSpPr/>
+        <p:nvPr/>
+      </p:nvGrpSpPr>
+      <p:grpSpPr>
+        <a:xfrm>
+          <a:off x="0" y="0"/>
+          <a:ext cx="0" cy="0"/>
+          <a:chOff x="0" y="0"/>
+          <a:chExt cx="0" cy="0"/>
+        </a:xfrm>
+      </p:grpSpPr>
       <p:sp>
         <p:nvSpPr>
           <p:cNvPr id="2" name="Title 1">
             <a:extLst>
               <a:ext uri="{FF2B5EF4-FFF2-40B4-BE49-F238E27FC236}">
-                <a16:creationId xmlns:a16="http://schemas.microsoft.com/office/drawing/2014/main" id="{97CB4193-612D-9E4F-B4C4-A26F763444C8}"/>
+                <a16:creationId xmlns:a16="http://schemas.microsoft.com/office/drawing/2014/main" id="{4ECCE340-BE9F-4939-9408-BF10C66420FC}"/>
               </a:ext>
             </a:extLst>
           </p:cNvPr>
@@ -7280,7 +9033,10 @@
           </a:bodyPr>
           <a:lstStyle/>
           <a:p>
-            <a:endParaRPr lang="en-US"/>
+            <a:r>
+              <a:rPr lang="en-US" dirty="0"/>
+              <a:t>Conclusions</a:t>
+            </a:r>
           </a:p>
         </p:txBody>
       </p:sp>
@@ -7289,7 +9045,7 @@
           <p:cNvPr id="3" name="Content Placeholder 2">
             <a:extLst>
               <a:ext uri="{FF2B5EF4-FFF2-40B4-BE49-F238E27FC236}">
-                <a16:creationId xmlns:a16="http://schemas.microsoft.com/office/drawing/2014/main" id="{FF58FC90-66B0-EC4E-BA21-7F514C71DB52}"/>
+                <a16:creationId xmlns:a16="http://schemas.microsoft.com/office/drawing/2014/main" id="{C2210B30-F023-48E0-9C4F-5C73E22E4CF5}"/>
               </a:ext>
             </a:extLst>
           </p:cNvPr>
@@ -7305,14 +9061,79 @@
           <a:bodyPr/>
           <a:lstStyle/>
           <a:p>
-            <a:endParaRPr lang="en-US"/>
+            <a:pPr marL="457200" indent="-457200">
+              <a:buAutoNum type="arabicParenR"/>
+            </a:pPr>
+            <a:r>
+              <a:rPr lang="en-US" dirty="0"/>
+              <a:t>Any single demographic category is NOT a good predictor of which 2016 presidential candidate won any Indiana county.</a:t>
+            </a:r>
+          </a:p>
+          <a:p>
+            <a:pPr marL="914400" lvl="1" indent="-457200">
+              <a:buAutoNum type="arabicParenR"/>
+            </a:pPr>
+            <a:r>
+              <a:rPr lang="en-US" dirty="0"/>
+              <a:t>None of the plots we ran provided us with a moderate or strong correlation</a:t>
+            </a:r>
+          </a:p>
+          <a:p>
+            <a:pPr marL="457200" indent="-457200">
+              <a:buFont typeface="Arial" panose="020B0604020202020204" pitchFamily="34" charset="0"/>
+              <a:buAutoNum type="arabicParenR"/>
+            </a:pPr>
+            <a:r>
+              <a:rPr lang="en-US" dirty="0"/>
+              <a:t>When multiple variables are introduced, we saw improved correlation between the census variable and the election results</a:t>
+            </a:r>
+          </a:p>
+          <a:p>
+            <a:pPr marL="914400" lvl="1" indent="-457200">
+              <a:buFont typeface="Arial" panose="020B0604020202020204" pitchFamily="34" charset="0"/>
+              <a:buAutoNum type="arabicParenR"/>
+            </a:pPr>
+            <a:r>
+              <a:rPr lang="en-US" dirty="0"/>
+              <a:t>Pearson’s correlation testing provided us with moderate to strong correlation on several of the plots we ran</a:t>
+            </a:r>
+          </a:p>
+          <a:p>
+            <a:pPr marL="1371600" lvl="2" indent="-457200">
+              <a:buFont typeface="Arial" panose="020B0604020202020204" pitchFamily="34" charset="0"/>
+              <a:buAutoNum type="arabicParenR"/>
+            </a:pPr>
+            <a:r>
+              <a:rPr lang="en-US" dirty="0"/>
+              <a:t>Education with race vs. DEM/GOP vote</a:t>
+            </a:r>
+          </a:p>
+          <a:p>
+            <a:pPr marL="1371600" lvl="2" indent="-457200">
+              <a:buFont typeface="Arial" panose="020B0604020202020204" pitchFamily="34" charset="0"/>
+              <a:buAutoNum type="arabicParenR"/>
+            </a:pPr>
+            <a:r>
+              <a:rPr lang="en-US" dirty="0"/>
+              <a:t>Race (white) vs. GOP vote</a:t>
+            </a:r>
+          </a:p>
+          <a:p>
+            <a:pPr marL="1371600" lvl="2" indent="-457200">
+              <a:buFont typeface="Arial" panose="020B0604020202020204" pitchFamily="34" charset="0"/>
+              <a:buAutoNum type="arabicParenR"/>
+            </a:pPr>
+            <a:r>
+              <a:rPr lang="en-US" dirty="0"/>
+              <a:t>Age (65+) vs GOP vote</a:t>
+            </a:r>
           </a:p>
         </p:txBody>
       </p:sp>
     </p:spTree>
     <p:extLst>
       <p:ext uri="{BB962C8B-B14F-4D97-AF65-F5344CB8AC3E}">
-        <p14:creationId xmlns:p14="http://schemas.microsoft.com/office/powerpoint/2010/main" val="552928773"/>
+        <p14:creationId xmlns:p14="http://schemas.microsoft.com/office/powerpoint/2010/main" val="3708139832"/>
       </p:ext>
     </p:extLst>
   </p:cSld>
@@ -7395,6 +9216,135 @@
 </p:sld>
 </file>
 
+<file path=ppt/slides/slide30.xml><?xml version="1.0" encoding="utf-8"?>
+<p:sld xmlns:a="http://schemas.openxmlformats.org/drawingml/2006/main" xmlns:r="http://schemas.openxmlformats.org/officeDocument/2006/relationships" xmlns:p="http://schemas.openxmlformats.org/presentationml/2006/main">
+  <p:cSld>
+    <p:spTree>
+      <p:nvGrpSpPr>
+        <p:cNvPr id="1" name=""/>
+        <p:cNvGrpSpPr/>
+        <p:nvPr/>
+      </p:nvGrpSpPr>
+      <p:grpSpPr>
+        <a:xfrm>
+          <a:off x="0" y="0"/>
+          <a:ext cx="0" cy="0"/>
+          <a:chOff x="0" y="0"/>
+          <a:chExt cx="0" cy="0"/>
+        </a:xfrm>
+      </p:grpSpPr>
+      <p:sp>
+        <p:nvSpPr>
+          <p:cNvPr id="2" name="Title 1">
+            <a:extLst>
+              <a:ext uri="{FF2B5EF4-FFF2-40B4-BE49-F238E27FC236}">
+                <a16:creationId xmlns:a16="http://schemas.microsoft.com/office/drawing/2014/main" id="{4ECCE340-BE9F-4939-9408-BF10C66420FC}"/>
+              </a:ext>
+            </a:extLst>
+          </p:cNvPr>
+          <p:cNvSpPr>
+            <a:spLocks noGrp="1"/>
+          </p:cNvSpPr>
+          <p:nvPr>
+            <p:ph type="title"/>
+          </p:nvPr>
+        </p:nvSpPr>
+        <p:spPr/>
+        <p:txBody>
+          <a:bodyPr>
+            <a:normAutofit fontScale="90000"/>
+          </a:bodyPr>
+          <a:lstStyle/>
+          <a:p>
+            <a:r>
+              <a:rPr lang="en-US" dirty="0"/>
+              <a:t>G. Next steps</a:t>
+            </a:r>
+          </a:p>
+        </p:txBody>
+      </p:sp>
+      <p:sp>
+        <p:nvSpPr>
+          <p:cNvPr id="3" name="Content Placeholder 2">
+            <a:extLst>
+              <a:ext uri="{FF2B5EF4-FFF2-40B4-BE49-F238E27FC236}">
+                <a16:creationId xmlns:a16="http://schemas.microsoft.com/office/drawing/2014/main" id="{C2210B30-F023-48E0-9C4F-5C73E22E4CF5}"/>
+              </a:ext>
+            </a:extLst>
+          </p:cNvPr>
+          <p:cNvSpPr>
+            <a:spLocks noGrp="1"/>
+          </p:cNvSpPr>
+          <p:nvPr>
+            <p:ph idx="1"/>
+          </p:nvPr>
+        </p:nvSpPr>
+        <p:spPr/>
+        <p:txBody>
+          <a:bodyPr/>
+          <a:lstStyle/>
+          <a:p>
+            <a:r>
+              <a:rPr lang="en-US" dirty="0"/>
+              <a:t>With more time, we would develop a prediction model comparing actual vs. expected results and run </a:t>
+            </a:r>
+            <a:r>
+              <a:rPr lang="en-US" dirty="0" err="1"/>
+              <a:t>ttests</a:t>
+            </a:r>
+            <a:r>
+              <a:rPr lang="en-US" dirty="0"/>
+              <a:t> (Michael)</a:t>
+            </a:r>
+          </a:p>
+          <a:p>
+            <a:pPr lvl="1"/>
+            <a:r>
+              <a:rPr lang="en-US" dirty="0"/>
+              <a:t>We would add:</a:t>
+            </a:r>
+          </a:p>
+          <a:p>
+            <a:pPr lvl="2"/>
+            <a:r>
+              <a:rPr lang="en-US" dirty="0"/>
+              <a:t>More exit polling data</a:t>
+            </a:r>
+          </a:p>
+          <a:p>
+            <a:pPr lvl="2"/>
+            <a:r>
+              <a:rPr lang="en-US" dirty="0"/>
+              <a:t>Election results from additional years and races</a:t>
+            </a:r>
+          </a:p>
+          <a:p>
+            <a:r>
+              <a:rPr lang="en-US" dirty="0"/>
+              <a:t>We would incorporate and test more Census variables</a:t>
+            </a:r>
+          </a:p>
+          <a:p>
+            <a:r>
+              <a:rPr lang="en-US" dirty="0"/>
+              <a:t>We would combine Census variables</a:t>
+            </a:r>
+          </a:p>
+        </p:txBody>
+      </p:sp>
+    </p:spTree>
+    <p:extLst>
+      <p:ext uri="{BB962C8B-B14F-4D97-AF65-F5344CB8AC3E}">
+        <p14:creationId xmlns:p14="http://schemas.microsoft.com/office/powerpoint/2010/main" val="3621984787"/>
+      </p:ext>
+    </p:extLst>
+  </p:cSld>
+  <p:clrMapOvr>
+    <a:masterClrMapping/>
+  </p:clrMapOvr>
+</p:sld>
+</file>
+
 <file path=ppt/slides/slide4.xml><?xml version="1.0" encoding="utf-8"?>
 <p:sld xmlns:a="http://schemas.openxmlformats.org/drawingml/2006/main" xmlns:r="http://schemas.openxmlformats.org/officeDocument/2006/relationships" xmlns:p="http://schemas.openxmlformats.org/presentationml/2006/main">
   <p:cSld>
@@ -7437,7 +9387,7 @@
           <a:p>
             <a:r>
               <a:rPr lang="en-US" dirty="0"/>
-              <a:t>B. Theory (Nirmal)</a:t>
+              <a:t>Theory</a:t>
             </a:r>
           </a:p>
         </p:txBody>
@@ -7472,7 +9422,49 @@
             <a:pPr lvl="1"/>
             <a:r>
               <a:rPr lang="en-US" dirty="0"/>
-              <a:t>Single demographic categories are effective predictors of which political party wins</a:t>
+              <a:t>A Single demographic category is an effective predictor of which political party wins</a:t>
+            </a:r>
+          </a:p>
+          <a:p>
+            <a:pPr lvl="2"/>
+            <a:r>
+              <a:rPr lang="en-US" dirty="0"/>
+              <a:t>Education</a:t>
+            </a:r>
+          </a:p>
+          <a:p>
+            <a:pPr lvl="2"/>
+            <a:r>
+              <a:rPr lang="en-US" dirty="0"/>
+              <a:t>Median Income</a:t>
+            </a:r>
+          </a:p>
+          <a:p>
+            <a:pPr lvl="2"/>
+            <a:r>
+              <a:rPr lang="en-US" dirty="0"/>
+              <a:t>Race</a:t>
+            </a:r>
+          </a:p>
+          <a:p>
+            <a:pPr lvl="2"/>
+            <a:r>
+              <a:rPr lang="en-US" dirty="0"/>
+              <a:t>Median Home Value</a:t>
+            </a:r>
+          </a:p>
+          <a:p>
+            <a:pPr lvl="2"/>
+            <a:r>
+              <a:rPr lang="en-US" dirty="0"/>
+              <a:t>Employment</a:t>
+            </a:r>
+          </a:p>
+          <a:p>
+            <a:pPr lvl="2"/>
+            <a:r>
+              <a:rPr lang="en-US" dirty="0"/>
+              <a:t>Age</a:t>
             </a:r>
           </a:p>
         </p:txBody>
@@ -7532,7 +9524,7 @@
           <a:p>
             <a:r>
               <a:rPr lang="en-US" dirty="0"/>
-              <a:t>C. Describe data sets used</a:t>
+              <a:t>Describe data sets used</a:t>
             </a:r>
           </a:p>
         </p:txBody>
@@ -7560,14 +9552,13 @@
           <a:p>
             <a:r>
               <a:rPr lang="en-US" dirty="0"/>
-              <a:t>2016 Indiana election results by county</a:t>
-            </a:r>
-          </a:p>
-          <a:p>
-            <a:pPr lvl="1"/>
+              <a:t>Data sets used</a:t>
+            </a:r>
+          </a:p>
+          <a:p>
             <a:r>
               <a:rPr lang="en-US" dirty="0"/>
-              <a:t>Harvard </a:t>
+              <a:t>2016 Indiana election results by county Harvard </a:t>
             </a:r>
             <a:r>
               <a:rPr lang="en-US" dirty="0" err="1"/>
@@ -7575,37 +9566,41 @@
             </a:r>
             <a:r>
               <a:rPr lang="en-US" dirty="0"/>
-              <a:t> (as maintained by the MIT Election Data and Science Lab)</a:t>
+              <a:t> as maintained by the MIT Election Data and Science Lab</a:t>
             </a:r>
           </a:p>
           <a:p>
             <a:pPr lvl="1"/>
             <a:r>
               <a:rPr lang="en-US" dirty="0"/>
-              <a:t>What race/candidates</a:t>
-            </a:r>
-          </a:p>
-          <a:p>
-            <a:endParaRPr lang="en-US" dirty="0"/>
-          </a:p>
-          <a:p>
+              <a:t>All 92 counties</a:t>
+            </a:r>
+          </a:p>
+          <a:p>
+            <a:pPr lvl="1"/>
             <a:r>
               <a:rPr lang="en-US" dirty="0"/>
-              <a:t>2016  Five Year American Community Survey (ACS) conducted by the U.S. Census Bureau</a:t>
+              <a:t>2016 Presidential Election between Hillary Clinton and Donald Trump</a:t>
+            </a:r>
+          </a:p>
+          <a:p>
+            <a:r>
+              <a:rPr lang="en-US" dirty="0"/>
+              <a:t>2016 annual American Community Survey (ACS) conducted by the U.S. Census</a:t>
             </a:r>
           </a:p>
           <a:p>
             <a:pPr lvl="1"/>
             <a:r>
               <a:rPr lang="en-US" dirty="0"/>
-              <a:t>Why use the five year?</a:t>
+              <a:t>Used API</a:t>
             </a:r>
           </a:p>
           <a:p>
             <a:pPr lvl="1"/>
             <a:r>
               <a:rPr lang="en-US" dirty="0"/>
-              <a:t>There are approximately 20,000 variables available</a:t>
+              <a:t>There were approximately 20,000 variables available to select</a:t>
             </a:r>
           </a:p>
           <a:p>
@@ -7619,12 +9614,15 @@
             <a:pPr lvl="1"/>
             <a:r>
               <a:rPr lang="en-US" dirty="0"/>
+              <a:t>We selected six</a:t>
+            </a:r>
+          </a:p>
+          <a:p>
+            <a:pPr lvl="1"/>
+            <a:r>
+              <a:rPr lang="en-US" dirty="0"/>
               <a:t>Methodology</a:t>
             </a:r>
-          </a:p>
-          <a:p>
-            <a:pPr lvl="2"/>
-            <a:endParaRPr lang="en-US" dirty="0"/>
           </a:p>
         </p:txBody>
       </p:sp>
@@ -7663,7 +9661,7 @@
           <p:cNvPr id="2" name="Title 1">
             <a:extLst>
               <a:ext uri="{FF2B5EF4-FFF2-40B4-BE49-F238E27FC236}">
-                <a16:creationId xmlns:a16="http://schemas.microsoft.com/office/drawing/2014/main" id="{4ECCE340-BE9F-4939-9408-BF10C66420FC}"/>
+                <a16:creationId xmlns:a16="http://schemas.microsoft.com/office/drawing/2014/main" id="{77F00A3F-274B-4343-8010-409A0EF0B737}"/>
               </a:ext>
             </a:extLst>
           </p:cNvPr>
@@ -7681,57 +9679,54 @@
           </a:bodyPr>
           <a:lstStyle/>
           <a:p>
+            <a:pPr algn="ctr"/>
             <a:r>
               <a:rPr lang="en-US" dirty="0"/>
-              <a:t>D. Questions to answer (TBD)</a:t>
-            </a:r>
-          </a:p>
-        </p:txBody>
-      </p:sp>
-      <p:sp>
-        <p:nvSpPr>
-          <p:cNvPr id="3" name="Content Placeholder 2">
+              <a:t>Data Acquisition and Cleanup</a:t>
+            </a:r>
+          </a:p>
+        </p:txBody>
+      </p:sp>
+      <p:pic>
+        <p:nvPicPr>
+          <p:cNvPr id="5" name="Picture 4" descr="A screenshot of a social media post&#10;&#10;Description automatically generated">
             <a:extLst>
               <a:ext uri="{FF2B5EF4-FFF2-40B4-BE49-F238E27FC236}">
-                <a16:creationId xmlns:a16="http://schemas.microsoft.com/office/drawing/2014/main" id="{C2210B30-F023-48E0-9C4F-5C73E22E4CF5}"/>
+                <a16:creationId xmlns:a16="http://schemas.microsoft.com/office/drawing/2014/main" id="{82B2C0E5-033C-2945-97F5-6B0DB23ADFF7}"/>
               </a:ext>
             </a:extLst>
           </p:cNvPr>
-          <p:cNvSpPr>
-            <a:spLocks noGrp="1"/>
-          </p:cNvSpPr>
-          <p:nvPr>
-            <p:ph idx="1"/>
-          </p:nvPr>
-        </p:nvSpPr>
-        <p:spPr/>
-        <p:txBody>
-          <a:bodyPr/>
-          <a:lstStyle/>
-          <a:p>
-            <a:r>
-              <a:rPr lang="en-US" dirty="0"/>
-              <a:t>?</a:t>
-            </a:r>
-          </a:p>
-          <a:p>
-            <a:r>
-              <a:rPr lang="en-US" dirty="0"/>
-              <a:t>?</a:t>
-            </a:r>
-          </a:p>
-          <a:p>
-            <a:r>
-              <a:rPr lang="en-US" dirty="0"/>
-              <a:t>?</a:t>
-            </a:r>
-          </a:p>
-        </p:txBody>
-      </p:sp>
+          <p:cNvPicPr>
+            <a:picLocks noChangeAspect="1"/>
+          </p:cNvPicPr>
+          <p:nvPr/>
+        </p:nvPicPr>
+        <p:blipFill>
+          <a:blip r:embed="rId3">
+            <a:extLst>
+              <a:ext uri="{28A0092B-C50C-407E-A947-70E740481C1C}">
+                <a14:useLocalDpi xmlns:a14="http://schemas.microsoft.com/office/drawing/2010/main" val="0"/>
+              </a:ext>
+            </a:extLst>
+          </a:blip>
+          <a:stretch>
+            <a:fillRect/>
+          </a:stretch>
+        </p:blipFill>
+        <p:spPr>
+          <a:xfrm>
+            <a:off x="2247900" y="959224"/>
+            <a:ext cx="8001000" cy="4732986"/>
+          </a:xfrm>
+          <a:prstGeom prst="rect">
+            <a:avLst/>
+          </a:prstGeom>
+        </p:spPr>
+      </p:pic>
     </p:spTree>
     <p:extLst>
       <p:ext uri="{BB962C8B-B14F-4D97-AF65-F5344CB8AC3E}">
-        <p14:creationId xmlns:p14="http://schemas.microsoft.com/office/powerpoint/2010/main" val="2239757287"/>
+        <p14:creationId xmlns:p14="http://schemas.microsoft.com/office/powerpoint/2010/main" val="3555443697"/>
       </p:ext>
     </p:extLst>
   </p:cSld>
@@ -7763,7 +9758,7 @@
           <p:cNvPr id="2" name="Title 1">
             <a:extLst>
               <a:ext uri="{FF2B5EF4-FFF2-40B4-BE49-F238E27FC236}">
-                <a16:creationId xmlns:a16="http://schemas.microsoft.com/office/drawing/2014/main" id="{4ECCE340-BE9F-4939-9408-BF10C66420FC}"/>
+                <a16:creationId xmlns:a16="http://schemas.microsoft.com/office/drawing/2014/main" id="{BA9581D6-F0E3-0D44-90E3-65C271E4F8B3}"/>
               </a:ext>
             </a:extLst>
           </p:cNvPr>
@@ -7781,57 +9776,78 @@
           </a:bodyPr>
           <a:lstStyle/>
           <a:p>
+            <a:pPr algn="ctr"/>
             <a:r>
               <a:rPr lang="en-US" dirty="0"/>
-              <a:t>E. Category plots (all)</a:t>
-            </a:r>
-          </a:p>
-        </p:txBody>
-      </p:sp>
-      <p:sp>
-        <p:nvSpPr>
-          <p:cNvPr id="3" name="Content Placeholder 2">
+              <a:t>Data Acquisition and Cleanup</a:t>
+            </a:r>
+          </a:p>
+        </p:txBody>
+      </p:sp>
+      <p:pic>
+        <p:nvPicPr>
+          <p:cNvPr id="4" name="Picture 3">
             <a:extLst>
               <a:ext uri="{FF2B5EF4-FFF2-40B4-BE49-F238E27FC236}">
-                <a16:creationId xmlns:a16="http://schemas.microsoft.com/office/drawing/2014/main" id="{C2210B30-F023-48E0-9C4F-5C73E22E4CF5}"/>
+                <a16:creationId xmlns:a16="http://schemas.microsoft.com/office/drawing/2014/main" id="{89072F23-878E-4F50-BBF9-1201C84AEEBD}"/>
               </a:ext>
             </a:extLst>
           </p:cNvPr>
-          <p:cNvSpPr>
-            <a:spLocks noGrp="1"/>
-          </p:cNvSpPr>
-          <p:nvPr>
-            <p:ph idx="1"/>
-          </p:nvPr>
-        </p:nvSpPr>
-        <p:spPr/>
-        <p:txBody>
-          <a:bodyPr/>
-          <a:lstStyle/>
-          <a:p>
-            <a:r>
-              <a:rPr lang="en-US" dirty="0"/>
-              <a:t>Education &amp; Home Value (Michael)</a:t>
-            </a:r>
-          </a:p>
-          <a:p>
-            <a:r>
-              <a:rPr lang="en-US" dirty="0"/>
-              <a:t>Income &amp; Race (Nirmal)</a:t>
-            </a:r>
-          </a:p>
-          <a:p>
-            <a:r>
-              <a:rPr lang="en-US" dirty="0"/>
-              <a:t>Age &amp; Employment (Allyson)</a:t>
-            </a:r>
-          </a:p>
-        </p:txBody>
-      </p:sp>
+          <p:cNvPicPr>
+            <a:picLocks noChangeAspect="1"/>
+          </p:cNvPicPr>
+          <p:nvPr/>
+        </p:nvPicPr>
+        <p:blipFill>
+          <a:blip r:embed="rId3"/>
+          <a:stretch>
+            <a:fillRect/>
+          </a:stretch>
+        </p:blipFill>
+        <p:spPr>
+          <a:xfrm>
+            <a:off x="266700" y="990600"/>
+            <a:ext cx="4464419" cy="4851188"/>
+          </a:xfrm>
+          <a:prstGeom prst="rect">
+            <a:avLst/>
+          </a:prstGeom>
+        </p:spPr>
+      </p:pic>
+      <p:pic>
+        <p:nvPicPr>
+          <p:cNvPr id="5" name="Picture 4">
+            <a:extLst>
+              <a:ext uri="{FF2B5EF4-FFF2-40B4-BE49-F238E27FC236}">
+                <a16:creationId xmlns:a16="http://schemas.microsoft.com/office/drawing/2014/main" id="{8B3CA877-F216-4605-98C6-F0BF21D309DD}"/>
+              </a:ext>
+            </a:extLst>
+          </p:cNvPr>
+          <p:cNvPicPr>
+            <a:picLocks noChangeAspect="1"/>
+          </p:cNvPicPr>
+          <p:nvPr/>
+        </p:nvPicPr>
+        <p:blipFill>
+          <a:blip r:embed="rId4"/>
+          <a:stretch>
+            <a:fillRect/>
+          </a:stretch>
+        </p:blipFill>
+        <p:spPr>
+          <a:xfrm>
+            <a:off x="4894802" y="1194837"/>
+            <a:ext cx="7189711" cy="4468325"/>
+          </a:xfrm>
+          <a:prstGeom prst="rect">
+            <a:avLst/>
+          </a:prstGeom>
+        </p:spPr>
+      </p:pic>
     </p:spTree>
     <p:extLst>
       <p:ext uri="{BB962C8B-B14F-4D97-AF65-F5344CB8AC3E}">
-        <p14:creationId xmlns:p14="http://schemas.microsoft.com/office/powerpoint/2010/main" val="3823791757"/>
+        <p14:creationId xmlns:p14="http://schemas.microsoft.com/office/powerpoint/2010/main" val="2451075067"/>
       </p:ext>
     </p:extLst>
   </p:cSld>
@@ -7858,10 +9874,80 @@
           <a:chExt cx="0" cy="0"/>
         </a:xfrm>
       </p:grpSpPr>
+      <p:sp>
+        <p:nvSpPr>
+          <p:cNvPr id="2" name="Title 1">
+            <a:extLst>
+              <a:ext uri="{FF2B5EF4-FFF2-40B4-BE49-F238E27FC236}">
+                <a16:creationId xmlns:a16="http://schemas.microsoft.com/office/drawing/2014/main" id="{4ECCE340-BE9F-4939-9408-BF10C66420FC}"/>
+              </a:ext>
+            </a:extLst>
+          </p:cNvPr>
+          <p:cNvSpPr>
+            <a:spLocks noGrp="1"/>
+          </p:cNvSpPr>
+          <p:nvPr>
+            <p:ph type="title"/>
+          </p:nvPr>
+        </p:nvSpPr>
+        <p:spPr/>
+        <p:txBody>
+          <a:bodyPr>
+            <a:normAutofit fontScale="90000"/>
+          </a:bodyPr>
+          <a:lstStyle/>
+          <a:p>
+            <a:r>
+              <a:rPr lang="en-US" dirty="0"/>
+              <a:t>Questions to answer</a:t>
+            </a:r>
+          </a:p>
+        </p:txBody>
+      </p:sp>
+      <p:sp>
+        <p:nvSpPr>
+          <p:cNvPr id="3" name="Content Placeholder 2">
+            <a:extLst>
+              <a:ext uri="{FF2B5EF4-FFF2-40B4-BE49-F238E27FC236}">
+                <a16:creationId xmlns:a16="http://schemas.microsoft.com/office/drawing/2014/main" id="{C2210B30-F023-48E0-9C4F-5C73E22E4CF5}"/>
+              </a:ext>
+            </a:extLst>
+          </p:cNvPr>
+          <p:cNvSpPr>
+            <a:spLocks noGrp="1"/>
+          </p:cNvSpPr>
+          <p:nvPr>
+            <p:ph idx="1"/>
+          </p:nvPr>
+        </p:nvSpPr>
+        <p:spPr/>
+        <p:txBody>
+          <a:bodyPr/>
+          <a:lstStyle/>
+          <a:p>
+            <a:r>
+              <a:rPr lang="en-US" dirty="0"/>
+              <a:t>Does median age/unemployment predict the DEM/GOP % vote in a county</a:t>
+            </a:r>
+          </a:p>
+          <a:p>
+            <a:r>
+              <a:rPr lang="en-US" dirty="0"/>
+              <a:t>Does median home value/education predict the DEM/GOP % in a county</a:t>
+            </a:r>
+          </a:p>
+          <a:p>
+            <a:r>
+              <a:rPr lang="en-US" dirty="0"/>
+              <a:t>Does race/median income predict the DEM/GOP % in a county</a:t>
+            </a:r>
+          </a:p>
+        </p:txBody>
+      </p:sp>
     </p:spTree>
     <p:extLst>
       <p:ext uri="{BB962C8B-B14F-4D97-AF65-F5344CB8AC3E}">
-        <p14:creationId xmlns:p14="http://schemas.microsoft.com/office/powerpoint/2010/main" val="1141759141"/>
+        <p14:creationId xmlns:p14="http://schemas.microsoft.com/office/powerpoint/2010/main" val="2239757287"/>
       </p:ext>
     </p:extLst>
   </p:cSld>
@@ -7872,7 +9958,7 @@
 </file>
 
 <file path=ppt/slides/slide9.xml><?xml version="1.0" encoding="utf-8"?>
-<p:sld xmlns:a="http://schemas.openxmlformats.org/drawingml/2006/main" xmlns:r="http://schemas.openxmlformats.org/officeDocument/2006/relationships" xmlns:p="http://schemas.openxmlformats.org/presentationml/2006/main">
+<p:sld xmlns:a="http://schemas.openxmlformats.org/drawingml/2006/main" xmlns:r="http://schemas.openxmlformats.org/officeDocument/2006/relationships" xmlns:p="http://schemas.openxmlformats.org/presentationml/2006/main" show="0">
   <p:cSld>
     <p:spTree>
       <p:nvGrpSpPr>
@@ -7888,10 +9974,80 @@
           <a:chExt cx="0" cy="0"/>
         </a:xfrm>
       </p:grpSpPr>
+      <p:sp>
+        <p:nvSpPr>
+          <p:cNvPr id="2" name="Title 1">
+            <a:extLst>
+              <a:ext uri="{FF2B5EF4-FFF2-40B4-BE49-F238E27FC236}">
+                <a16:creationId xmlns:a16="http://schemas.microsoft.com/office/drawing/2014/main" id="{4ECCE340-BE9F-4939-9408-BF10C66420FC}"/>
+              </a:ext>
+            </a:extLst>
+          </p:cNvPr>
+          <p:cNvSpPr>
+            <a:spLocks noGrp="1"/>
+          </p:cNvSpPr>
+          <p:nvPr>
+            <p:ph type="title"/>
+          </p:nvPr>
+        </p:nvSpPr>
+        <p:spPr/>
+        <p:txBody>
+          <a:bodyPr>
+            <a:normAutofit fontScale="90000"/>
+          </a:bodyPr>
+          <a:lstStyle/>
+          <a:p>
+            <a:r>
+              <a:rPr lang="en-US" dirty="0"/>
+              <a:t>Category plots</a:t>
+            </a:r>
+          </a:p>
+        </p:txBody>
+      </p:sp>
+      <p:sp>
+        <p:nvSpPr>
+          <p:cNvPr id="3" name="Content Placeholder 2">
+            <a:extLst>
+              <a:ext uri="{FF2B5EF4-FFF2-40B4-BE49-F238E27FC236}">
+                <a16:creationId xmlns:a16="http://schemas.microsoft.com/office/drawing/2014/main" id="{C2210B30-F023-48E0-9C4F-5C73E22E4CF5}"/>
+              </a:ext>
+            </a:extLst>
+          </p:cNvPr>
+          <p:cNvSpPr>
+            <a:spLocks noGrp="1"/>
+          </p:cNvSpPr>
+          <p:nvPr>
+            <p:ph idx="1"/>
+          </p:nvPr>
+        </p:nvSpPr>
+        <p:spPr/>
+        <p:txBody>
+          <a:bodyPr/>
+          <a:lstStyle/>
+          <a:p>
+            <a:r>
+              <a:rPr lang="en-US" dirty="0"/>
+              <a:t>Education &amp; Home Value (Michael)</a:t>
+            </a:r>
+          </a:p>
+          <a:p>
+            <a:r>
+              <a:rPr lang="en-US" dirty="0"/>
+              <a:t>Income &amp; Race (Nirmal)</a:t>
+            </a:r>
+          </a:p>
+          <a:p>
+            <a:r>
+              <a:rPr lang="en-US" dirty="0"/>
+              <a:t>Age &amp; Employment (Allyson)</a:t>
+            </a:r>
+          </a:p>
+        </p:txBody>
+      </p:sp>
     </p:spTree>
     <p:extLst>
       <p:ext uri="{BB962C8B-B14F-4D97-AF65-F5344CB8AC3E}">
-        <p14:creationId xmlns:p14="http://schemas.microsoft.com/office/powerpoint/2010/main" val="132451851"/>
+        <p14:creationId xmlns:p14="http://schemas.microsoft.com/office/powerpoint/2010/main" val="3823791757"/>
       </p:ext>
     </p:extLst>
   </p:cSld>
